--- a/resource/docs/first.pptx
+++ b/resource/docs/first.pptx
@@ -4175,7 +4175,11 @@
           <a:lstStyle/>
           <a:p>
             <a:pPr algn="ctr"/>
-            <a:endParaRPr lang="ko-KR" altLang="en-US"/>
+            <a:r>
+              <a:rPr lang="en-US" altLang="ko-KR" dirty="0" smtClean="0"/>
+              <a:t>ICS 4</a:t>
+            </a:r>
+            <a:endParaRPr lang="ko-KR" altLang="en-US" dirty="0"/>
           </a:p>
         </p:txBody>
       </p:sp>
@@ -4218,7 +4222,11 @@
           <a:lstStyle/>
           <a:p>
             <a:pPr algn="ctr"/>
-            <a:endParaRPr lang="ko-KR" altLang="en-US"/>
+            <a:r>
+              <a:rPr lang="en-US" altLang="ko-KR" dirty="0" smtClean="0"/>
+              <a:t>ICS 5</a:t>
+            </a:r>
+            <a:endParaRPr lang="ko-KR" altLang="en-US" dirty="0"/>
           </a:p>
         </p:txBody>
       </p:sp>
@@ -4261,7 +4269,55 @@
           <a:lstStyle/>
           <a:p>
             <a:pPr algn="ctr"/>
-            <a:endParaRPr lang="ko-KR" altLang="en-US"/>
+            <a:r>
+              <a:rPr lang="en-US" altLang="ko-KR" dirty="0" smtClean="0"/>
+              <a:t>ICS 6</a:t>
+            </a:r>
+            <a:endParaRPr lang="ko-KR" altLang="en-US" dirty="0"/>
+          </a:p>
+        </p:txBody>
+      </p:sp>
+      <p:sp>
+        <p:nvSpPr>
+          <p:cNvPr id="7" name="직사각형 6"/>
+          <p:cNvSpPr/>
+          <p:nvPr/>
+        </p:nvSpPr>
+        <p:spPr>
+          <a:xfrm>
+            <a:off x="6372200" y="3429000"/>
+            <a:ext cx="936104" cy="1872208"/>
+          </a:xfrm>
+          <a:prstGeom prst="rect">
+            <a:avLst/>
+          </a:prstGeom>
+        </p:spPr>
+        <p:style>
+          <a:lnRef idx="2">
+            <a:schemeClr val="accent1">
+              <a:shade val="50000"/>
+            </a:schemeClr>
+          </a:lnRef>
+          <a:fillRef idx="1">
+            <a:schemeClr val="accent1"/>
+          </a:fillRef>
+          <a:effectRef idx="0">
+            <a:schemeClr val="accent1"/>
+          </a:effectRef>
+          <a:fontRef idx="minor">
+            <a:schemeClr val="lt1"/>
+          </a:fontRef>
+        </p:style>
+        <p:txBody>
+          <a:bodyPr rtlCol="0" anchor="ctr"/>
+          <a:lstStyle/>
+          <a:p>
+            <a:pPr algn="ctr"/>
+            <a:r>
+              <a:rPr lang="en-US" altLang="ko-KR" dirty="0" smtClean="0"/>
+              <a:t>ICS 7</a:t>
+            </a:r>
+            <a:endParaRPr lang="ko-KR" altLang="en-US" dirty="0"/>
           </a:p>
         </p:txBody>
       </p:sp>
@@ -4363,6 +4419,92 @@
           <a:xfrm>
             <a:off x="827584" y="2636912"/>
             <a:ext cx="3240360" cy="3528392"/>
+          </a:xfrm>
+          <a:prstGeom prst="rect">
+            <a:avLst/>
+          </a:prstGeom>
+          <a:noFill/>
+        </p:spPr>
+      </p:pic>
+      <p:sp>
+        <p:nvSpPr>
+          <p:cNvPr id="24580" name="AutoShape 4" descr="data:image/jpeg;base64,/9j/4AAQSkZJRgABAQAAAQABAAD/2wCEAAkGBxQTEhUUEhQVFhUXGRsbGBgYGRoaGhwfGhoYGhoYHhwdHyggHBolHBoYIjIhJSorLi4uHB8zODMsNygtLisBCgoKDg0OGxAQGy8kHyQsLCwsLCwsLCwsLCwsLCwsLCwsLCwsLCwsLCwsLCwsLCwsLCwsLCwsLCwsLCwsLCwsLP/AABEIALcBEwMBIgACEQEDEQH/xAAbAAACAwEBAQAAAAAAAAAAAAAEBQIDBgABB//EAD8QAAECBQIEBAQEBQQBAwUAAAECEQADEiExBEEFIlFhE3GBkQYyobFCwdHwBxQjUuEzYoLxchU0khYkQ6Kj/8QAGQEAAwEBAQAAAAAAAAAAAAAAAAECAwQF/8QAJxEAAgICAgICAQQDAAAAAAAAAAECESExAxJBURNhBCJxsfCBkaH/2gAMAwEAAhEDEQA/APmWg09TKxnH2xDCXqKWGb7h29sHvmEmg1xlqIIdKtrjtkEbQylcXSqykqAsBSASO1yD9Y5ZKV/RGS7V6oVFKWYZKhUT2JN/XtAspctZCVoJP9yS+cNf6QSQkEKJJLNYi+HUUvy+QglOpSAHBCVOAxBVYF2sHG2HiLS0BmJ8koWUqs2Xt9+zRbLnsM3HqY0mo4f4stVJRgEWdQbLkAkJYN0L4tCHVcKmoKiEqIG4Bxh/16RtGcZD2cjVuygBVjLWz7e8BnWqKyoZ3B5vv9otSkKvu/e3Q9o9mSQNmPX9OsVSQE+Gzg5qFtxiLZwShQKHIIcPFOkkOcsXBc4hueYCp1NfAINmHcKDxlNpMllEhSSF2cqAfffItYmPONaFSUpDMDR1vUmoFiAcEZ3EXoWhixZh0IJvh8PE9XrTMQgKY0thPMGJpvuz+VoqEhpmd8Ig3a+L/eLZ5DB6fytF/EADzJBqdmb1d+n6wFqpRBA7P73MabyMskkVBg32fqD0goTKS7wNpZbg7FmfzxFqEFIY+cJ0InqtYFEG4ItYCLHUSWJ739m+kQRIqHK1rt2vu0F6dRI2YC4SSTf6/vzgpJCA9RKW6iQWb5mz394C1b2Jh8aSkBxixyLjJ77vAqkJSnD3u58/8w1IBSlTFxFiVQbN06VjlSyhhhY9vPvAKVsWUMehik7GM9BqSkuHfYm4hrX4lyq5Bfq+H7beghDpqTtjzg+QRhz++0Q0A1ky25lM53s1WPJt/fyj2dJQNy7N9SzW7en2DUpwUlLXBx53y7N5xJOkJYKLD8IcF9s7HH7DQsjYV4GCCD1YG3mf16wv1OoCT8oPc9+28FywZYa1xvdLC+0I1TklZKrdGc79CfvExVvJDQepyiooSU5+VLfvvAkxAN5YbqBcdPSGMvS8wUGIZqgQw7ZwxgbxUBakjZsPf/ECl6CienlEp5SAdwbH2hjLWQBUmotn9N4UCeSrBi+WpQLMVd7/AJYilJywyGhinUKUCH3s/wC/1gdWmVchIbzAESWEkAsoKHT6jtEpptcEdC7t+n6mH3fgN7AVLIO3uI6L0z5ff3b846L7v0IXq0RCySgBKg7l2b1IZ4no5KSWdIA7A23YP5YhtO0wmylitXKApm/CSXp6jqO4aE2o1FIoAcjNkgdrJF7ef5Rg02buxqieJQsEFJwSliXN2UfJgSGziCJfhkGgzUlx8zFugJq+/eM4dabpUQoZDBm2JS1tob6KW6Bs7Fi5swZwXyC7HaM5cdZFQUrUmUQtagoWNTG127m7JxZ/KPZmsrSJiUKWDYGWfl6G1wLYamO0pLFNQSkjCRTc70psGPTo9oI089SQoKWZibClTpIFnu7KFsFzGbS/yAhVwYXeeEq6Ku74YhVNwdyLgwoTKVV4YKX6BSSmzk3do1y0SU1KTKLWNUtYd97P1OXsO7iI6KZIJPzLu/MHCTtgMR3JOOsarllTdDM4uRMSxWlSXJuoM7dINkzFFIY3Bzb99I1nipVY0K2KSAoi4vcBkhtx7wFK4fKqUAhDli6VLcXBFgm3n+sZrnvaEZd+YknOSWyNvOCwpCVfhYnbtt7tFvGOCJcqlK5XdjvchxdwkDcwr1KWlSyQxvh+zdnaN41KOB0EzgCHS4I7n0iiUsqJCmOcRPSzRTsfNvaLJYSFJ5Rc4GPJoE3omweamkKADEfbP7MAzZ7kdO3fMOuP2mkhmXLQQBZuVA/I+4hQvTC1j9h+UapJDC5ZDhiMj6bjvF8p0FwrJJsHF8Pj6wvEropL9HLd4vlKKLKHKc2dvVt/OChB80JJJYCz2fB7dre8C6ehiFKserEebbRXoZzPuN7nbeKkavPXycefm/SF1CgqZJOAfqL9OvtC+ekhRqIJ3gqdOIWNgQGvbDRWtKlk7tDWBnaZ3cW7w40S1KDsCQcu0KNMCLWP5Q+0w5Qyh/4PfvaFMCuXMuHfIt57P1gjVSSQkJVYOzh2FvzivUMQAGSrvjIckmJpJCQhTNk5He5y36Ri5O0Ns7xylLVEpZ8keob7QF/KCp+UkXZixfy3i9ySO13A/OL9TrE2LTC21QZ2Z2Ad/wBIOzWiaKRpyn8IAIzYnHv7gQPrEIF0O+CCR9OuIs0urCV3elVrhm8mwb7doKks9kkkj+0AeV/S1oTk1sADh8pKyXUUq2DAv03G8OJCWQBhQcpUSxy1w13xd4hKVLQGsCcgF87WdvQ9OkQmzUpDgODkuQw6Wznu14ybcmCQfLClbgs25TttYRXOpIL0h+oZ+9mvno7wFKU5LKcDLkkjtfL2vF386AKGCkixexybsU+jjtCad4AlKAYf00nuMfUx0QVNlgmyzfIQT9XjyFl+/wDoiMjVUBSkqUkhhYBrhQ9PxfswkQmupnBpIvcEBzbcFwB0ucRoE6NS/wCmA4LAEMLodV83Pf8AOFulplTEmp03sSwa972Gziwf6dl2bLIo4coJUVqwlJ2cEqsAR0yfSJjiJBJrVcueQD61GHUyTJCh4SWSRVcBT+QUOVhV3tZnAiPgSFKSQgJUE8zFJSrDuFPdr7HJL71aCgOTrKmdRJFg52e2ft5QVI4iQeZAUk2sGzuWyLY7doqm8OQPlu5cEe+AGx9ouk6MhO5zkdGLkNvGMlHyQ0Up1NNVmF6SEgkWcJc/hBc9XeF0vXeGSFywognnv4lzgkkg4Zm6w7XLZ8E+o+g/KF/F9AVCpI3OL5v+sWut0AVJ4ymkqRSkjAulQ/5fKdva9oN0WvUwXW2yh2u2QS3kR0O0ZBEhT0kEEHBzDHTqUnGcdNoznwrwKhnr5/iKExBNSVC/y5DP3/zAeplVVp7uGAAtbAsPSCUS6krSblrM+wx7H7wJq57LUQLFIIY2ZQDj3eLjFpDp0XaPSMCKSb3x5WiqfLpSshxSxHqab9DeLOFlRLHB9gep9YcIl+Lp51uZcs9g6VBaS29zjt2gTblTJWxFxCoLAXT8rP8AUC+zEQHPWUsDeLdczoLuCkd8MOvaIaoMkgG72HXv6Ro9jeytEtrhXsP1xFkrVVKYszN1Bzd9ookyxhdV+jDv6x6qygWU42s/XbtDAJkSKTlwXYF+rF7d4pnyaTez939HiyddIWklnuknB7R4lYpZtv3+UStiPQgGyvpF8qWz0pLjfJ9unpEJBS1yHB3+0EeNTcAE4e+/cK+ttoGMuMhwxTkZwQ3Sz/4glASAAAQBsb9L5YHygeXxBTEMc4BDeTkwcSooD9O1zvcbsHt3jJt+RaBFKu9s7vFoJKXBBszh2v6XHeAUzEkigdXe+De36f8AdiJjKySHuH28+kJjsJlpKaSfld3H3BLWb/qKtQCU2Nmc33De4iE6aAfxUi+bAHZvOOmTQbJDdn6Wz7Q6vIC+Ss1PURsD0xZ+kNdFMUoNUGZzjvn9vACg6j0He+GgiR84AdgGt9LekEgYbOl7k3zgHd/TGBFc2cR+Im2C7bbg3zBH8szKBSSQGfz2JBH/AFAMyYon+0ja592JiEI5FL3DKYMxa7m/aLdOoAKJO+7KLMGA6CKZD3rqwxLPi17NF6UIY5UTdiPs3k7MIJfYFS9QkH5j7R0CqVLJf7EgR0VUfTANlawuKVKIFnLEO3YjtmCJ6UqIoUSVPy0sl7Wdg2+PPvAyZktACVAuDzWcOABgls2Y3zaCdJq0rcqCUquKmTckl2Ti6X+YflCTp3QotJi8z1Jmf01Fk4IwoM3cM2xAzeNaZUqmQaEpExNwlgSUs7EM3MN9vUQBK8JKapkqsJILMlDD8RFBubd/0mEmdNQPETSlANRZApAJDHBfqQ75a8W3eUbp4wDT5UuStVSVVXLGmwIcEt+I5t1EBJ4jRMNSRSNsev5RpdZqAVJJCEsf6lP9T5hSakgZ5SXvtGX4rpUJWQg1U4U1jl7X6ExkkpbJlCsh38ymYHQGvnyPRmNmt5vtFEvUqUopqILs2Ekueg3HUe0LUKUkcvMBcWu+Mbj7QRJVUk8oD9N8GBQyRQTqtGkgOEqY4CmUDe1r4839GHkzQpMylje4d3BADdLekS0oUZalKcpBu+eY2L9Rb3PnENNrUzCCgEFDMFXLWSQ+9usWoyTyMlIXSQXAegjuSC/swhVxFLgsCCCWfspVvaG3EEOrlIypsMxIUB7ECAzLDkXIN8Oxu/2jZtbKwCcPmbH/ADGl4CsCYA4ICg5vuCj2/qfSE+h0Q8SlmNQD7dM9y0T1Oq8Ocz3BGRmwIxs7Y6RCebROgLWacJmLl/2lSR2Dn8orlyC2bjr36RfxGUkmsK5lZ7kufS/tAsucoGknMF9sol5KtYggfJ26fu8QIsC1xvd7QVq0kp5qb3D52JAHpFUw1oGxGRt2P+IpPCApE00gA2e464/T6xWoEKItaC0aJRQ4p7upmybXvaCTpAQ5cHflKreYt+zD7JMZTo0uX5Xfdm//AGtDAIyVAK7hPvtd+oMCy9CBh1DtyuQx3JLN0HrBdUtCv9JyDc1t6XVcYt/gRnJ+hEpsskOOVrMGawZy1wT5vA+lMwFVuUk3Kr2u1y/r7QxWtCvlWuW/Qly2wGOuPaATLS7lQKhZ7+hd+jXEQpWtBZKZolKU4JBLjmYFyRi3TcRetCksLEjsLGxDEdrfuwE7m+YubMKi31wO+HMEq04TzAmki9yTj/OYHikAMtaiWbINhc46xakFg1Pr6WtiOUU/3BvR9oEWlvxcpcdcHN8RYFktKlKNiOvX92g2RIFgKgf/ABd/z37wp05Ivu/7LQfp5KiXcOO7e+IU19gyU+QEk1rIUHqA+YbN19w8QkyEm4VU2xt73t9oK1as1KS7M4v98MwEBlaAr5SSbG5IOWwQH994lNsC5M5KVUpKQS73SQc2ubeTRZpZKS7AE70Z6N39RFCZqlOHBuQAQxa4YE9enl3gjRIeyRSX6szj2f6+cKTpADTNAhy5U/8AxjoLGhmG60rKt+dvKz9I6F8v2Kxf/LVGkTAxOCFAf5II/wC49ToCF0FSFF3sT8wzViwBVhsx5P1ACk05ZypzgA4f2t6QbwilJYl1KsCnBd3Dtu+DFttKxhcvUKCbAMGFrv5qxdh16x4mVUHANLkeZ3HV8WvFHFNQboNhhmYuLM2bRbpFqMlfKQErT3DEEYBy4H0iOvktLwWTZSiHcqaz3thh3a4x9IvQymClE/2kcpAIH4tgd2aCpGvkpFFKgozHCnIZJf5tqmYuAcQVrlGkL5VhZICuQBRGflDYKeuM9BppWgrzZnZukKVkso0m9nt1x9epiIlghg3R26Xe1vtDHXSlIUSCCkgFw9uofDi/7tHko1C6gSAHcX3Lt81jvA72ALpp5TLm3wkunL0lx9ngDSFnpSBu3Y3v6vDydoipJBe5S+7A2JCsvfBBDQt02nUhZC7MVJfqElumaVEt2jZfrQE0IslyXIcjaxY58x9YWaxRlzVAg9QfMAkB9rt6Q00esCiAWSU2xa+fPA94az+HomSuYhw5c3Ziohmzj2gjTbQCjTTCwUnC2S+wPzDyemAuMJHjVk36HffHtGkl6elKCU1ispsC/Kqwtuf16iEWqV4hUprm4HQbDzb7QnUdBQLOncoKgWw4Zw0Aia4f8vV7Qw4ZKRM5V5yC56Ndtrxo+GaGQg0lAYuFEkk9A17HMT3jHD2RaWzMCaJiWJDNYsPvvBHD5Aalqhm/qfTaHK+GSitRSLE79Rkt3cbNmPF6ZKEgJGHc/ivv5RnPljVIhv0VytKlKTyBLkeR2DfSJfy6FBylSR1YsN26VZt5RNWmBSCoqBsQbt7bRROUSQCoMC5HZgf8xlHdti7Ac6Sm9MyYCOod3zlny1oCk2XzJCwdqmLdzgfk0Mp8+mre1j9/c/aA0alJDlI327ks/tHTFspSZPW6lC6vmQ72VdTXs7dPKAfDuAFBrN+sWqnBWRZzb9+cV6lY5WsXDHtDQ0wkyQ7Egm7+sFypZOVMkpAHt9YoUQbgj93iwLLXx/n9Iydsjsya5QYsXO73Ofs0K5stVVKDY4sbsWZvaGasnYPvv3jpYciwsfXp7Zik6RSYtl6VaQCtIa/ne2I7UqJ5UEJe1nHnbN7QyKcktUfW9rYsbwPqKRdg539Dt1/Qw+zbDtk5QQlKQpyTZwAPcOYomGX+lB+pew+sCrAALFwbM3d28niiXKd7sBt1PRotIpB0tRCgSynFxj/qGkuaEoFSBSbNY+eS7DtCCTMJa940ellooCFTDjyyfpnrGXLS2KRYeIo2m22a33Lx0enh0obkehMdGNQ+yTJSUm93fuAd9od8P1lJBBDjqANsfsZhDptU9ld/L/B7iDJSWUC7kbFgr1tcx2yTZY81lZWFLAqVupiPcdvW0W6UkeIhRSHcHe4I/Q97RRL1gUCCf+Iu7jN7AW+0V6qe5CXVs6u2acYEYU6p7DsO9GFALCF/OhnSBfsXNxnDbQLpStDBHPKU5I+Wp7KBvZiA/cekVhRCSQtQLgJAAydmZ8Pvt7Wajh00UJUFBSiCL2q645SA4JfeCClWyop+A/g8mpKkTAXF2LuxudrhjnFxEpvC1eImkVhOUhkk7fN5CJcTWRSJWollSCCWWoAMLggO5NIu/pB+hk6yelS5SJVlCpl1E2yybhwd/OOiMG1RbVbKeH6YdWNxcEEeY2Icj0MV6zRy5VSydwsnI5iUqT6DbvB5+Hp4nKSqcgroSSBNBZwcJYKIeoPf6Rbr/hTUGYB4c5aaTyeMUVEl2SVIZrB3Uds3hx4pRC4mGkSqJ8xk1JLqAAux2Hl+UaY8O8VQlTCqWpIqDBICqhSfMi0UfEXA5mgp1EzTqQhZYgzEzGUbm6QkgKvc/nAKvjZLAeCMMymUns/yse94fRXbKVbHc74WmlNMvUlIckApfLuLENn97DaX4NS4ROmqNP8AaCkL5ereQ6uOhgbg3xVKDpUpn/CEOnyc7d3i3jPFRcSwQOjNchzf1xE8jjFYRPI14OlaGTLJEtBdIAJfIvkMA92w8RlLQQoF6zcdM9evMPdt4zydTMuT1CnvdQIZ+u/t3uXw1BSCknYEdH2GfTzjh5IPbeTmcW8sZIl0AAeZLF33yzWO94qm6k1ClLvd/Ipf994ZaOaFFyXG/nsfLF2g2VwqWC4IyAXDEWfGCM3EZRf1kaiJ1Ti3ylwA4fLdvK0AafTqBu4Llxk4OSOwfteNRqdHo0iYFzJ9Us8yglJQs2ICSHpDKu7tE5kmQUIVKIUkpJUUqqpcMxyz3xaNpcU4xckDgzIanTpIU1nCh6Wt6C7wBreGAgUYdgc4Ci7eaW9Y1E3hYuC1yPMi5Jj3RyUygalOHJYhrEG1/wBvChyusZHGMjFHSrDOAysZ6O+Ggz/0awpUSoh2a+2O4Yjvm0aDWCVNYoKXYi9ti1+mz9YqUpKOcllCxIvkdPQj2jX5XWhyTQm0egUsXDUvVg9GLgtktBLGptwfc/hH5evlDU6pCgpIG1j38hnBgSdLUlVKaetnycnsMRkuW9oybKJ08JAIHygNm7ksT7fXozgz9aFDlBBuHsbXHTN41qtEFg1MLAiwyEm/m57QvkcFQCCMG92bb8+kNc0PI4tGb15Ulg/OzkWs4sPNhf0hfOnKJuXJ79Q8aDiPDVKmLLZPJ1U5AAYmzRPhfw8HPiYYMn1YZ2eNlywUbZr2ikZ3TywVczsLqwLDLdz+cCzFEKVZnJt5xspvw8KCyikEgORs6ifMlx7Qum/DzBz/AHW3fL/v9lx/I42CnEzslBMPtLLsyiW9opRw9TgBJbZvKGUrSswYv5E/T1h8nImNs8TJS3+qoeQLR0FJ4Wvor0SW9LYjoyv7/gLkYSRmLAM9RDHiXD6VkJFhZsNv5uxEcJVNhi2732cdL+lo61NPKFdhXBNIZpuWIBIe9X+0fp2hyv4Y1ZSVBCS1ya0A4fcj6xXwwpSwCQQLksxCgHAfdhdu/W8OVcTnJB8NNSncJWlZCnwQUjO4B9rPEbY0rEcnSgLpmhdQCWSTQQ+LlJ3tcN3jbcP4MJNKltOdwEzKuV2uCHdwAL+btGI43xCbqQAsICkYZRLNc5Dm4f0h7w7i+qShCT4VkgBhO5qWH4U5xFx40XH9Ix45wRIUJklFg5mSmckAO6FAuM33Y2w0Mv4VaDSEFJmqGo+VNToUpIuaRcK/8gQW2a590ug1OrC5ZJQlQYvKmkg5PzlO3s8aT4X+ATpl+IJqfWXzWy5Cm7Y+8axi0wlKxwfgHTKWla3VTgEJIv8AM7guCGDdgch4ernS9OlKSWFkjrYFgAMlgcCMxxD+IEqRNVKIXNILBQoAN2IHcG3pBOl+N5M2oMEkFg6gQXfBSD+zF5YvB8Z/iL8cz5+smITOpkJJEtNICSkhqjUHKiKkkHu0Y7h3CJmomlEooNiokEBIAzYnrsI+x/E+tkKKiuQhVAJUpwpKQNyoAADfcxnlfD65xHhyEprD0PzMzvcA7DGXHlCcRJiL4Z4ShEtU8zeel0crD25jcYJpv1gPX65JcBIAdRBAAN/fZh5QXxicUpTKxRamkpcZCi+T3Iu77wlkIWpYKElRcbGnuScNHJJdpD2GyApgVvk2Nz7dX+0XHU81gbdfp5eUR/lpnMV2Lub2L9HGN4BTOdTADY+z52/7jNwyx9BnK4gUrYPu/v6Q80mtJUASxd7iw3Ho/wCUZrQoIU69r9d/v2g+fMNplyAcdBs/727xhOCvBHQ0ElCCVKUlJJcso1B1MTYOwYYxftBfBtEJahTLlmXXWuoKNgAClgCGNvtGZlapfMuoMoFh7Pf29os0HHQSxCz2SWbbbtB35Iu4hTH/ABfR+IolAYbBOCOzmz2gDiHBVzXCVJDZ5jbza7/vrD7QJrEtS0pAIBdRN3HQO+2NjGhlcAEwy1I1EuWAa1hMtVK3DJLFTVp6t0taDhi3bayXk+c6PgEtS0p8Vf8AvXTX2slAe3rmCeIy9OE//beNMSkqdSkMlSpdyEhgogG18Xu4jS8RpkzVSpCEpmgh5niGhiU/M9lODveKJPw/O1izMKvDobnR/o/MXSgElRO5INL9Xjo6Jp28h1bMrwyklKvCILkqFTDr8pHfD7wQlElagSpYWBZLMCC71F+l7b7w21Onmy54kpSmcVEJFIKXclmSVG4DXJ77RbxbhGu06pZXIQiTU6igoJdmS7HMYPju5IUuNrYCdQMABvyY/m8R8KoMDzH7Zv8Af0i5ksASoqu7kNc7eg67mBJa0BRKVVEvZn9f/G/ZvtyKOTFLOSyZpCn5QC2+w6h85irThZS8wU2NJz0/znpE9RxakAhKQRckA3LDv9vOKdZxNLAr3BFI93J9j5t5xU1WFkTS8HqtUzgBugxgsc+TRcsVDAft6v2jPaqaFFIT0Y1G3+MPDvhUhVJUsGkf2qF2d7gFtu0P4qVlKCK9Ohd/EDh/I5H06esXp0oCqgkAdHL+nT9+pAnpTUXK0sLlLmxccwN7HoMRMT5RQSlYCwHCFBrGxALvUzWbaJUJ9qoFB3RR452ZvX8rPHsL58wEvfbBtjzjov4y/jRmkSLlKlAgJFx0s9+tjEpHCzPBKFBLHBdg5LHyv39IPVLDqpYhiCl8EpJF9lAte+cQ34bw4ylgAuwJKhexZ+wd/p1jrjJJ2yItXkU/+kTJZFZtuUpqSTu5JAeNBM4fLMv+nNKZwIvMFj1dSXpHa79bPD6TMluyVJc5YvuHt17QNxHgdaKkEJV0whQucNyq74t6jorzE2SFmn4cqW8xKwZxPzSVynL7lKpjkPchIByLxLTa+eqoJkGaQCCumgpVcFrs4/23tdjaEOpUsqpFTjuwB72f6QPpddr0KUypi1FVkorLvggUgt9QMgRfFyNopqL0bfh/G1yVganVJQG+VZ5uzOHIzcNiHE/4p1M1jop0lUkGlXiy1MSdgtw4wOWrO7QDw34X/nNFMHEGkzS3hmvxJiQHUSqkNclmueW/SM7wr+HGvSVpkztMqWbLQtU1KFhrgjw/qCDGymiOp9ATw3SzDVOloVOAFRTdNnwV3Acm0L9WsSUqUjSyppDmkSZZmFXQBnq+zEw0/wDo+YhUgImf/jT4qSpRTUigFSSQ5dxnp3jQcE4HMkrUtU4KfACWGTl3PTDbw7JpmT+HOOFYMuZoaFgXSZKSLYBpxkHEUcV+OZsuyJbAlSagAgBn7E7Pj3jZafw0TVTFTApRLCkY89zt7x86+Kf4hyxqZ+n8JEvw1UuoFMxeCTYPSTcDBDF2MFoYt4zoBrlpnz1zHppdqXFyLEOGJ6bQv0UsSgyvnAYEgeyWAAHlBMrj/ioqQpCU/wB4yBhmJIF4z/HOMKCS05KiPlFiQbYbctmM2vJadF3xBxQJICQxYVOGsb2OH/S8Z6QhyTXTVjq+X+kQ0mhnT2KUquTcgs+5frmHOn+H1hJTMAJSC1w+b2PQ+zRlIpC2UUi9yS5fzP8A3BKlEIZwytjluo7i8XzuAzEjmBGGSEkuOtX0br5mHnw0dRZIQnw1FJT4xBQFguFEMTZntfBEQ45GmloA0HC6kFSiQgODgkEgEODcAghj1aCdBwKWJjzJ0yXUwQpIFNRB5VJUy1A7Y9Y1vEZSZq6ZjFSVCoyVTU11AZ/qu4YAOIFlyNMmcvxkT9QAmlkIUUpCmJC6CxUWD1EvntGkeJIz0AajSapYWQyUSn/qTKkg4ZI5XKiLYbEOP4f8bV4cxSl8wISAW5R5HqX9oSK0ssT1rlz1TkklISUqDcpZMxApqbANg7WsYa+CrUBYl6jmls6lnxEp5QAglAZIuqxc3wYz+GKdopBvxP8AEE2ePDKEkAhQJQQTYj7/AJQpkcZUAQFNTakEDBNulugEL+FJ0xm+DPRqtRNqUCmSsJSDcKpSkIPh5PMoMLw0/ldMqe60ydMiWWpmErWpr4CqVA2Bd/xZzGE/xnN9nIhooXNM5CzKKRNFJrW5YPelm5mAbuGeGXE+KJMtKZi56sM5CX9ABi1h5PeKeI8V0X+npZoSQOfwkkJIBBLhYUKj1/7hpP0BmU1KTKFBqLpUukuyRjm39sxrHicY9YlpezFzfmUoWS+D3LgOPQRVxDSKUkeGp7MygpJd7Mp4bajToJKJSvFUCkC8xRK03KVyuW7EluYdWYGBuIhchjKElS1SwSC6VpwXAUS9lXAZma5hL8drIppPQFo+FS5Sh460zHv8wCQLu6FJaoGm7nG0Q43ICR4la1IJekJAdObUsL26bGCFajwqfGcKUQlKBzpyMrNkvbJG+0W66emQh5wUlBcEFxl2TcOzNd3jRxeE0EYuhP8AysmXzqnKp+V5aSuWlRSXStRFw2RY7w44dORul0kM6TUm4BI6mwwDaJ6eegylS/DolKDulCitz+NnqTYDLZ3eJcM4OlSioT5qENzTJ5uRtQklTu+LWvuHJcaeUs/3wJk9LLZTGWaQSQaSzC4cYYsesLeKaKWpRUjlyVBCZaUhzvlhvZskxopvDZbgya7fLUtRQWFiwLAHeEnEBOnrSmcgTCl7eITbBAsLF/ldoXT41QxIVI6D6foY6Claaajl8LUJZgwBIxZigUs17R0Zdfsin7O08sskGymUHPf5T5sGMHaDUEDnBSGJUSwNvlUCHHXdy/WFomOohbqJLgAA26EWcscQ00ZpZyoKSagCc/MXcnHMbGzDZo5rd59nLZXLnm5QGJZ+4SS7EXfy6ZEMeC6pSiSqYWcPlRa/KVCwwWB2G8Liy1ABQpUwPzZ5djfp5ekXKWmWCEM1PNsKgQxAyxFR9TGkOSssuMq2F8RkleqCpKglKkvMJS7KsBTtUbu9nS7O8a/gaKEBLl8PU79zYdYwej1CZawCQ5F3JZIu21+YNZ/oTD5fGKVcp5UhgPbu/wC26tpPkrLOr5FGJtJK0gl7BiXawPluIul6LkKwtLsS72Dulg2cNGKPFWS6iPw23Yly/dkkdb94aS+IJMtSlKFkskFuUhnPkahm7v2euPmTxRK5E2bfS8UC6HBqbBDA4cu+HGe0dxTWX8MKuU1KbZOwHVyD6A9Y+ZaTjs1MusrKbA0gsrrdywfHv1grQ8UmqHiqYlRZT4tYDyF28o2lzrqhwXZsfSlFc4BJKDVdwWsMl2u20OeJ8OkapHh6qUiel/xJDgsflLuktZ3HnGN4VqjMnLeZdCQwfAJuUhwHcJHb1h4jjcu9IIUk7lJ3u97+20L57zovoJ+L/AUtUtI0YQooJpk6hKTYB6AspdmwC4LXO8fL9Tply1rQZZlEK5kAFIBD2KRbcjyj7nqNaJn+msVWKQ5dxf0s4ud+8KpnG9NqEK8SZLEwZIpLsWZncKHUxS5E3TBwaVo+JitBBQpr5du3paLZOonAWWq5exOXf3+8fRk6fTqLy5sk+hsMWGP0t2ig8KRf/TWnIZRpb2vjfrGnS/Jn3MGjiM8AgrWcM61W9zDT4UElcw/zBWrK2NV1Om5UDtSCB1No1iuBS1sTKTY2KVXH1H6RTqfgykBUjJ7qJHZ2LbQfGw7ijjnEFAlOmS4Bdyp5gcMWUkE/L1Lnqd1/AviHwpixMQQCLuFqYggAhIurrzEecaEcDWHJUH35QSThnSRf0gJHDdQlRCkqX/bUbeft94TgxqZ5r+OpAI06gpBB8XxZahMWRS6nKQFeVvVoDM4TZaZUvXmU6Qo6dKFAkkgAcksJS5IsS2H7W6mVMrYpp7BTP7OIsRLK0KFdNQYvMZRxulMCC0w3QfBoCvHmqExZJCkz5qpdSf7qZaVF1M9KiO4u0JviEJTOKBJSh/kCPlYWBZLPa3lFei4OtK//AHUxKjs6SWv8xUGOP8xdreHzkgAAzFDC1JUVXLspKeRT2F74hy400JuxPL1EtR/qokgp+RctRSpxb5aaiTllKA88HR8M4mNQnwpctloDqnLUJj9Kkinmx8t4zHEOAaiYtSilIv8AKFpQkB3opsWN7e0W8J169GDRpmU+VALF9rlh7PAl1KSTNtpeKLTKMslAEkgTpqgoJbKsOSGY0+TwZwri+iWBKXNWZUwCWiaQoJKxcyxMWVMCCWTjIe4EZfVfEp1SUpnBctKmqKUBIUC4KVAEVgi14onfEhWhSFuSFACZSqYV2IB/qOEgBrFm2BvCbwXR9B4vwXTSUpl+PqEeKkpdMxCqUtmnw232vY3hMrT6BMrwxqlz5rMkKTUpSrsKSB3sCMZ64jVccpKUzUIKQoH5VPYD8QITQ7ukC4y7mHWq49qJVMyejwZKmY0ByWsMVJB8hi0UpfRNFyEzNChEnwFTKn+WWpSbtzOQyckXOBeDV8Fnz1qVMUhFgQCXU7M5NwGsLE+kJkfGhWB4W3zoJZRD+xTjHXEMZnxNJMt3UGGDt2vE1FOw+izRzVmuTKdKpZHPMUA93pAQCSCN8X3gKTwhUolapqUAqcgOoqPZrOwa/X0jAp46sTlrSpgomNDp+PTZ5olBUxagwQwVsHOGA/3bQpfsPDVGlVq0PmcOwNvTlNvWOgeX8LkgFaiFEAkJXyjsKUkexjol8Tb0v9GPQCnI/rqSKUIcOqwfzV0GMsLGI67WzPEpUVJbooBiMggF/mcYzvBJoHMoqWpNwzkAG+AQXbr7Qp1QVMmkpINKalWAASGQ7khmw3kMtHDxu20Z9fJcqctq03V1YO4GcY6ONxlolpiVkElNlc1JDXNw+5BpbaK3BFCXCXVcsTuxINrBvrFqDdNRKkFwbkBrgkEEtsQ39wiqRNYCpCQlyEtbq481EX37x0hQLVBiBUWLvkt6hrbH6xE3kRTUopbGVMSGJzcDAy/mYC1OqZSqnd09hZqbDCrXZvIQpRTVg0GS1ipK81LC2UzNkp6Wqz0DQ00y+ZkqspJJq26OOzkW7wHq5nMWd0oQSA11khQ7i2xgfSldRUMtSHPUsVbOAxveMbvJIwE2uZbGLnGxtgliM9euZ6ZJUgPa1TYHMSoH+1i3sk9Q1GoolmpDNkfiDlQJB9APbMFytQKQhBStvlLgOybejMAXENNjUsiaVoShS6JkwEikkHOCTm/kfPyqRw66nmKLnuPpDpudJUXS7UklNmsoHoWsQXjtSQUMhQK02IJcGw329e5cb9UJp4Z0R5GCStKmW18DJVj3gPierCUKSlRqLOGJHXLX23tF06YhAPjBQLWCKnfp0HqbQkmzAsmmW42DqJH1z+cbukW22dI1Kz8g5mZ3O+xdTDzttveL5kxZVzgrLYpcjpcBlDyaLDo54lv4KkoBzQWfuTc5x5RKZwjUIV/ozAWd0Je3mhx6PDtk0QlT9Qg2SZZe3IEue9ofcP45rDy1IUwuSlRftZh9RC0aDUpDqRNSDklDHtsN+jnMGabQ6iYoJSioXdS0AI7hyM+g2i439k0aPhnF5zHxUi5/DSkXuXZRLwwRrFKNja1nSfL7wlRweehQMxUtIJwAk92JpDfn92krRFmVP0yM4dZ2uflvjBja62HVsOTIBS5AJ6DlB+sCTpUpBdMtlbMAS/aogRYpMoY1kv8A+GP/AOsEyBKb/wB0lfYIz/8AGow+yYdWKVzVgkiQtZ3Urw0/UPeBNTql1f1ErSTtUQlrWOAVfSHSZrq5RYPcpb6KKcjvE9TNARZRUTsJK7W3pJH1iq+xCCbpAuxJLj5SW+yXbzMAavQlIpMmsA/3EENj5hb3jRGepwEnuBR2xzEAHzMU6viLCki+4Uw+oUXhNKgTMlqEIUDVLWkDax/yYskaVCUOCzn8Za46D/MNkzFLNgkJA/uS6v094A1mjVgLYnDqCVeVi0ZNFdgHX8IQpjzEZsAfdrt3vCvj+gSqUlImE0l2eo/Vbe0PNCldTJm1EbFYPu6TV7wXNJBBmCWtT2bwwfMNSXhqgs+c8M0c0LJlVWcPTtFmq4bqFPUlZANw33AjefyYrTzWOEhKs7AqAY4xjrBS9JMY8pUDsacdiAT6Q+gdj59w/RacJqniYV35AClIuwdQB89swy4Hx0aNUzwZfKs3e6msyetIv9Y1Wn+FZkxzMTIQkb+KUn/kCkg4zEpnwxpU/NYqxhvRgxvuxg6MdmR1PxdMUokJIBNgEiPYbL4BMc0aSXMR+FYmDmScH5hs20exNS9MeBlWZbJU5JU98BLVBtyC6WJG22IA1upCiQmnsBdVzi7gHf0ivTTFGYJnNzKppBCiHYAOQwGAKrkub3hnrNRph4idRKdRNDpcKFylLFJZ6SBezWszDxoL9SRzr0ZrQBXMARWsFKVO4KQ7g5aouSTsk4ePNKsE0rV8r4sD+LLZcDb8ohp5yQoqILAOEkh1FrAs2xJPYNF8qWQklgRMIWXAKaRUlz/bc+j9o6p+ipeixJULqHRwLAMHDEi+B+2j2SgKTWqwF1FXm48zhmz2Dx7IlAkhkkIAADKKcuObJboLbWxBU0ciWerc1HlcBrZJZhdvIvENXj0RRKYpUxKqXeqoqYk4dTO72U297B4FlT6XBwh7JLqJIAdV23uQBgAmOk6wgEPSDkDJFVTerD2HeKWsouLfgTblfJcOQCftjZRS0GAudLcumyRYsEuCUpUphbBL2wA8cvVolgeGVBRJYAgdAl9yAX3awPeF6NYStdygqqpYOxIUHvtSSO8U6ycDNUpilPzBgGDkKYf7Q9h2ilAEjb8F4cZ4SAoWa6rH5A6nL8pKWDPuYIk6OWokFXKCUpIKg1TvYJDhmyLP1hLw6aEkh2IF+ocdAHNmtBM0pWoOSHAdlE332LEHFnsIUZJZLTXg0snhEshlJlOQedEoW8wSS7HN/WLpHB0FIEymlBfxAkBRODYg4D3HYQg4YAgmqYTsOzvv7Q40WvKXCFhs3LeW+THoQ5YywjRMlxeVK8FdKhPSm3hhUt7sGCEl73OQzEsITibJS4TLWCzAOVEhr3AYbhr2HeDZyAogpADvVkC99j3Nhm8Hp0UuZLmUzHKrMhBUwz8wUKb9Oh8o3oYv02qBdpRZKfmUEXaz7LB8ssGHUjgfhSkNSSliyColIqN6kksd/s8Xaf4R1KAueJslQSKgOYFkgmmljsBucwi4OEqlhU2aT4l6EIJ+bArd4LyA3kzEMmVLJAAZk1KIbqQ7e8FI0FZBKQo92Ib1tFJ06JIH9GbLQA4dBAueqknpj9IX6/iaXYGkkClT/iOAQGN7di8C+wG2q0icBwQXsyX8myImmWq4pIHmTt9LARCibLpqkqKVB7u7G5zcdhB8zSTJgCpSt2pslQ6EvanEUkhEJOhSWImJ7hwD5XMe6nhkgMSzm3ylZJY7OxtvFiuB6oIC1AuCRSllEbu2/oTEtBwPUTEVKloTSSwNQVbBpIa57/4WAoSapOlqZSgn/iEjoxAEVJlSRZE5Ie1mG/W0Gan4XlTJikzpeoUssSlCqW90EEHq8FSP4baPUB0TNXLaxQoixSz/ADJ37FrmB48BQi4nMlyZS1GfMIGyGqY4NVyQe0Z/TarSzqlAzFEC4UpALk/LdDuACfSPqWm/hppkUAzJywklwspKVAgikgJFv0vFvD/4a6GXJMoyytRd5pJEy7jIbAtfYXeIk0wo+dSJOkrMlQKVjIKg175BCSGNiMgw90/BQof01BIbZv0v5xPX/wAKpxChLnyhsh0kcow7Ox8vpF/CP4eamSUgTkpln50pclLCwGy3a5YXJPaGmhUB/wDpDLbxUkn/AHKT+X+Iv/8ATky/9SalB8kqJ9aWjOajiAGqn+GFBMsiWKlE2T80wuLKUo5DABrDMPZfF+QL5SW3bp1zFpofUhP1CKChCwTsbAP/AMQG9iIz+j0xWtpiVAu9rb9uW97gC+WjyZ8Sj+ZQRQseImpLZDgKFhu+esfcDKEoBMqWhKewb7ZP6wOSbE0ZjScL0hQk/wArqBYWSZhFrBjUHjoa6v4loWU+GS3f9AY6Cpf1iwfD5mtTZJWolXJcOLuxbD99rQi1Or8Va1mUkuSVEEg3YVBz1exexaPY6PH4YpZIiqYNw8eJPQkgc+erZJfy+wh5p9I6QAhVIqZyFDDsEuATzAOq33jo6K5XSCTImeDQhlG4N1bApBtYD8NgALqMUr1Ezm8U1lxfFwTcs12J9h3jyOiE8fuRdAQWCtQpBdyGKgaQSl8s72wd/VjoNEVzJTmlC5glmwJNRAbdgxb0726Oi/KH5F6UeICUEggKUpJABAAuQUliA6Sxv5wVp5aHMyYRUlCXUQSWqABLbu3eOjocvRQalYllSVJpUAQq4L0mzEDu4xtBGnmJblVc3AbIf5mIZ+1o9jozkkgSGmjkzVKYCvBawDOO9rEWh9wz4bmTmQpIQVuUL5CEhJD2Bd8/Tzjo6Oz8eCSLiqJ8X4dK0NPjz5s2YoZlpADv81KiwACk2Bc362jLQpfPLUG3sQoA75F7Hc/aOjo6bzRp4NVwxWrt/TcYJqTdiz3Vmxi3h+rQJpoloSonmISkLvcuQN46Oi1kk06FpWDuDYg/UXhFqfhDSmYmZSQUqBAylwQQw2YjaOjojTKL9YZE0+FU0xikfOBdssz3ALu9oUzETdJLqXqisvfkck7XffeOjopDaM3xb+IQlzmCllZ5SjCAetku/kd4Yaf43qmolrrBWlQBQQACA9woG+WPaPY6EmFGg03H5SqU+JNBFy4BJBexIDDIxDuTqQoOklQPp946Og2ElRMagRhv4nfHP8jKSiSSZ816SRZCUtUu4ubpAHd9o6Oh0iT5Rw/4q1kybWZ0wku7rU3XANh5RvNB8ZauUxcTEHZV2+xw/wCkeR0FgT4LwbR69c/wVTZE+omdLJK0GouVgm7Fwyag3SKtf/CeaCyNUoyyWZLpp9CSCH2ePY6JewGfw7/DXTybTpRmTAokTq+wAFNuj3BuTeN9qkEhqs2/dnEeR0NbEKjwPSiykknckqeOjo6NEiT/2Q=="/>
+          <p:cNvSpPr>
+            <a:spLocks noChangeAspect="1" noChangeArrowheads="1"/>
+          </p:cNvSpPr>
+          <p:nvPr/>
+        </p:nvSpPr>
+        <p:spPr bwMode="auto">
+          <a:xfrm>
+            <a:off x="168275" y="-144463"/>
+            <a:ext cx="304800" cy="304801"/>
+          </a:xfrm>
+          <a:prstGeom prst="rect">
+            <a:avLst/>
+          </a:prstGeom>
+          <a:noFill/>
+        </p:spPr>
+        <p:txBody>
+          <a:bodyPr vert="horz" wrap="square" lIns="91440" tIns="45720" rIns="91440" bIns="45720" numCol="1" anchor="t" anchorCtr="0" compatLnSpc="1">
+            <a:prstTxWarp prst="textNoShape">
+              <a:avLst/>
+            </a:prstTxWarp>
+          </a:bodyPr>
+          <a:lstStyle/>
+          <a:p>
+            <a:endParaRPr lang="ko-KR" altLang="en-US"/>
+          </a:p>
+        </p:txBody>
+      </p:sp>
+      <p:sp>
+        <p:nvSpPr>
+          <p:cNvPr id="24582" name="AutoShape 6" descr="data:image/jpeg;base64,/9j/4AAQSkZJRgABAQAAAQABAAD/2wCEAAkGBxQTEhUUEhQVFhUXGRsbGBgYGRoaGhwfGhoYGhoYHhwdHyggHBolHBoYIjIhJSorLi4uHB8zODMsNygtLisBCgoKDg0OGxAQGy8kHyQsLCwsLCwsLCwsLCwsLCwsLCwsLCwsLCwsLCwsLCwsLCwsLCwsLCwsLCwsLCwsLCwsLP/AABEIALcBEwMBIgACEQEDEQH/xAAbAAACAwEBAQAAAAAAAAAAAAAEBQIDBgABB//EAD8QAAECBQIEBAQEBQQBAwUAAAECEQADEiExBEEFIlFhE3GBkQYyobFCwdHwBxQjUuEzYoLxchU0khYkQ6Kj/8QAGQEAAwEBAQAAAAAAAAAAAAAAAAECAwQF/8QAJxEAAgICAgICAQQDAAAAAAAAAAECESExAxJBURNhBCJxsfCBkaH/2gAMAwEAAhEDEQA/APmWg09TKxnH2xDCXqKWGb7h29sHvmEmg1xlqIIdKtrjtkEbQylcXSqykqAsBSASO1yD9Y5ZKV/RGS7V6oVFKWYZKhUT2JN/XtAspctZCVoJP9yS+cNf6QSQkEKJJLNYi+HUUvy+QglOpSAHBCVOAxBVYF2sHG2HiLS0BmJ8koWUqs2Xt9+zRbLnsM3HqY0mo4f4stVJRgEWdQbLkAkJYN0L4tCHVcKmoKiEqIG4Bxh/16RtGcZD2cjVuygBVjLWz7e8BnWqKyoZ3B5vv9otSkKvu/e3Q9o9mSQNmPX9OsVSQE+Gzg5qFtxiLZwShQKHIIcPFOkkOcsXBc4hueYCp1NfAINmHcKDxlNpMllEhSSF2cqAfffItYmPONaFSUpDMDR1vUmoFiAcEZ3EXoWhixZh0IJvh8PE9XrTMQgKY0thPMGJpvuz+VoqEhpmd8Ig3a+L/eLZ5DB6fytF/EADzJBqdmb1d+n6wFqpRBA7P73MabyMskkVBg32fqD0goTKS7wNpZbg7FmfzxFqEFIY+cJ0InqtYFEG4ItYCLHUSWJ739m+kQRIqHK1rt2vu0F6dRI2YC4SSTf6/vzgpJCA9RKW6iQWb5mz394C1b2Jh8aSkBxixyLjJ77vAqkJSnD3u58/8w1IBSlTFxFiVQbN06VjlSyhhhY9vPvAKVsWUMehik7GM9BqSkuHfYm4hrX4lyq5Bfq+H7beghDpqTtjzg+QRhz++0Q0A1ky25lM53s1WPJt/fyj2dJQNy7N9SzW7en2DUpwUlLXBx53y7N5xJOkJYKLD8IcF9s7HH7DQsjYV4GCCD1YG3mf16wv1OoCT8oPc9+28FywZYa1xvdLC+0I1TklZKrdGc79CfvExVvJDQepyiooSU5+VLfvvAkxAN5YbqBcdPSGMvS8wUGIZqgQw7ZwxgbxUBakjZsPf/ECl6CienlEp5SAdwbH2hjLWQBUmotn9N4UCeSrBi+WpQLMVd7/AJYilJywyGhinUKUCH3s/wC/1gdWmVchIbzAESWEkAsoKHT6jtEpptcEdC7t+n6mH3fgN7AVLIO3uI6L0z5ff3b846L7v0IXq0RCySgBKg7l2b1IZ4no5KSWdIA7A23YP5YhtO0wmylitXKApm/CSXp6jqO4aE2o1FIoAcjNkgdrJF7ef5Rg02buxqieJQsEFJwSliXN2UfJgSGziCJfhkGgzUlx8zFugJq+/eM4dabpUQoZDBm2JS1tob6KW6Bs7Fi5swZwXyC7HaM5cdZFQUrUmUQtagoWNTG127m7JxZ/KPZmsrSJiUKWDYGWfl6G1wLYamO0pLFNQSkjCRTc70psGPTo9oI089SQoKWZibClTpIFnu7KFsFzGbS/yAhVwYXeeEq6Ku74YhVNwdyLgwoTKVV4YKX6BSSmzk3do1y0SU1KTKLWNUtYd97P1OXsO7iI6KZIJPzLu/MHCTtgMR3JOOsarllTdDM4uRMSxWlSXJuoM7dINkzFFIY3Bzb99I1nipVY0K2KSAoi4vcBkhtx7wFK4fKqUAhDli6VLcXBFgm3n+sZrnvaEZd+YknOSWyNvOCwpCVfhYnbtt7tFvGOCJcqlK5XdjvchxdwkDcwr1KWlSyQxvh+zdnaN41KOB0EzgCHS4I7n0iiUsqJCmOcRPSzRTsfNvaLJYSFJ5Rc4GPJoE3omweamkKADEfbP7MAzZ7kdO3fMOuP2mkhmXLQQBZuVA/I+4hQvTC1j9h+UapJDC5ZDhiMj6bjvF8p0FwrJJsHF8Pj6wvEropL9HLd4vlKKLKHKc2dvVt/OChB80JJJYCz2fB7dre8C6ehiFKserEebbRXoZzPuN7nbeKkavPXycefm/SF1CgqZJOAfqL9OvtC+ekhRqIJ3gqdOIWNgQGvbDRWtKlk7tDWBnaZ3cW7w40S1KDsCQcu0KNMCLWP5Q+0w5Qyh/4PfvaFMCuXMuHfIt57P1gjVSSQkJVYOzh2FvzivUMQAGSrvjIckmJpJCQhTNk5He5y36Ri5O0Ns7xylLVEpZ8keob7QF/KCp+UkXZixfy3i9ySO13A/OL9TrE2LTC21QZ2Z2Ad/wBIOzWiaKRpyn8IAIzYnHv7gQPrEIF0O+CCR9OuIs0urCV3elVrhm8mwb7doKks9kkkj+0AeV/S1oTk1sADh8pKyXUUq2DAv03G8OJCWQBhQcpUSxy1w13xd4hKVLQGsCcgF87WdvQ9OkQmzUpDgODkuQw6Wznu14ybcmCQfLClbgs25TttYRXOpIL0h+oZ+9mvno7wFKU5LKcDLkkjtfL2vF386AKGCkixexybsU+jjtCad4AlKAYf00nuMfUx0QVNlgmyzfIQT9XjyFl+/wDoiMjVUBSkqUkhhYBrhQ9PxfswkQmupnBpIvcEBzbcFwB0ucRoE6NS/wCmA4LAEMLodV83Pf8AOFulplTEmp03sSwa972Gziwf6dl2bLIo4coJUVqwlJ2cEqsAR0yfSJjiJBJrVcueQD61GHUyTJCh4SWSRVcBT+QUOVhV3tZnAiPgSFKSQgJUE8zFJSrDuFPdr7HJL71aCgOTrKmdRJFg52e2ft5QVI4iQeZAUk2sGzuWyLY7doqm8OQPlu5cEe+AGx9ouk6MhO5zkdGLkNvGMlHyQ0Up1NNVmF6SEgkWcJc/hBc9XeF0vXeGSFywognnv4lzgkkg4Zm6w7XLZ8E+o+g/KF/F9AVCpI3OL5v+sWut0AVJ4ymkqRSkjAulQ/5fKdva9oN0WvUwXW2yh2u2QS3kR0O0ZBEhT0kEEHBzDHTqUnGcdNoznwrwKhnr5/iKExBNSVC/y5DP3/zAeplVVp7uGAAtbAsPSCUS6krSblrM+wx7H7wJq57LUQLFIIY2ZQDj3eLjFpDp0XaPSMCKSb3x5WiqfLpSshxSxHqab9DeLOFlRLHB9gep9YcIl+Lp51uZcs9g6VBaS29zjt2gTblTJWxFxCoLAXT8rP8AUC+zEQHPWUsDeLdczoLuCkd8MOvaIaoMkgG72HXv6Ro9jeytEtrhXsP1xFkrVVKYszN1Bzd9ookyxhdV+jDv6x6qygWU42s/XbtDAJkSKTlwXYF+rF7d4pnyaTez939HiyddIWklnuknB7R4lYpZtv3+UStiPQgGyvpF8qWz0pLjfJ9unpEJBS1yHB3+0EeNTcAE4e+/cK+ttoGMuMhwxTkZwQ3Sz/4glASAAAQBsb9L5YHygeXxBTEMc4BDeTkwcSooD9O1zvcbsHt3jJt+RaBFKu9s7vFoJKXBBszh2v6XHeAUzEkigdXe+De36f8AdiJjKySHuH28+kJjsJlpKaSfld3H3BLWb/qKtQCU2Nmc33De4iE6aAfxUi+bAHZvOOmTQbJDdn6Wz7Q6vIC+Ss1PURsD0xZ+kNdFMUoNUGZzjvn9vACg6j0He+GgiR84AdgGt9LekEgYbOl7k3zgHd/TGBFc2cR+Im2C7bbg3zBH8szKBSSQGfz2JBH/AFAMyYon+0ja592JiEI5FL3DKYMxa7m/aLdOoAKJO+7KLMGA6CKZD3rqwxLPi17NF6UIY5UTdiPs3k7MIJfYFS9QkH5j7R0CqVLJf7EgR0VUfTANlawuKVKIFnLEO3YjtmCJ6UqIoUSVPy0sl7Wdg2+PPvAyZktACVAuDzWcOABgls2Y3zaCdJq0rcqCUquKmTckl2Ti6X+YflCTp3QotJi8z1Jmf01Fk4IwoM3cM2xAzeNaZUqmQaEpExNwlgSUs7EM3MN9vUQBK8JKapkqsJILMlDD8RFBubd/0mEmdNQPETSlANRZApAJDHBfqQ75a8W3eUbp4wDT5UuStVSVVXLGmwIcEt+I5t1EBJ4jRMNSRSNsev5RpdZqAVJJCEsf6lP9T5hSakgZ5SXvtGX4rpUJWQg1U4U1jl7X6ExkkpbJlCsh38ymYHQGvnyPRmNmt5vtFEvUqUopqILs2Ekueg3HUe0LUKUkcvMBcWu+Mbj7QRJVUk8oD9N8GBQyRQTqtGkgOEqY4CmUDe1r4839GHkzQpMylje4d3BADdLekS0oUZalKcpBu+eY2L9Rb3PnENNrUzCCgEFDMFXLWSQ+9usWoyTyMlIXSQXAegjuSC/swhVxFLgsCCCWfspVvaG3EEOrlIypsMxIUB7ECAzLDkXIN8Oxu/2jZtbKwCcPmbH/ADGl4CsCYA4ICg5vuCj2/qfSE+h0Q8SlmNQD7dM9y0T1Oq8Ocz3BGRmwIxs7Y6RCebROgLWacJmLl/2lSR2Dn8orlyC2bjr36RfxGUkmsK5lZ7kufS/tAsucoGknMF9sol5KtYggfJ26fu8QIsC1xvd7QVq0kp5qb3D52JAHpFUw1oGxGRt2P+IpPCApE00gA2e464/T6xWoEKItaC0aJRQ4p7upmybXvaCTpAQ5cHflKreYt+zD7JMZTo0uX5Xfdm//AGtDAIyVAK7hPvtd+oMCy9CBh1DtyuQx3JLN0HrBdUtCv9JyDc1t6XVcYt/gRnJ+hEpsskOOVrMGawZy1wT5vA+lMwFVuUk3Kr2u1y/r7QxWtCvlWuW/Qly2wGOuPaATLS7lQKhZ7+hd+jXEQpWtBZKZolKU4JBLjmYFyRi3TcRetCksLEjsLGxDEdrfuwE7m+YubMKi31wO+HMEq04TzAmki9yTj/OYHikAMtaiWbINhc46xakFg1Pr6WtiOUU/3BvR9oEWlvxcpcdcHN8RYFktKlKNiOvX92g2RIFgKgf/ABd/z37wp05Ivu/7LQfp5KiXcOO7e+IU19gyU+QEk1rIUHqA+YbN19w8QkyEm4VU2xt73t9oK1as1KS7M4v98MwEBlaAr5SSbG5IOWwQH994lNsC5M5KVUpKQS73SQc2ubeTRZpZKS7AE70Z6N39RFCZqlOHBuQAQxa4YE9enl3gjRIeyRSX6szj2f6+cKTpADTNAhy5U/8AxjoLGhmG60rKt+dvKz9I6F8v2Kxf/LVGkTAxOCFAf5II/wC49ToCF0FSFF3sT8wzViwBVhsx5P1ACk05ZypzgA4f2t6QbwilJYl1KsCnBd3Dtu+DFttKxhcvUKCbAMGFrv5qxdh16x4mVUHANLkeZ3HV8WvFHFNQboNhhmYuLM2bRbpFqMlfKQErT3DEEYBy4H0iOvktLwWTZSiHcqaz3thh3a4x9IvQymClE/2kcpAIH4tgd2aCpGvkpFFKgozHCnIZJf5tqmYuAcQVrlGkL5VhZICuQBRGflDYKeuM9BppWgrzZnZukKVkso0m9nt1x9epiIlghg3R26Xe1vtDHXSlIUSCCkgFw9uofDi/7tHko1C6gSAHcX3Lt81jvA72ALpp5TLm3wkunL0lx9ngDSFnpSBu3Y3v6vDydoipJBe5S+7A2JCsvfBBDQt02nUhZC7MVJfqElumaVEt2jZfrQE0IslyXIcjaxY58x9YWaxRlzVAg9QfMAkB9rt6Q00esCiAWSU2xa+fPA94az+HomSuYhw5c3Ziohmzj2gjTbQCjTTCwUnC2S+wPzDyemAuMJHjVk36HffHtGkl6elKCU1ispsC/Kqwtuf16iEWqV4hUprm4HQbDzb7QnUdBQLOncoKgWw4Zw0Aia4f8vV7Qw4ZKRM5V5yC56Ndtrxo+GaGQg0lAYuFEkk9A17HMT3jHD2RaWzMCaJiWJDNYsPvvBHD5Aalqhm/qfTaHK+GSitRSLE79Rkt3cbNmPF6ZKEgJGHc/ivv5RnPljVIhv0VytKlKTyBLkeR2DfSJfy6FBylSR1YsN26VZt5RNWmBSCoqBsQbt7bRROUSQCoMC5HZgf8xlHdti7Ac6Sm9MyYCOod3zlny1oCk2XzJCwdqmLdzgfk0Mp8+mre1j9/c/aA0alJDlI327ks/tHTFspSZPW6lC6vmQ72VdTXs7dPKAfDuAFBrN+sWqnBWRZzb9+cV6lY5WsXDHtDQ0wkyQ7Egm7+sFypZOVMkpAHt9YoUQbgj93iwLLXx/n9Iydsjsya5QYsXO73Ofs0K5stVVKDY4sbsWZvaGasnYPvv3jpYciwsfXp7Zik6RSYtl6VaQCtIa/ne2I7UqJ5UEJe1nHnbN7QyKcktUfW9rYsbwPqKRdg539Dt1/Qw+zbDtk5QQlKQpyTZwAPcOYomGX+lB+pew+sCrAALFwbM3d28niiXKd7sBt1PRotIpB0tRCgSynFxj/qGkuaEoFSBSbNY+eS7DtCCTMJa940ellooCFTDjyyfpnrGXLS2KRYeIo2m22a33Lx0enh0obkehMdGNQ+yTJSUm93fuAd9od8P1lJBBDjqANsfsZhDptU9ld/L/B7iDJSWUC7kbFgr1tcx2yTZY81lZWFLAqVupiPcdvW0W6UkeIhRSHcHe4I/Q97RRL1gUCCf+Iu7jN7AW+0V6qe5CXVs6u2acYEYU6p7DsO9GFALCF/OhnSBfsXNxnDbQLpStDBHPKU5I+Wp7KBvZiA/cekVhRCSQtQLgJAAydmZ8Pvt7Wajh00UJUFBSiCL2q645SA4JfeCClWyop+A/g8mpKkTAXF2LuxudrhjnFxEpvC1eImkVhOUhkk7fN5CJcTWRSJWollSCCWWoAMLggO5NIu/pB+hk6yelS5SJVlCpl1E2yybhwd/OOiMG1RbVbKeH6YdWNxcEEeY2Icj0MV6zRy5VSydwsnI5iUqT6DbvB5+Hp4nKSqcgroSSBNBZwcJYKIeoPf6Rbr/hTUGYB4c5aaTyeMUVEl2SVIZrB3Uds3hx4pRC4mGkSqJ8xk1JLqAAux2Hl+UaY8O8VQlTCqWpIqDBICqhSfMi0UfEXA5mgp1EzTqQhZYgzEzGUbm6QkgKvc/nAKvjZLAeCMMymUns/yse94fRXbKVbHc74WmlNMvUlIckApfLuLENn97DaX4NS4ROmqNP8AaCkL5ereQ6uOhgbg3xVKDpUpn/CEOnyc7d3i3jPFRcSwQOjNchzf1xE8jjFYRPI14OlaGTLJEtBdIAJfIvkMA92w8RlLQQoF6zcdM9evMPdt4zydTMuT1CnvdQIZ+u/t3uXw1BSCknYEdH2GfTzjh5IPbeTmcW8sZIl0AAeZLF33yzWO94qm6k1ClLvd/Ipf994ZaOaFFyXG/nsfLF2g2VwqWC4IyAXDEWfGCM3EZRf1kaiJ1Ti3ylwA4fLdvK0AafTqBu4Llxk4OSOwfteNRqdHo0iYFzJ9Us8yglJQs2ICSHpDKu7tE5kmQUIVKIUkpJUUqqpcMxyz3xaNpcU4xckDgzIanTpIU1nCh6Wt6C7wBreGAgUYdgc4Ci7eaW9Y1E3hYuC1yPMi5Jj3RyUygalOHJYhrEG1/wBvChyusZHGMjFHSrDOAysZ6O+Ggz/0awpUSoh2a+2O4Yjvm0aDWCVNYoKXYi9ti1+mz9YqUpKOcllCxIvkdPQj2jX5XWhyTQm0egUsXDUvVg9GLgtktBLGptwfc/hH5evlDU6pCgpIG1j38hnBgSdLUlVKaetnycnsMRkuW9oybKJ08JAIHygNm7ksT7fXozgz9aFDlBBuHsbXHTN41qtEFg1MLAiwyEm/m57QvkcFQCCMG92bb8+kNc0PI4tGb15Ulg/OzkWs4sPNhf0hfOnKJuXJ79Q8aDiPDVKmLLZPJ1U5AAYmzRPhfw8HPiYYMn1YZ2eNlywUbZr2ikZ3TywVczsLqwLDLdz+cCzFEKVZnJt5xspvw8KCyikEgORs6ifMlx7Qum/DzBz/AHW3fL/v9lx/I42CnEzslBMPtLLsyiW9opRw9TgBJbZvKGUrSswYv5E/T1h8nImNs8TJS3+qoeQLR0FJ4Wvor0SW9LYjoyv7/gLkYSRmLAM9RDHiXD6VkJFhZsNv5uxEcJVNhi2732cdL+lo61NPKFdhXBNIZpuWIBIe9X+0fp2hyv4Y1ZSVBCS1ya0A4fcj6xXwwpSwCQQLksxCgHAfdhdu/W8OVcTnJB8NNSncJWlZCnwQUjO4B9rPEbY0rEcnSgLpmhdQCWSTQQ+LlJ3tcN3jbcP4MJNKltOdwEzKuV2uCHdwAL+btGI43xCbqQAsICkYZRLNc5Dm4f0h7w7i+qShCT4VkgBhO5qWH4U5xFx40XH9Ix45wRIUJklFg5mSmckAO6FAuM33Y2w0Mv4VaDSEFJmqGo+VNToUpIuaRcK/8gQW2a590ug1OrC5ZJQlQYvKmkg5PzlO3s8aT4X+ATpl+IJqfWXzWy5Cm7Y+8axi0wlKxwfgHTKWla3VTgEJIv8AM7guCGDdgch4ernS9OlKSWFkjrYFgAMlgcCMxxD+IEqRNVKIXNILBQoAN2IHcG3pBOl+N5M2oMEkFg6gQXfBSD+zF5YvB8Z/iL8cz5+smITOpkJJEtNICSkhqjUHKiKkkHu0Y7h3CJmomlEooNiokEBIAzYnrsI+x/E+tkKKiuQhVAJUpwpKQNyoAADfcxnlfD65xHhyEprD0PzMzvcA7DGXHlCcRJiL4Z4ShEtU8zeel0crD25jcYJpv1gPX65JcBIAdRBAAN/fZh5QXxicUpTKxRamkpcZCi+T3Iu77wlkIWpYKElRcbGnuScNHJJdpD2GyApgVvk2Nz7dX+0XHU81gbdfp5eUR/lpnMV2Lub2L9HGN4BTOdTADY+z52/7jNwyx9BnK4gUrYPu/v6Q80mtJUASxd7iw3Ho/wCUZrQoIU69r9d/v2g+fMNplyAcdBs/727xhOCvBHQ0ElCCVKUlJJcso1B1MTYOwYYxftBfBtEJahTLlmXXWuoKNgAClgCGNvtGZlapfMuoMoFh7Pf29os0HHQSxCz2SWbbbtB35Iu4hTH/ABfR+IolAYbBOCOzmz2gDiHBVzXCVJDZ5jbza7/vrD7QJrEtS0pAIBdRN3HQO+2NjGhlcAEwy1I1EuWAa1hMtVK3DJLFTVp6t0taDhi3bayXk+c6PgEtS0p8Vf8AvXTX2slAe3rmCeIy9OE//beNMSkqdSkMlSpdyEhgogG18Xu4jS8RpkzVSpCEpmgh5niGhiU/M9lODveKJPw/O1izMKvDobnR/o/MXSgElRO5INL9Xjo6Jp28h1bMrwyklKvCILkqFTDr8pHfD7wQlElagSpYWBZLMCC71F+l7b7w21Onmy54kpSmcVEJFIKXclmSVG4DXJ77RbxbhGu06pZXIQiTU6igoJdmS7HMYPju5IUuNrYCdQMABvyY/m8R8KoMDzH7Zv8Af0i5ksASoqu7kNc7eg67mBJa0BRKVVEvZn9f/G/ZvtyKOTFLOSyZpCn5QC2+w6h85irThZS8wU2NJz0/znpE9RxakAhKQRckA3LDv9vOKdZxNLAr3BFI93J9j5t5xU1WFkTS8HqtUzgBugxgsc+TRcsVDAft6v2jPaqaFFIT0Y1G3+MPDvhUhVJUsGkf2qF2d7gFtu0P4qVlKCK9Ohd/EDh/I5H06esXp0oCqgkAdHL+nT9+pAnpTUXK0sLlLmxccwN7HoMRMT5RQSlYCwHCFBrGxALvUzWbaJUJ9qoFB3RR452ZvX8rPHsL58wEvfbBtjzjov4y/jRmkSLlKlAgJFx0s9+tjEpHCzPBKFBLHBdg5LHyv39IPVLDqpYhiCl8EpJF9lAte+cQ34bw4ylgAuwJKhexZ+wd/p1jrjJJ2yItXkU/+kTJZFZtuUpqSTu5JAeNBM4fLMv+nNKZwIvMFj1dSXpHa79bPD6TMluyVJc5YvuHt17QNxHgdaKkEJV0whQucNyq74t6jorzE2SFmn4cqW8xKwZxPzSVynL7lKpjkPchIByLxLTa+eqoJkGaQCCumgpVcFrs4/23tdjaEOpUsqpFTjuwB72f6QPpddr0KUypi1FVkorLvggUgt9QMgRfFyNopqL0bfh/G1yVganVJQG+VZ5uzOHIzcNiHE/4p1M1jop0lUkGlXiy1MSdgtw4wOWrO7QDw34X/nNFMHEGkzS3hmvxJiQHUSqkNclmueW/SM7wr+HGvSVpkztMqWbLQtU1KFhrgjw/qCDGymiOp9ATw3SzDVOloVOAFRTdNnwV3Acm0L9WsSUqUjSyppDmkSZZmFXQBnq+zEw0/wDo+YhUgImf/jT4qSpRTUigFSSQ5dxnp3jQcE4HMkrUtU4KfACWGTl3PTDbw7JpmT+HOOFYMuZoaFgXSZKSLYBpxkHEUcV+OZsuyJbAlSagAgBn7E7Pj3jZafw0TVTFTApRLCkY89zt7x86+Kf4hyxqZ+n8JEvw1UuoFMxeCTYPSTcDBDF2MFoYt4zoBrlpnz1zHppdqXFyLEOGJ6bQv0UsSgyvnAYEgeyWAAHlBMrj/ioqQpCU/wB4yBhmJIF4z/HOMKCS05KiPlFiQbYbctmM2vJadF3xBxQJICQxYVOGsb2OH/S8Z6QhyTXTVjq+X+kQ0mhnT2KUquTcgs+5frmHOn+H1hJTMAJSC1w+b2PQ+zRlIpC2UUi9yS5fzP8A3BKlEIZwytjluo7i8XzuAzEjmBGGSEkuOtX0br5mHnw0dRZIQnw1FJT4xBQFguFEMTZntfBEQ45GmloA0HC6kFSiQgODgkEgEODcAghj1aCdBwKWJjzJ0yXUwQpIFNRB5VJUy1A7Y9Y1vEZSZq6ZjFSVCoyVTU11AZ/qu4YAOIFlyNMmcvxkT9QAmlkIUUpCmJC6CxUWD1EvntGkeJIz0AajSapYWQyUSn/qTKkg4ZI5XKiLYbEOP4f8bV4cxSl8wISAW5R5HqX9oSK0ssT1rlz1TkklISUqDcpZMxApqbANg7WsYa+CrUBYl6jmls6lnxEp5QAglAZIuqxc3wYz+GKdopBvxP8AEE2ePDKEkAhQJQQTYj7/AJQpkcZUAQFNTakEDBNulugEL+FJ0xm+DPRqtRNqUCmSsJSDcKpSkIPh5PMoMLw0/ldMqe60ydMiWWpmErWpr4CqVA2Bd/xZzGE/xnN9nIhooXNM5CzKKRNFJrW5YPelm5mAbuGeGXE+KJMtKZi56sM5CX9ABi1h5PeKeI8V0X+npZoSQOfwkkJIBBLhYUKj1/7hpP0BmU1KTKFBqLpUukuyRjm39sxrHicY9YlpezFzfmUoWS+D3LgOPQRVxDSKUkeGp7MygpJd7Mp4bajToJKJSvFUCkC8xRK03KVyuW7EluYdWYGBuIhchjKElS1SwSC6VpwXAUS9lXAZma5hL8drIppPQFo+FS5Sh460zHv8wCQLu6FJaoGm7nG0Q43ICR4la1IJekJAdObUsL26bGCFajwqfGcKUQlKBzpyMrNkvbJG+0W66emQh5wUlBcEFxl2TcOzNd3jRxeE0EYuhP8AysmXzqnKp+V5aSuWlRSXStRFw2RY7w44dORul0kM6TUm4BI6mwwDaJ6eegylS/DolKDulCitz+NnqTYDLZ3eJcM4OlSioT5qENzTJ5uRtQklTu+LWvuHJcaeUs/3wJk9LLZTGWaQSQaSzC4cYYsesLeKaKWpRUjlyVBCZaUhzvlhvZskxopvDZbgya7fLUtRQWFiwLAHeEnEBOnrSmcgTCl7eITbBAsLF/ldoXT41QxIVI6D6foY6Claaajl8LUJZgwBIxZigUs17R0Zdfsin7O08sskGymUHPf5T5sGMHaDUEDnBSGJUSwNvlUCHHXdy/WFomOohbqJLgAA26EWcscQ00ZpZyoKSagCc/MXcnHMbGzDZo5rd59nLZXLnm5QGJZ+4SS7EXfy6ZEMeC6pSiSqYWcPlRa/KVCwwWB2G8Liy1ABQpUwPzZ5djfp5ekXKWmWCEM1PNsKgQxAyxFR9TGkOSssuMq2F8RkleqCpKglKkvMJS7KsBTtUbu9nS7O8a/gaKEBLl8PU79zYdYwej1CZawCQ5F3JZIu21+YNZ/oTD5fGKVcp5UhgPbu/wC26tpPkrLOr5FGJtJK0gl7BiXawPluIul6LkKwtLsS72Dulg2cNGKPFWS6iPw23Yly/dkkdb94aS+IJMtSlKFkskFuUhnPkahm7v2euPmTxRK5E2bfS8UC6HBqbBDA4cu+HGe0dxTWX8MKuU1KbZOwHVyD6A9Y+ZaTjs1MusrKbA0gsrrdywfHv1grQ8UmqHiqYlRZT4tYDyF28o2lzrqhwXZsfSlFc4BJKDVdwWsMl2u20OeJ8OkapHh6qUiel/xJDgsflLuktZ3HnGN4VqjMnLeZdCQwfAJuUhwHcJHb1h4jjcu9IIUk7lJ3u97+20L57zovoJ+L/AUtUtI0YQooJpk6hKTYB6AspdmwC4LXO8fL9Tply1rQZZlEK5kAFIBD2KRbcjyj7nqNaJn+msVWKQ5dxf0s4ud+8KpnG9NqEK8SZLEwZIpLsWZncKHUxS5E3TBwaVo+JitBBQpr5du3paLZOonAWWq5exOXf3+8fRk6fTqLy5sk+hsMWGP0t2ig8KRf/TWnIZRpb2vjfrGnS/Jn3MGjiM8AgrWcM61W9zDT4UElcw/zBWrK2NV1Om5UDtSCB1No1iuBS1sTKTY2KVXH1H6RTqfgykBUjJ7qJHZ2LbQfGw7ijjnEFAlOmS4Bdyp5gcMWUkE/L1Lnqd1/AviHwpixMQQCLuFqYggAhIurrzEecaEcDWHJUH35QSThnSRf0gJHDdQlRCkqX/bUbeft94TgxqZ5r+OpAI06gpBB8XxZahMWRS6nKQFeVvVoDM4TZaZUvXmU6Qo6dKFAkkgAcksJS5IsS2H7W6mVMrYpp7BTP7OIsRLK0KFdNQYvMZRxulMCC0w3QfBoCvHmqExZJCkz5qpdSf7qZaVF1M9KiO4u0JviEJTOKBJSh/kCPlYWBZLPa3lFei4OtK//AHUxKjs6SWv8xUGOP8xdreHzkgAAzFDC1JUVXLspKeRT2F74hy400JuxPL1EtR/qokgp+RctRSpxb5aaiTllKA88HR8M4mNQnwpctloDqnLUJj9Kkinmx8t4zHEOAaiYtSilIv8AKFpQkB3opsWN7e0W8J169GDRpmU+VALF9rlh7PAl1KSTNtpeKLTKMslAEkgTpqgoJbKsOSGY0+TwZwri+iWBKXNWZUwCWiaQoJKxcyxMWVMCCWTjIe4EZfVfEp1SUpnBctKmqKUBIUC4KVAEVgi14onfEhWhSFuSFACZSqYV2IB/qOEgBrFm2BvCbwXR9B4vwXTSUpl+PqEeKkpdMxCqUtmnw232vY3hMrT6BMrwxqlz5rMkKTUpSrsKSB3sCMZ64jVccpKUzUIKQoH5VPYD8QITQ7ukC4y7mHWq49qJVMyejwZKmY0ByWsMVJB8hi0UpfRNFyEzNChEnwFTKn+WWpSbtzOQyckXOBeDV8Fnz1qVMUhFgQCXU7M5NwGsLE+kJkfGhWB4W3zoJZRD+xTjHXEMZnxNJMt3UGGDt2vE1FOw+izRzVmuTKdKpZHPMUA93pAQCSCN8X3gKTwhUolapqUAqcgOoqPZrOwa/X0jAp46sTlrSpgomNDp+PTZ5olBUxagwQwVsHOGA/3bQpfsPDVGlVq0PmcOwNvTlNvWOgeX8LkgFaiFEAkJXyjsKUkexjol8Tb0v9GPQCnI/rqSKUIcOqwfzV0GMsLGI67WzPEpUVJbooBiMggF/mcYzvBJoHMoqWpNwzkAG+AQXbr7Qp1QVMmkpINKalWAASGQ7khmw3kMtHDxu20Z9fJcqctq03V1YO4GcY6ONxlolpiVkElNlc1JDXNw+5BpbaK3BFCXCXVcsTuxINrBvrFqDdNRKkFwbkBrgkEEtsQ39wiqRNYCpCQlyEtbq481EX37x0hQLVBiBUWLvkt6hrbH6xE3kRTUopbGVMSGJzcDAy/mYC1OqZSqnd09hZqbDCrXZvIQpRTVg0GS1ipK81LC2UzNkp6Wqz0DQ00y+ZkqspJJq26OOzkW7wHq5nMWd0oQSA11khQ7i2xgfSldRUMtSHPUsVbOAxveMbvJIwE2uZbGLnGxtgliM9euZ6ZJUgPa1TYHMSoH+1i3sk9Q1GoolmpDNkfiDlQJB9APbMFytQKQhBStvlLgOybejMAXENNjUsiaVoShS6JkwEikkHOCTm/kfPyqRw66nmKLnuPpDpudJUXS7UklNmsoHoWsQXjtSQUMhQK02IJcGw329e5cb9UJp4Z0R5GCStKmW18DJVj3gPierCUKSlRqLOGJHXLX23tF06YhAPjBQLWCKnfp0HqbQkmzAsmmW42DqJH1z+cbukW22dI1Kz8g5mZ3O+xdTDzttveL5kxZVzgrLYpcjpcBlDyaLDo54lv4KkoBzQWfuTc5x5RKZwjUIV/ozAWd0Je3mhx6PDtk0QlT9Qg2SZZe3IEue9ofcP45rDy1IUwuSlRftZh9RC0aDUpDqRNSDklDHtsN+jnMGabQ6iYoJSioXdS0AI7hyM+g2i439k0aPhnF5zHxUi5/DSkXuXZRLwwRrFKNja1nSfL7wlRweehQMxUtIJwAk92JpDfn92krRFmVP0yM4dZ2uflvjBja62HVsOTIBS5AJ6DlB+sCTpUpBdMtlbMAS/aogRYpMoY1kv8A+GP/AOsEyBKb/wB0lfYIz/8AGow+yYdWKVzVgkiQtZ3Urw0/UPeBNTql1f1ErSTtUQlrWOAVfSHSZrq5RYPcpb6KKcjvE9TNARZRUTsJK7W3pJH1iq+xCCbpAuxJLj5SW+yXbzMAavQlIpMmsA/3EENj5hb3jRGepwEnuBR2xzEAHzMU6viLCki+4Uw+oUXhNKgTMlqEIUDVLWkDax/yYskaVCUOCzn8Za46D/MNkzFLNgkJA/uS6v094A1mjVgLYnDqCVeVi0ZNFdgHX8IQpjzEZsAfdrt3vCvj+gSqUlImE0l2eo/Vbe0PNCldTJm1EbFYPu6TV7wXNJBBmCWtT2bwwfMNSXhqgs+c8M0c0LJlVWcPTtFmq4bqFPUlZANw33AjefyYrTzWOEhKs7AqAY4xjrBS9JMY8pUDsacdiAT6Q+gdj59w/RacJqniYV35AClIuwdQB89swy4Hx0aNUzwZfKs3e6msyetIv9Y1Wn+FZkxzMTIQkb+KUn/kCkg4zEpnwxpU/NYqxhvRgxvuxg6MdmR1PxdMUokJIBNgEiPYbL4BMc0aSXMR+FYmDmScH5hs20exNS9MeBlWZbJU5JU98BLVBtyC6WJG22IA1upCiQmnsBdVzi7gHf0ivTTFGYJnNzKppBCiHYAOQwGAKrkub3hnrNRph4idRKdRNDpcKFylLFJZ6SBezWszDxoL9SRzr0ZrQBXMARWsFKVO4KQ7g5aouSTsk4ePNKsE0rV8r4sD+LLZcDb8ohp5yQoqILAOEkh1FrAs2xJPYNF8qWQklgRMIWXAKaRUlz/bc+j9o6p+ipeixJULqHRwLAMHDEi+B+2j2SgKTWqwF1FXm48zhmz2Dx7IlAkhkkIAADKKcuObJboLbWxBU0ciWerc1HlcBrZJZhdvIvENXj0RRKYpUxKqXeqoqYk4dTO72U297B4FlT6XBwh7JLqJIAdV23uQBgAmOk6wgEPSDkDJFVTerD2HeKWsouLfgTblfJcOQCftjZRS0GAudLcumyRYsEuCUpUphbBL2wA8cvVolgeGVBRJYAgdAl9yAX3awPeF6NYStdygqqpYOxIUHvtSSO8U6ycDNUpilPzBgGDkKYf7Q9h2ilAEjb8F4cZ4SAoWa6rH5A6nL8pKWDPuYIk6OWokFXKCUpIKg1TvYJDhmyLP1hLw6aEkh2IF+ocdAHNmtBM0pWoOSHAdlE332LEHFnsIUZJZLTXg0snhEshlJlOQedEoW8wSS7HN/WLpHB0FIEymlBfxAkBRODYg4D3HYQg4YAgmqYTsOzvv7Q40WvKXCFhs3LeW+THoQ5YywjRMlxeVK8FdKhPSm3hhUt7sGCEl73OQzEsITibJS4TLWCzAOVEhr3AYbhr2HeDZyAogpADvVkC99j3Nhm8Hp0UuZLmUzHKrMhBUwz8wUKb9Oh8o3oYv02qBdpRZKfmUEXaz7LB8ssGHUjgfhSkNSSliyColIqN6kksd/s8Xaf4R1KAueJslQSKgOYFkgmmljsBucwi4OEqlhU2aT4l6EIJ+bArd4LyA3kzEMmVLJAAZk1KIbqQ7e8FI0FZBKQo92Ib1tFJ06JIH9GbLQA4dBAueqknpj9IX6/iaXYGkkClT/iOAQGN7di8C+wG2q0icBwQXsyX8myImmWq4pIHmTt9LARCibLpqkqKVB7u7G5zcdhB8zSTJgCpSt2pslQ6EvanEUkhEJOhSWImJ7hwD5XMe6nhkgMSzm3ylZJY7OxtvFiuB6oIC1AuCRSllEbu2/oTEtBwPUTEVKloTSSwNQVbBpIa57/4WAoSapOlqZSgn/iEjoxAEVJlSRZE5Ie1mG/W0Gan4XlTJikzpeoUssSlCqW90EEHq8FSP4baPUB0TNXLaxQoixSz/ADJ37FrmB48BQi4nMlyZS1GfMIGyGqY4NVyQe0Z/TarSzqlAzFEC4UpALk/LdDuACfSPqWm/hppkUAzJywklwspKVAgikgJFv0vFvD/4a6GXJMoyytRd5pJEy7jIbAtfYXeIk0wo+dSJOkrMlQKVjIKg175BCSGNiMgw90/BQof01BIbZv0v5xPX/wAKpxChLnyhsh0kcow7Ox8vpF/CP4eamSUgTkpln50pclLCwGy3a5YXJPaGmhUB/wDpDLbxUkn/AHKT+X+Iv/8ATky/9SalB8kqJ9aWjOajiAGqn+GFBMsiWKlE2T80wuLKUo5DABrDMPZfF+QL5SW3bp1zFpofUhP1CKChCwTsbAP/AMQG9iIz+j0xWtpiVAu9rb9uW97gC+WjyZ8Sj+ZQRQseImpLZDgKFhu+esfcDKEoBMqWhKewb7ZP6wOSbE0ZjScL0hQk/wArqBYWSZhFrBjUHjoa6v4loWU+GS3f9AY6Cpf1iwfD5mtTZJWolXJcOLuxbD99rQi1Or8Va1mUkuSVEEg3YVBz1exexaPY6PH4YpZIiqYNw8eJPQkgc+erZJfy+wh5p9I6QAhVIqZyFDDsEuATzAOq33jo6K5XSCTImeDQhlG4N1bApBtYD8NgALqMUr1Ezm8U1lxfFwTcs12J9h3jyOiE8fuRdAQWCtQpBdyGKgaQSl8s72wd/VjoNEVzJTmlC5glmwJNRAbdgxb0726Oi/KH5F6UeICUEggKUpJABAAuQUliA6Sxv5wVp5aHMyYRUlCXUQSWqABLbu3eOjocvRQalYllSVJpUAQq4L0mzEDu4xtBGnmJblVc3AbIf5mIZ+1o9jozkkgSGmjkzVKYCvBawDOO9rEWh9wz4bmTmQpIQVuUL5CEhJD2Bd8/Tzjo6Oz8eCSLiqJ8X4dK0NPjz5s2YoZlpADv81KiwACk2Bc362jLQpfPLUG3sQoA75F7Hc/aOjo6bzRp4NVwxWrt/TcYJqTdiz3Vmxi3h+rQJpoloSonmISkLvcuQN46Oi1kk06FpWDuDYg/UXhFqfhDSmYmZSQUqBAylwQQw2YjaOjojTKL9YZE0+FU0xikfOBdssz3ALu9oUzETdJLqXqisvfkck7XffeOjopDaM3xb+IQlzmCllZ5SjCAetku/kd4Yaf43qmolrrBWlQBQQACA9woG+WPaPY6EmFGg03H5SqU+JNBFy4BJBexIDDIxDuTqQoOklQPp946Og2ElRMagRhv4nfHP8jKSiSSZ816SRZCUtUu4ubpAHd9o6Oh0iT5Rw/4q1kybWZ0wku7rU3XANh5RvNB8ZauUxcTEHZV2+xw/wCkeR0FgT4LwbR69c/wVTZE+omdLJK0GouVgm7Fwyag3SKtf/CeaCyNUoyyWZLpp9CSCH2ePY6JewGfw7/DXTybTpRmTAokTq+wAFNuj3BuTeN9qkEhqs2/dnEeR0NbEKjwPSiykknckqeOjo6NEiT/2Q=="/>
+          <p:cNvSpPr>
+            <a:spLocks noChangeAspect="1" noChangeArrowheads="1"/>
+          </p:cNvSpPr>
+          <p:nvPr/>
+        </p:nvSpPr>
+        <p:spPr bwMode="auto">
+          <a:xfrm>
+            <a:off x="168275" y="-144463"/>
+            <a:ext cx="304800" cy="304801"/>
+          </a:xfrm>
+          <a:prstGeom prst="rect">
+            <a:avLst/>
+          </a:prstGeom>
+          <a:noFill/>
+        </p:spPr>
+        <p:txBody>
+          <a:bodyPr vert="horz" wrap="square" lIns="91440" tIns="45720" rIns="91440" bIns="45720" numCol="1" anchor="t" anchorCtr="0" compatLnSpc="1">
+            <a:prstTxWarp prst="textNoShape">
+              <a:avLst/>
+            </a:prstTxWarp>
+          </a:bodyPr>
+          <a:lstStyle/>
+          <a:p>
+            <a:endParaRPr lang="ko-KR" altLang="en-US"/>
+          </a:p>
+        </p:txBody>
+      </p:sp>
+      <p:pic>
+        <p:nvPicPr>
+          <p:cNvPr id="24584" name="Picture 8" descr="Living Streams Mission"/>
+          <p:cNvPicPr>
+            <a:picLocks noChangeAspect="1" noChangeArrowheads="1"/>
+          </p:cNvPicPr>
+          <p:nvPr/>
+        </p:nvPicPr>
+        <p:blipFill>
+          <a:blip r:embed="rId3" cstate="print"/>
+          <a:srcRect/>
+          <a:stretch>
+            <a:fillRect/>
+          </a:stretch>
+        </p:blipFill>
+        <p:spPr bwMode="auto">
+          <a:xfrm>
+            <a:off x="4788024" y="2636912"/>
+            <a:ext cx="3528392" cy="3528392"/>
           </a:xfrm>
           <a:prstGeom prst="rect">
             <a:avLst/>

--- a/resource/docs/first.pptx
+++ b/resource/docs/first.pptx
@@ -5,17 +5,18 @@
     <p:sldMasterId id="2147483648" r:id="rId1"/>
   </p:sldMasterIdLst>
   <p:notesMasterIdLst>
-    <p:notesMasterId r:id="rId10"/>
+    <p:notesMasterId r:id="rId11"/>
   </p:notesMasterIdLst>
   <p:sldIdLst>
     <p:sldId id="256" r:id="rId2"/>
     <p:sldId id="257" r:id="rId3"/>
     <p:sldId id="260" r:id="rId4"/>
-    <p:sldId id="258" r:id="rId5"/>
-    <p:sldId id="261" r:id="rId6"/>
-    <p:sldId id="259" r:id="rId7"/>
-    <p:sldId id="263" r:id="rId8"/>
-    <p:sldId id="262" r:id="rId9"/>
+    <p:sldId id="264" r:id="rId5"/>
+    <p:sldId id="258" r:id="rId6"/>
+    <p:sldId id="261" r:id="rId7"/>
+    <p:sldId id="259" r:id="rId8"/>
+    <p:sldId id="263" r:id="rId9"/>
+    <p:sldId id="262" r:id="rId10"/>
   </p:sldIdLst>
   <p:sldSz cx="9144000" cy="6858000" type="screen4x3"/>
   <p:notesSz cx="6858000" cy="9144000"/>
@@ -868,6 +869,97 @@
             <a:fld id="{EB2FCB5D-1602-4C68-B6C1-499F41913F8D}" type="slidenum">
               <a:rPr lang="ko-KR" altLang="en-US" smtClean="0"/>
               <a:t>3</a:t>
+            </a:fld>
+            <a:endParaRPr lang="ko-KR" altLang="en-US"/>
+          </a:p>
+        </p:txBody>
+      </p:sp>
+    </p:spTree>
+  </p:cSld>
+  <p:clrMapOvr>
+    <a:masterClrMapping/>
+  </p:clrMapOvr>
+</p:notes>
+</file>
+
+<file path=ppt/notesSlides/notesSlide4.xml><?xml version="1.0" encoding="utf-8"?>
+<p:notes xmlns:a="http://schemas.openxmlformats.org/drawingml/2006/main" xmlns:r="http://schemas.openxmlformats.org/officeDocument/2006/relationships" xmlns:p="http://schemas.openxmlformats.org/presentationml/2006/main">
+  <p:cSld>
+    <p:spTree>
+      <p:nvGrpSpPr>
+        <p:cNvPr id="1" name=""/>
+        <p:cNvGrpSpPr/>
+        <p:nvPr/>
+      </p:nvGrpSpPr>
+      <p:grpSpPr>
+        <a:xfrm>
+          <a:off x="0" y="0"/>
+          <a:ext cx="0" cy="0"/>
+          <a:chOff x="0" y="0"/>
+          <a:chExt cx="0" cy="0"/>
+        </a:xfrm>
+      </p:grpSpPr>
+      <p:sp>
+        <p:nvSpPr>
+          <p:cNvPr id="2" name="슬라이드 이미지 개체 틀 1"/>
+          <p:cNvSpPr>
+            <a:spLocks noGrp="1" noRot="1" noChangeAspect="1"/>
+          </p:cNvSpPr>
+          <p:nvPr>
+            <p:ph type="sldImg"/>
+          </p:nvPr>
+        </p:nvSpPr>
+        <p:spPr/>
+      </p:sp>
+      <p:sp>
+        <p:nvSpPr>
+          <p:cNvPr id="3" name="슬라이드 노트 개체 틀 2"/>
+          <p:cNvSpPr>
+            <a:spLocks noGrp="1"/>
+          </p:cNvSpPr>
+          <p:nvPr>
+            <p:ph type="body" idx="1"/>
+          </p:nvPr>
+        </p:nvSpPr>
+        <p:spPr/>
+        <p:txBody>
+          <a:bodyPr>
+            <a:normAutofit/>
+          </a:bodyPr>
+          <a:lstStyle/>
+          <a:p>
+            <a:r>
+              <a:rPr lang="ko-KR" altLang="en-US" dirty="0" smtClean="0"/>
+              <a:t>통통배를 만드는 것과 항공모함을 만든다는 것의 차이</a:t>
+            </a:r>
+            <a:endParaRPr lang="en-US" altLang="ko-KR" dirty="0" smtClean="0"/>
+          </a:p>
+          <a:p>
+            <a:endParaRPr lang="en-US" altLang="ko-KR" dirty="0" smtClean="0"/>
+          </a:p>
+          <a:p>
+            <a:endParaRPr lang="ko-KR" altLang="en-US" dirty="0"/>
+          </a:p>
+        </p:txBody>
+      </p:sp>
+      <p:sp>
+        <p:nvSpPr>
+          <p:cNvPr id="4" name="슬라이드 번호 개체 틀 3"/>
+          <p:cNvSpPr>
+            <a:spLocks noGrp="1"/>
+          </p:cNvSpPr>
+          <p:nvPr>
+            <p:ph type="sldNum" sz="quarter" idx="10"/>
+          </p:nvPr>
+        </p:nvSpPr>
+        <p:spPr/>
+        <p:txBody>
+          <a:bodyPr/>
+          <a:lstStyle/>
+          <a:p>
+            <a:fld id="{EB2FCB5D-1602-4C68-B6C1-499F41913F8D}" type="slidenum">
+              <a:rPr lang="ko-KR" altLang="en-US" smtClean="0"/>
+              <a:t>4</a:t>
             </a:fld>
             <a:endParaRPr lang="ko-KR" altLang="en-US"/>
           </a:p>
@@ -3824,7 +3916,11 @@
           <a:bodyPr/>
           <a:lstStyle/>
           <a:p>
-            <a:endParaRPr lang="ko-KR" altLang="en-US"/>
+            <a:r>
+              <a:rPr lang="en-US" altLang="ko-KR" dirty="0" smtClean="0"/>
+              <a:t>ICS</a:t>
+            </a:r>
+            <a:endParaRPr lang="ko-KR" altLang="en-US" dirty="0"/>
           </a:p>
         </p:txBody>
       </p:sp>
@@ -3888,8 +3984,12 @@
           <a:lstStyle/>
           <a:p>
             <a:r>
+              <a:rPr lang="en-US" altLang="ko-KR" sz="2400" dirty="0" smtClean="0"/>
+              <a:t>Problem</a:t>
+            </a:r>
+            <a:r>
               <a:rPr lang="en-US" altLang="ko-KR" dirty="0" smtClean="0"/>
-              <a:t>P1 </a:t>
+              <a:t> </a:t>
             </a:r>
             <a:r>
               <a:rPr lang="ko-KR" altLang="en-US" dirty="0" smtClean="0"/>
@@ -3993,8 +4093,12 @@
           <a:lstStyle/>
           <a:p>
             <a:r>
+              <a:rPr lang="en-US" altLang="ko-KR" sz="2400" dirty="0" smtClean="0"/>
+              <a:t>Problem</a:t>
+            </a:r>
+            <a:r>
               <a:rPr lang="en-US" altLang="ko-KR" dirty="0" smtClean="0"/>
-              <a:t>P2 </a:t>
+              <a:t> </a:t>
             </a:r>
             <a:r>
               <a:rPr lang="ko-KR" altLang="en-US" dirty="0" smtClean="0"/>
@@ -4041,7 +4145,7 @@
       </p:sp>
       <p:pic>
         <p:nvPicPr>
-          <p:cNvPr id="21506" name="Picture 2" descr="http://cfile25.uf.tistory.com/image/12703E4C4F81570020798A"/>
+          <p:cNvPr id="21508" name="Picture 4" descr="http://cfile1.uf.tistory.com/image/16204A40500696302C6E8C"/>
           <p:cNvPicPr>
             <a:picLocks noChangeAspect="1" noChangeArrowheads="1"/>
           </p:cNvPicPr>
@@ -4056,8 +4160,8 @@
         </p:blipFill>
         <p:spPr bwMode="auto">
           <a:xfrm>
-            <a:off x="3059832" y="2564904"/>
-            <a:ext cx="5452378" cy="3197746"/>
+            <a:off x="3203848" y="2492896"/>
+            <a:ext cx="5256584" cy="3640424"/>
           </a:xfrm>
           <a:prstGeom prst="rect">
             <a:avLst/>
@@ -4092,67 +4196,23 @@
       </p:grpSpPr>
       <p:sp>
         <p:nvSpPr>
-          <p:cNvPr id="2" name="제목 1"/>
-          <p:cNvSpPr>
-            <a:spLocks noGrp="1"/>
-          </p:cNvSpPr>
-          <p:nvPr>
-            <p:ph type="title"/>
-          </p:nvPr>
-        </p:nvSpPr>
-        <p:spPr/>
-        <p:txBody>
-          <a:bodyPr/>
-          <a:lstStyle/>
-          <a:p>
-            <a:r>
-              <a:rPr lang="en-US" altLang="ko-KR" dirty="0" smtClean="0"/>
-              <a:t>D1 </a:t>
-            </a:r>
-            <a:r>
-              <a:rPr lang="ko-KR" altLang="en-US" dirty="0" smtClean="0"/>
-              <a:t>상속에서 위임</a:t>
-            </a:r>
-            <a:endParaRPr lang="ko-KR" altLang="en-US" dirty="0"/>
-          </a:p>
-        </p:txBody>
-      </p:sp>
-      <p:sp>
-        <p:nvSpPr>
-          <p:cNvPr id="3" name="내용 개체 틀 2"/>
-          <p:cNvSpPr>
-            <a:spLocks noGrp="1"/>
-          </p:cNvSpPr>
-          <p:nvPr>
-            <p:ph idx="1"/>
-          </p:nvPr>
-        </p:nvSpPr>
-        <p:spPr/>
-        <p:txBody>
-          <a:bodyPr/>
-          <a:lstStyle/>
-          <a:p>
-            <a:endParaRPr lang="ko-KR" altLang="en-US" dirty="0"/>
-          </a:p>
-        </p:txBody>
-      </p:sp>
-      <p:sp>
-        <p:nvSpPr>
-          <p:cNvPr id="4" name="양쪽 모서리가 잘린 사각형 3"/>
+          <p:cNvPr id="26" name="직사각형 25"/>
           <p:cNvSpPr/>
           <p:nvPr/>
         </p:nvSpPr>
         <p:spPr>
           <a:xfrm>
-            <a:off x="1547664" y="3140968"/>
-            <a:ext cx="1872208" cy="576064"/>
-          </a:xfrm>
-          <a:prstGeom prst="snip2SameRect">
-            <a:avLst>
-              <a:gd name="adj1" fmla="val 50000"/>
-              <a:gd name="adj2" fmla="val 0"/>
-            </a:avLst>
+            <a:off x="7524328" y="1628800"/>
+            <a:ext cx="792088" cy="2376264"/>
+          </a:xfrm>
+          <a:prstGeom prst="rect">
+            <a:avLst/>
           </a:prstGeom>
+          <a:solidFill>
+            <a:schemeClr val="bg1">
+              <a:lumMod val="75000"/>
+            </a:schemeClr>
+          </a:solidFill>
         </p:spPr>
         <p:style>
           <a:lnRef idx="2">
@@ -4176,8 +4236,47 @@
           <a:p>
             <a:pPr algn="ctr"/>
             <a:r>
+              <a:rPr lang="en-US" altLang="ko-KR" sz="2000" dirty="0" smtClean="0">
+                <a:solidFill>
+                  <a:schemeClr val="tx1"/>
+                </a:solidFill>
+              </a:rPr>
+              <a:t>API</a:t>
+            </a:r>
+            <a:endParaRPr lang="ko-KR" altLang="en-US" dirty="0">
+              <a:solidFill>
+                <a:schemeClr val="tx1"/>
+              </a:solidFill>
+            </a:endParaRPr>
+          </a:p>
+        </p:txBody>
+      </p:sp>
+      <p:sp>
+        <p:nvSpPr>
+          <p:cNvPr id="2" name="제목 1"/>
+          <p:cNvSpPr>
+            <a:spLocks noGrp="1"/>
+          </p:cNvSpPr>
+          <p:nvPr>
+            <p:ph type="title"/>
+          </p:nvPr>
+        </p:nvSpPr>
+        <p:spPr/>
+        <p:txBody>
+          <a:bodyPr/>
+          <a:lstStyle/>
+          <a:p>
+            <a:r>
+              <a:rPr lang="en-US" altLang="ko-KR" sz="2400" dirty="0" smtClean="0"/>
+              <a:t>Problem</a:t>
+            </a:r>
+            <a:r>
               <a:rPr lang="en-US" altLang="ko-KR" dirty="0" smtClean="0"/>
-              <a:t>ICS 4</a:t>
+              <a:t> </a:t>
+            </a:r>
+            <a:r>
+              <a:rPr lang="ko-KR" altLang="en-US" dirty="0" smtClean="0"/>
+              <a:t>복잡성의 문제</a:t>
             </a:r>
             <a:endParaRPr lang="ko-KR" altLang="en-US" dirty="0"/>
           </a:p>
@@ -4185,20 +4284,17 @@
       </p:sp>
       <p:sp>
         <p:nvSpPr>
-          <p:cNvPr id="5" name="양쪽 모서리가 잘린 사각형 4"/>
+          <p:cNvPr id="6" name="직사각형 5"/>
           <p:cNvSpPr/>
           <p:nvPr/>
         </p:nvSpPr>
         <p:spPr>
           <a:xfrm>
-            <a:off x="1259632" y="3861048"/>
-            <a:ext cx="2448272" cy="720080"/>
-          </a:xfrm>
-          <a:prstGeom prst="snip2SameRect">
-            <a:avLst>
-              <a:gd name="adj1" fmla="val 50000"/>
-              <a:gd name="adj2" fmla="val 0"/>
-            </a:avLst>
+            <a:off x="1907704" y="2348880"/>
+            <a:ext cx="1512168" cy="1944216"/>
+          </a:xfrm>
+          <a:prstGeom prst="rect">
+            <a:avLst/>
           </a:prstGeom>
         </p:spPr>
         <p:style>
@@ -4224,7 +4320,14 @@
             <a:pPr algn="ctr"/>
             <a:r>
               <a:rPr lang="en-US" altLang="ko-KR" dirty="0" smtClean="0"/>
-              <a:t>ICS 5</a:t>
+              <a:t>ICS6</a:t>
+            </a:r>
+          </a:p>
+          <a:p>
+            <a:pPr algn="ctr"/>
+            <a:r>
+              <a:rPr lang="en-US" altLang="ko-KR" dirty="0" smtClean="0"/>
+              <a:t>Main</a:t>
             </a:r>
             <a:endParaRPr lang="ko-KR" altLang="en-US" dirty="0"/>
           </a:p>
@@ -4232,20 +4335,17 @@
       </p:sp>
       <p:sp>
         <p:nvSpPr>
-          <p:cNvPr id="6" name="양쪽 모서리가 잘린 사각형 5"/>
+          <p:cNvPr id="8" name="직사각형 7"/>
           <p:cNvSpPr/>
           <p:nvPr/>
         </p:nvSpPr>
         <p:spPr>
           <a:xfrm>
-            <a:off x="899592" y="4725144"/>
-            <a:ext cx="3168352" cy="864096"/>
-          </a:xfrm>
-          <a:prstGeom prst="snip2SameRect">
-            <a:avLst>
-              <a:gd name="adj1" fmla="val 50000"/>
-              <a:gd name="adj2" fmla="val 0"/>
-            </a:avLst>
+            <a:off x="5796136" y="2924944"/>
+            <a:ext cx="1512168" cy="1152128"/>
+          </a:xfrm>
+          <a:prstGeom prst="rect">
+            <a:avLst/>
           </a:prstGeom>
         </p:spPr>
         <p:style>
@@ -4271,7 +4371,14 @@
             <a:pPr algn="ctr"/>
             <a:r>
               <a:rPr lang="en-US" altLang="ko-KR" dirty="0" smtClean="0"/>
-              <a:t>ICS 6</a:t>
+              <a:t>ICS6 </a:t>
+            </a:r>
+          </a:p>
+          <a:p>
+            <a:pPr algn="ctr"/>
+            <a:r>
+              <a:rPr lang="en-US" altLang="ko-KR" dirty="0" smtClean="0"/>
+              <a:t>Dynamic</a:t>
             </a:r>
             <a:endParaRPr lang="ko-KR" altLang="en-US" dirty="0"/>
           </a:p>
@@ -4279,14 +4386,96 @@
       </p:sp>
       <p:sp>
         <p:nvSpPr>
-          <p:cNvPr id="7" name="직사각형 6"/>
+          <p:cNvPr id="26626" name="AutoShape 2" descr="computer database에 대한 이미지 검색결과"/>
+          <p:cNvSpPr>
+            <a:spLocks noChangeAspect="1" noChangeArrowheads="1"/>
+          </p:cNvSpPr>
+          <p:nvPr/>
+        </p:nvSpPr>
+        <p:spPr bwMode="auto">
+          <a:xfrm>
+            <a:off x="168275" y="-144463"/>
+            <a:ext cx="304800" cy="304801"/>
+          </a:xfrm>
+          <a:prstGeom prst="rect">
+            <a:avLst/>
+          </a:prstGeom>
+          <a:noFill/>
+        </p:spPr>
+        <p:txBody>
+          <a:bodyPr vert="horz" wrap="square" lIns="91440" tIns="45720" rIns="91440" bIns="45720" numCol="1" anchor="t" anchorCtr="0" compatLnSpc="1">
+            <a:prstTxWarp prst="textNoShape">
+              <a:avLst/>
+            </a:prstTxWarp>
+          </a:bodyPr>
+          <a:lstStyle/>
+          <a:p>
+            <a:endParaRPr lang="ko-KR" altLang="en-US"/>
+          </a:p>
+        </p:txBody>
+      </p:sp>
+      <p:pic>
+        <p:nvPicPr>
+          <p:cNvPr id="26628" name="Picture 4" descr="http://png-3.findicons.com/files/icons/977/rrze/720/computer_database.png"/>
+          <p:cNvPicPr>
+            <a:picLocks noChangeAspect="1" noChangeArrowheads="1"/>
+          </p:cNvPicPr>
+          <p:nvPr/>
+        </p:nvPicPr>
+        <p:blipFill>
+          <a:blip r:embed="rId3" cstate="print"/>
+          <a:srcRect/>
+          <a:stretch>
+            <a:fillRect/>
+          </a:stretch>
+        </p:blipFill>
+        <p:spPr bwMode="auto">
+          <a:xfrm>
+            <a:off x="5796136" y="4509120"/>
+            <a:ext cx="1628800" cy="1152128"/>
+          </a:xfrm>
+          <a:prstGeom prst="rect">
+            <a:avLst/>
+          </a:prstGeom>
+          <a:noFill/>
+        </p:spPr>
+      </p:pic>
+      <p:pic>
+        <p:nvPicPr>
+          <p:cNvPr id="26630" name="Picture 6" descr="http://pixabay.com/static/uploads/photo/2013/07/13/10/17/computer-156948_640.png"/>
+          <p:cNvPicPr>
+            <a:picLocks noChangeAspect="1" noChangeArrowheads="1"/>
+          </p:cNvPicPr>
+          <p:nvPr/>
+        </p:nvPicPr>
+        <p:blipFill>
+          <a:blip r:embed="rId4" cstate="print"/>
+          <a:srcRect/>
+          <a:stretch>
+            <a:fillRect/>
+          </a:stretch>
+        </p:blipFill>
+        <p:spPr bwMode="auto">
+          <a:xfrm>
+            <a:off x="1187624" y="4725144"/>
+            <a:ext cx="1512168" cy="1265925"/>
+          </a:xfrm>
+          <a:prstGeom prst="rect">
+            <a:avLst/>
+          </a:prstGeom>
+          <a:noFill/>
+        </p:spPr>
+      </p:pic>
+      <p:sp>
+        <p:nvSpPr>
+          <p:cNvPr id="13" name="직사각형 12"/>
           <p:cNvSpPr/>
           <p:nvPr/>
         </p:nvSpPr>
         <p:spPr>
           <a:xfrm>
-            <a:off x="6372200" y="3429000"/>
-            <a:ext cx="936104" cy="1872208"/>
+            <a:off x="5796136" y="1628800"/>
+            <a:ext cx="1512168" cy="1152128"/>
           </a:xfrm>
           <a:prstGeom prst="rect">
             <a:avLst/>
@@ -4315,9 +4504,321 @@
             <a:pPr algn="ctr"/>
             <a:r>
               <a:rPr lang="en-US" altLang="ko-KR" dirty="0" smtClean="0"/>
-              <a:t>ICS 7</a:t>
+              <a:t>ICS6 </a:t>
+            </a:r>
+          </a:p>
+          <a:p>
+            <a:pPr algn="ctr"/>
+            <a:r>
+              <a:rPr lang="en-US" altLang="ko-KR" dirty="0" smtClean="0"/>
+              <a:t>Gallery</a:t>
             </a:r>
             <a:endParaRPr lang="ko-KR" altLang="en-US" dirty="0"/>
+          </a:p>
+        </p:txBody>
+      </p:sp>
+      <p:sp>
+        <p:nvSpPr>
+          <p:cNvPr id="14" name="직사각형 13"/>
+          <p:cNvSpPr/>
+          <p:nvPr/>
+        </p:nvSpPr>
+        <p:spPr>
+          <a:xfrm>
+            <a:off x="3851920" y="1628800"/>
+            <a:ext cx="1512168" cy="1152128"/>
+          </a:xfrm>
+          <a:prstGeom prst="rect">
+            <a:avLst/>
+          </a:prstGeom>
+        </p:spPr>
+        <p:style>
+          <a:lnRef idx="2">
+            <a:schemeClr val="accent1">
+              <a:shade val="50000"/>
+            </a:schemeClr>
+          </a:lnRef>
+          <a:fillRef idx="1">
+            <a:schemeClr val="accent1"/>
+          </a:fillRef>
+          <a:effectRef idx="0">
+            <a:schemeClr val="accent1"/>
+          </a:effectRef>
+          <a:fontRef idx="minor">
+            <a:schemeClr val="lt1"/>
+          </a:fontRef>
+        </p:style>
+        <p:txBody>
+          <a:bodyPr rtlCol="0" anchor="ctr"/>
+          <a:lstStyle/>
+          <a:p>
+            <a:pPr algn="ctr"/>
+            <a:r>
+              <a:rPr lang="en-US" altLang="ko-KR" dirty="0" smtClean="0"/>
+              <a:t>ICS6 </a:t>
+            </a:r>
+          </a:p>
+          <a:p>
+            <a:pPr algn="ctr"/>
+            <a:r>
+              <a:rPr lang="en-US" altLang="ko-KR" dirty="0" smtClean="0"/>
+              <a:t>Etc</a:t>
+            </a:r>
+            <a:endParaRPr lang="ko-KR" altLang="en-US" dirty="0"/>
+          </a:p>
+        </p:txBody>
+      </p:sp>
+      <p:sp>
+        <p:nvSpPr>
+          <p:cNvPr id="15" name="왼쪽/오른쪽/위쪽/아래쪽 설명선 14"/>
+          <p:cNvSpPr/>
+          <p:nvPr/>
+        </p:nvSpPr>
+        <p:spPr>
+          <a:xfrm>
+            <a:off x="3635896" y="2996952"/>
+            <a:ext cx="1728192" cy="1368152"/>
+          </a:xfrm>
+          <a:prstGeom prst="quadArrowCallout">
+            <a:avLst/>
+          </a:prstGeom>
+          <a:solidFill>
+            <a:schemeClr val="accent3">
+              <a:lumMod val="75000"/>
+            </a:schemeClr>
+          </a:solidFill>
+        </p:spPr>
+        <p:style>
+          <a:lnRef idx="2">
+            <a:schemeClr val="accent1">
+              <a:shade val="50000"/>
+            </a:schemeClr>
+          </a:lnRef>
+          <a:fillRef idx="1">
+            <a:schemeClr val="accent1"/>
+          </a:fillRef>
+          <a:effectRef idx="0">
+            <a:schemeClr val="accent1"/>
+          </a:effectRef>
+          <a:fontRef idx="minor">
+            <a:schemeClr val="lt1"/>
+          </a:fontRef>
+        </p:style>
+        <p:txBody>
+          <a:bodyPr rtlCol="0" anchor="ctr"/>
+          <a:lstStyle/>
+          <a:p>
+            <a:pPr algn="ctr"/>
+            <a:r>
+              <a:rPr lang="en-US" altLang="ko-KR" dirty="0" smtClean="0"/>
+              <a:t>P to P</a:t>
+            </a:r>
+          </a:p>
+          <a:p>
+            <a:pPr algn="ctr"/>
+            <a:r>
+              <a:rPr lang="en-US" altLang="ko-KR" dirty="0" smtClean="0"/>
+              <a:t>API</a:t>
+            </a:r>
+            <a:endParaRPr lang="ko-KR" altLang="en-US" dirty="0"/>
+          </a:p>
+        </p:txBody>
+      </p:sp>
+      <p:sp>
+        <p:nvSpPr>
+          <p:cNvPr id="16" name="오른쪽으로 구부러진 화살표 15"/>
+          <p:cNvSpPr/>
+          <p:nvPr/>
+        </p:nvSpPr>
+        <p:spPr>
+          <a:xfrm>
+            <a:off x="1259632" y="3573016"/>
+            <a:ext cx="576064" cy="1368152"/>
+          </a:xfrm>
+          <a:prstGeom prst="curvedRightArrow">
+            <a:avLst/>
+          </a:prstGeom>
+        </p:spPr>
+        <p:style>
+          <a:lnRef idx="2">
+            <a:schemeClr val="accent1">
+              <a:shade val="50000"/>
+            </a:schemeClr>
+          </a:lnRef>
+          <a:fillRef idx="1">
+            <a:schemeClr val="accent1"/>
+          </a:fillRef>
+          <a:effectRef idx="0">
+            <a:schemeClr val="accent1"/>
+          </a:effectRef>
+          <a:fontRef idx="minor">
+            <a:schemeClr val="lt1"/>
+          </a:fontRef>
+        </p:style>
+        <p:txBody>
+          <a:bodyPr rtlCol="0" anchor="ctr"/>
+          <a:lstStyle/>
+          <a:p>
+            <a:pPr algn="ctr"/>
+            <a:endParaRPr lang="ko-KR" altLang="en-US">
+              <a:solidFill>
+                <a:schemeClr val="tx1"/>
+              </a:solidFill>
+            </a:endParaRPr>
+          </a:p>
+        </p:txBody>
+      </p:sp>
+      <p:sp>
+        <p:nvSpPr>
+          <p:cNvPr id="17" name="TextBox 16"/>
+          <p:cNvSpPr txBox="1"/>
+          <p:nvPr/>
+        </p:nvSpPr>
+        <p:spPr>
+          <a:xfrm>
+            <a:off x="1331640" y="5949280"/>
+            <a:ext cx="1354858" cy="369332"/>
+          </a:xfrm>
+          <a:prstGeom prst="rect">
+            <a:avLst/>
+          </a:prstGeom>
+          <a:noFill/>
+        </p:spPr>
+        <p:txBody>
+          <a:bodyPr wrap="none" rtlCol="0">
+            <a:spAutoFit/>
+          </a:bodyPr>
+          <a:lstStyle/>
+          <a:p>
+            <a:r>
+              <a:rPr lang="en-US" altLang="ko-KR" dirty="0" smtClean="0"/>
+              <a:t>ICS6 oracle</a:t>
+            </a:r>
+            <a:endParaRPr lang="ko-KR" altLang="en-US" dirty="0"/>
+          </a:p>
+        </p:txBody>
+      </p:sp>
+      <p:sp>
+        <p:nvSpPr>
+          <p:cNvPr id="18" name="TextBox 17"/>
+          <p:cNvSpPr txBox="1"/>
+          <p:nvPr/>
+        </p:nvSpPr>
+        <p:spPr>
+          <a:xfrm>
+            <a:off x="5796136" y="5805264"/>
+            <a:ext cx="1486304" cy="369332"/>
+          </a:xfrm>
+          <a:prstGeom prst="rect">
+            <a:avLst/>
+          </a:prstGeom>
+          <a:noFill/>
+        </p:spPr>
+        <p:txBody>
+          <a:bodyPr wrap="none" rtlCol="0">
+            <a:spAutoFit/>
+          </a:bodyPr>
+          <a:lstStyle/>
+          <a:p>
+            <a:r>
+              <a:rPr lang="en-US" altLang="ko-KR" dirty="0" smtClean="0"/>
+              <a:t>ICS6 Mongo</a:t>
+            </a:r>
+            <a:endParaRPr lang="ko-KR" altLang="en-US" dirty="0"/>
+          </a:p>
+        </p:txBody>
+      </p:sp>
+      <p:sp>
+        <p:nvSpPr>
+          <p:cNvPr id="24" name="U자형 화살표 23"/>
+          <p:cNvSpPr/>
+          <p:nvPr/>
+        </p:nvSpPr>
+        <p:spPr>
+          <a:xfrm flipV="1">
+            <a:off x="2771800" y="4365104"/>
+            <a:ext cx="3240360" cy="1368152"/>
+          </a:xfrm>
+          <a:prstGeom prst="uturnArrow">
+            <a:avLst>
+              <a:gd name="adj1" fmla="val 7198"/>
+              <a:gd name="adj2" fmla="val 25000"/>
+              <a:gd name="adj3" fmla="val 25742"/>
+              <a:gd name="adj4" fmla="val 43750"/>
+              <a:gd name="adj5" fmla="val 34087"/>
+            </a:avLst>
+          </a:prstGeom>
+        </p:spPr>
+        <p:style>
+          <a:lnRef idx="2">
+            <a:schemeClr val="accent1">
+              <a:shade val="50000"/>
+            </a:schemeClr>
+          </a:lnRef>
+          <a:fillRef idx="1">
+            <a:schemeClr val="accent1"/>
+          </a:fillRef>
+          <a:effectRef idx="0">
+            <a:schemeClr val="accent1"/>
+          </a:effectRef>
+          <a:fontRef idx="minor">
+            <a:schemeClr val="lt1"/>
+          </a:fontRef>
+        </p:style>
+        <p:txBody>
+          <a:bodyPr rtlCol="0" anchor="ctr"/>
+          <a:lstStyle/>
+          <a:p>
+            <a:pPr algn="ctr"/>
+            <a:endParaRPr lang="ko-KR" altLang="en-US">
+              <a:solidFill>
+                <a:schemeClr val="tx1"/>
+              </a:solidFill>
+            </a:endParaRPr>
+          </a:p>
+        </p:txBody>
+      </p:sp>
+      <p:sp>
+        <p:nvSpPr>
+          <p:cNvPr id="25" name="오른쪽으로 구부러진 화살표 24"/>
+          <p:cNvSpPr/>
+          <p:nvPr/>
+        </p:nvSpPr>
+        <p:spPr>
+          <a:xfrm flipH="1">
+            <a:off x="7380312" y="3645024"/>
+            <a:ext cx="648072" cy="1584176"/>
+          </a:xfrm>
+          <a:prstGeom prst="curvedRightArrow">
+            <a:avLst/>
+          </a:prstGeom>
+        </p:spPr>
+        <p:style>
+          <a:lnRef idx="2">
+            <a:schemeClr val="accent1">
+              <a:shade val="50000"/>
+            </a:schemeClr>
+          </a:lnRef>
+          <a:fillRef idx="1">
+            <a:schemeClr val="accent1"/>
+          </a:fillRef>
+          <a:effectRef idx="0">
+            <a:schemeClr val="accent1"/>
+          </a:effectRef>
+          <a:fontRef idx="minor">
+            <a:schemeClr val="lt1"/>
+          </a:fontRef>
+        </p:style>
+        <p:txBody>
+          <a:bodyPr rtlCol="0" anchor="ctr"/>
+          <a:lstStyle/>
+          <a:p>
+            <a:pPr algn="ctr"/>
+            <a:endParaRPr lang="ko-KR" altLang="en-US">
+              <a:solidFill>
+                <a:schemeClr val="tx1"/>
+              </a:solidFill>
+            </a:endParaRPr>
           </a:p>
         </p:txBody>
       </p:sp>
@@ -4362,20 +4863,63 @@
           <a:lstStyle/>
           <a:p>
             <a:r>
+              <a:rPr lang="en-US" altLang="ko-KR" sz="2400" dirty="0" smtClean="0"/>
+              <a:t>Define</a:t>
+            </a:r>
+            <a:r>
               <a:rPr lang="en-US" altLang="ko-KR" dirty="0" smtClean="0"/>
-              <a:t>D2 API</a:t>
+              <a:t> </a:t>
             </a:r>
             <a:r>
               <a:rPr lang="ko-KR" altLang="en-US" dirty="0" smtClean="0"/>
-              <a:t>에서 </a:t>
-            </a:r>
+              <a:t>상속에서 위임</a:t>
+            </a:r>
+            <a:endParaRPr lang="ko-KR" altLang="en-US" dirty="0"/>
+          </a:p>
+        </p:txBody>
+      </p:sp>
+      <p:sp>
+        <p:nvSpPr>
+          <p:cNvPr id="4" name="양쪽 모서리가 잘린 사각형 3"/>
+          <p:cNvSpPr/>
+          <p:nvPr/>
+        </p:nvSpPr>
+        <p:spPr>
+          <a:xfrm>
+            <a:off x="1547664" y="3140968"/>
+            <a:ext cx="1872208" cy="576064"/>
+          </a:xfrm>
+          <a:prstGeom prst="snip2SameRect">
+            <a:avLst>
+              <a:gd name="adj1" fmla="val 50000"/>
+              <a:gd name="adj2" fmla="val 0"/>
+            </a:avLst>
+          </a:prstGeom>
+        </p:spPr>
+        <p:style>
+          <a:lnRef idx="2">
+            <a:schemeClr val="accent1">
+              <a:shade val="50000"/>
+            </a:schemeClr>
+          </a:lnRef>
+          <a:fillRef idx="1">
+            <a:schemeClr val="accent1"/>
+          </a:fillRef>
+          <a:effectRef idx="0">
+            <a:schemeClr val="accent1"/>
+          </a:effectRef>
+          <a:fontRef idx="minor">
+            <a:schemeClr val="lt1"/>
+          </a:fontRef>
+        </p:style>
+        <p:txBody>
+          <a:bodyPr rtlCol="0" anchor="ctr"/>
+          <a:lstStyle/>
+          <a:p>
+            <a:pPr algn="ctr"/>
             <a:r>
               <a:rPr lang="en-US" altLang="ko-KR" dirty="0" smtClean="0"/>
-              <a:t>Stream</a:t>
-            </a:r>
-            <a:r>
-              <a:rPr lang="ko-KR" altLang="en-US" dirty="0" smtClean="0"/>
-              <a:t>으로</a:t>
+              <a:t>ICS 4</a:t>
             </a:r>
             <a:endParaRPr lang="ko-KR" altLang="en-US" dirty="0"/>
           </a:p>
@@ -4383,61 +4927,274 @@
       </p:sp>
       <p:sp>
         <p:nvSpPr>
-          <p:cNvPr id="3" name="내용 개체 틀 2"/>
-          <p:cNvSpPr>
-            <a:spLocks noGrp="1"/>
-          </p:cNvSpPr>
-          <p:nvPr>
-            <p:ph idx="1"/>
-          </p:nvPr>
-        </p:nvSpPr>
-        <p:spPr/>
-        <p:txBody>
-          <a:bodyPr/>
-          <a:lstStyle/>
-          <a:p>
+          <p:cNvPr id="5" name="양쪽 모서리가 잘린 사각형 4"/>
+          <p:cNvSpPr/>
+          <p:nvPr/>
+        </p:nvSpPr>
+        <p:spPr>
+          <a:xfrm>
+            <a:off x="1259632" y="3861048"/>
+            <a:ext cx="2448272" cy="720080"/>
+          </a:xfrm>
+          <a:prstGeom prst="snip2SameRect">
+            <a:avLst>
+              <a:gd name="adj1" fmla="val 50000"/>
+              <a:gd name="adj2" fmla="val 0"/>
+            </a:avLst>
+          </a:prstGeom>
+        </p:spPr>
+        <p:style>
+          <a:lnRef idx="2">
+            <a:schemeClr val="accent1">
+              <a:shade val="50000"/>
+            </a:schemeClr>
+          </a:lnRef>
+          <a:fillRef idx="1">
+            <a:schemeClr val="accent1"/>
+          </a:fillRef>
+          <a:effectRef idx="0">
+            <a:schemeClr val="accent1"/>
+          </a:effectRef>
+          <a:fontRef idx="minor">
+            <a:schemeClr val="lt1"/>
+          </a:fontRef>
+        </p:style>
+        <p:txBody>
+          <a:bodyPr rtlCol="0" anchor="ctr"/>
+          <a:lstStyle/>
+          <a:p>
+            <a:pPr algn="ctr"/>
+            <a:r>
+              <a:rPr lang="en-US" altLang="ko-KR" dirty="0" smtClean="0"/>
+              <a:t>ICS 5</a:t>
+            </a:r>
             <a:endParaRPr lang="ko-KR" altLang="en-US" dirty="0"/>
           </a:p>
         </p:txBody>
       </p:sp>
-      <p:pic>
-        <p:nvPicPr>
-          <p:cNvPr id="24578" name="Picture 2" descr="http://pds13.egloos.com/pds/200906/23/05/b0050805_4a3fd3f1869d5.jpg"/>
-          <p:cNvPicPr>
-            <a:picLocks noChangeAspect="1" noChangeArrowheads="1"/>
-          </p:cNvPicPr>
+      <p:sp>
+        <p:nvSpPr>
+          <p:cNvPr id="6" name="양쪽 모서리가 잘린 사각형 5"/>
+          <p:cNvSpPr/>
           <p:nvPr/>
-        </p:nvPicPr>
-        <p:blipFill>
-          <a:blip r:embed="rId2" cstate="print"/>
-          <a:srcRect/>
-          <a:stretch>
-            <a:fillRect/>
-          </a:stretch>
-        </p:blipFill>
-        <p:spPr bwMode="auto">
-          <a:xfrm>
-            <a:off x="827584" y="2636912"/>
-            <a:ext cx="3240360" cy="3528392"/>
+        </p:nvSpPr>
+        <p:spPr>
+          <a:xfrm>
+            <a:off x="899592" y="4725144"/>
+            <a:ext cx="3168352" cy="864096"/>
+          </a:xfrm>
+          <a:prstGeom prst="snip2SameRect">
+            <a:avLst>
+              <a:gd name="adj1" fmla="val 50000"/>
+              <a:gd name="adj2" fmla="val 0"/>
+            </a:avLst>
+          </a:prstGeom>
+        </p:spPr>
+        <p:style>
+          <a:lnRef idx="2">
+            <a:schemeClr val="accent1">
+              <a:shade val="50000"/>
+            </a:schemeClr>
+          </a:lnRef>
+          <a:fillRef idx="1">
+            <a:schemeClr val="accent1"/>
+          </a:fillRef>
+          <a:effectRef idx="0">
+            <a:schemeClr val="accent1"/>
+          </a:effectRef>
+          <a:fontRef idx="minor">
+            <a:schemeClr val="lt1"/>
+          </a:fontRef>
+        </p:style>
+        <p:txBody>
+          <a:bodyPr rtlCol="0" anchor="ctr"/>
+          <a:lstStyle/>
+          <a:p>
+            <a:pPr algn="ctr"/>
+            <a:r>
+              <a:rPr lang="en-US" altLang="ko-KR" dirty="0" smtClean="0"/>
+              <a:t>ICS 6 Main</a:t>
+            </a:r>
+            <a:endParaRPr lang="ko-KR" altLang="en-US" dirty="0"/>
+          </a:p>
+        </p:txBody>
+      </p:sp>
+      <p:sp>
+        <p:nvSpPr>
+          <p:cNvPr id="7" name="직사각형 6"/>
+          <p:cNvSpPr/>
+          <p:nvPr/>
+        </p:nvSpPr>
+        <p:spPr>
+          <a:xfrm>
+            <a:off x="6660232" y="3573016"/>
+            <a:ext cx="1224136" cy="1872208"/>
+          </a:xfrm>
+          <a:prstGeom prst="rect">
+            <a:avLst/>
+          </a:prstGeom>
+        </p:spPr>
+        <p:style>
+          <a:lnRef idx="2">
+            <a:schemeClr val="accent1">
+              <a:shade val="50000"/>
+            </a:schemeClr>
+          </a:lnRef>
+          <a:fillRef idx="1">
+            <a:schemeClr val="accent1"/>
+          </a:fillRef>
+          <a:effectRef idx="0">
+            <a:schemeClr val="accent1"/>
+          </a:effectRef>
+          <a:fontRef idx="minor">
+            <a:schemeClr val="lt1"/>
+          </a:fontRef>
+        </p:style>
+        <p:txBody>
+          <a:bodyPr rtlCol="0" anchor="ctr"/>
+          <a:lstStyle/>
+          <a:p>
+            <a:pPr algn="ctr"/>
+            <a:r>
+              <a:rPr lang="en-US" altLang="ko-KR" dirty="0" smtClean="0"/>
+              <a:t>External</a:t>
+            </a:r>
+          </a:p>
+          <a:p>
+            <a:pPr algn="ctr"/>
+            <a:r>
+              <a:rPr lang="en-US" altLang="ko-KR" dirty="0" smtClean="0"/>
+              <a:t>(ICS 7)</a:t>
+            </a:r>
+            <a:endParaRPr lang="ko-KR" altLang="en-US" dirty="0"/>
+          </a:p>
+        </p:txBody>
+      </p:sp>
+      <p:sp>
+        <p:nvSpPr>
+          <p:cNvPr id="8" name="왼쪽/오른쪽 화살표 7"/>
+          <p:cNvSpPr/>
+          <p:nvPr/>
+        </p:nvSpPr>
+        <p:spPr>
+          <a:xfrm>
+            <a:off x="4427984" y="4221088"/>
+            <a:ext cx="1656184" cy="576064"/>
+          </a:xfrm>
+          <a:prstGeom prst="leftRightArrow">
+            <a:avLst/>
+          </a:prstGeom>
+          <a:solidFill>
+            <a:schemeClr val="accent5">
+              <a:lumMod val="75000"/>
+            </a:schemeClr>
+          </a:solidFill>
+        </p:spPr>
+        <p:style>
+          <a:lnRef idx="2">
+            <a:schemeClr val="accent1">
+              <a:shade val="50000"/>
+            </a:schemeClr>
+          </a:lnRef>
+          <a:fillRef idx="1">
+            <a:schemeClr val="accent1"/>
+          </a:fillRef>
+          <a:effectRef idx="0">
+            <a:schemeClr val="accent1"/>
+          </a:effectRef>
+          <a:fontRef idx="minor">
+            <a:schemeClr val="lt1"/>
+          </a:fontRef>
+        </p:style>
+        <p:txBody>
+          <a:bodyPr rtlCol="0" anchor="ctr"/>
+          <a:lstStyle/>
+          <a:p>
+            <a:pPr algn="ctr"/>
+            <a:endParaRPr lang="ko-KR" altLang="en-US"/>
+          </a:p>
+        </p:txBody>
+      </p:sp>
+      <p:sp>
+        <p:nvSpPr>
+          <p:cNvPr id="9" name="아래쪽 화살표 8"/>
+          <p:cNvSpPr/>
+          <p:nvPr/>
+        </p:nvSpPr>
+        <p:spPr>
+          <a:xfrm>
+            <a:off x="3563888" y="2420888"/>
+            <a:ext cx="648072" cy="1800200"/>
+          </a:xfrm>
+          <a:prstGeom prst="downArrow">
+            <a:avLst/>
+          </a:prstGeom>
+        </p:spPr>
+        <p:style>
+          <a:lnRef idx="2">
+            <a:schemeClr val="accent1">
+              <a:shade val="50000"/>
+            </a:schemeClr>
+          </a:lnRef>
+          <a:fillRef idx="1">
+            <a:schemeClr val="accent1"/>
+          </a:fillRef>
+          <a:effectRef idx="0">
+            <a:schemeClr val="accent1"/>
+          </a:effectRef>
+          <a:fontRef idx="minor">
+            <a:schemeClr val="lt1"/>
+          </a:fontRef>
+        </p:style>
+        <p:txBody>
+          <a:bodyPr rtlCol="0" anchor="ctr"/>
+          <a:lstStyle/>
+          <a:p>
+            <a:pPr algn="ctr"/>
+            <a:endParaRPr lang="ko-KR" altLang="en-US"/>
+          </a:p>
+        </p:txBody>
+      </p:sp>
+      <p:sp>
+        <p:nvSpPr>
+          <p:cNvPr id="10" name="TextBox 9"/>
+          <p:cNvSpPr txBox="1"/>
+          <p:nvPr/>
+        </p:nvSpPr>
+        <p:spPr>
+          <a:xfrm>
+            <a:off x="2051720" y="2348880"/>
+            <a:ext cx="1610249" cy="369332"/>
           </a:xfrm>
           <a:prstGeom prst="rect">
             <a:avLst/>
           </a:prstGeom>
           <a:noFill/>
         </p:spPr>
-      </p:pic>
-      <p:sp>
-        <p:nvSpPr>
-          <p:cNvPr id="24580" name="AutoShape 4" descr="data:image/jpeg;base64,/9j/4AAQSkZJRgABAQAAAQABAAD/2wCEAAkGBxQTEhUUEhQVFhUXGRsbGBgYGRoaGhwfGhoYGhoYHhwdHyggHBolHBoYIjIhJSorLi4uHB8zODMsNygtLisBCgoKDg0OGxAQGy8kHyQsLCwsLCwsLCwsLCwsLCwsLCwsLCwsLCwsLCwsLCwsLCwsLCwsLCwsLCwsLCwsLCwsLP/AABEIALcBEwMBIgACEQEDEQH/xAAbAAACAwEBAQAAAAAAAAAAAAAEBQIDBgABB//EAD8QAAECBQIEBAQEBQQBAwUAAAECEQADEiExBEEFIlFhE3GBkQYyobFCwdHwBxQjUuEzYoLxchU0khYkQ6Kj/8QAGQEAAwEBAQAAAAAAAAAAAAAAAAECAwQF/8QAJxEAAgICAgICAQQDAAAAAAAAAAECESExAxJBURNhBCJxsfCBkaH/2gAMAwEAAhEDEQA/APmWg09TKxnH2xDCXqKWGb7h29sHvmEmg1xlqIIdKtrjtkEbQylcXSqykqAsBSASO1yD9Y5ZKV/RGS7V6oVFKWYZKhUT2JN/XtAspctZCVoJP9yS+cNf6QSQkEKJJLNYi+HUUvy+QglOpSAHBCVOAxBVYF2sHG2HiLS0BmJ8koWUqs2Xt9+zRbLnsM3HqY0mo4f4stVJRgEWdQbLkAkJYN0L4tCHVcKmoKiEqIG4Bxh/16RtGcZD2cjVuygBVjLWz7e8BnWqKyoZ3B5vv9otSkKvu/e3Q9o9mSQNmPX9OsVSQE+Gzg5qFtxiLZwShQKHIIcPFOkkOcsXBc4hueYCp1NfAINmHcKDxlNpMllEhSSF2cqAfffItYmPONaFSUpDMDR1vUmoFiAcEZ3EXoWhixZh0IJvh8PE9XrTMQgKY0thPMGJpvuz+VoqEhpmd8Ig3a+L/eLZ5DB6fytF/EADzJBqdmb1d+n6wFqpRBA7P73MabyMskkVBg32fqD0goTKS7wNpZbg7FmfzxFqEFIY+cJ0InqtYFEG4ItYCLHUSWJ739m+kQRIqHK1rt2vu0F6dRI2YC4SSTf6/vzgpJCA9RKW6iQWb5mz394C1b2Jh8aSkBxixyLjJ77vAqkJSnD3u58/8w1IBSlTFxFiVQbN06VjlSyhhhY9vPvAKVsWUMehik7GM9BqSkuHfYm4hrX4lyq5Bfq+H7beghDpqTtjzg+QRhz++0Q0A1ky25lM53s1WPJt/fyj2dJQNy7N9SzW7en2DUpwUlLXBx53y7N5xJOkJYKLD8IcF9s7HH7DQsjYV4GCCD1YG3mf16wv1OoCT8oPc9+28FywZYa1xvdLC+0I1TklZKrdGc79CfvExVvJDQepyiooSU5+VLfvvAkxAN5YbqBcdPSGMvS8wUGIZqgQw7ZwxgbxUBakjZsPf/ECl6CienlEp5SAdwbH2hjLWQBUmotn9N4UCeSrBi+WpQLMVd7/AJYilJywyGhinUKUCH3s/wC/1gdWmVchIbzAESWEkAsoKHT6jtEpptcEdC7t+n6mH3fgN7AVLIO3uI6L0z5ff3b846L7v0IXq0RCySgBKg7l2b1IZ4no5KSWdIA7A23YP5YhtO0wmylitXKApm/CSXp6jqO4aE2o1FIoAcjNkgdrJF7ef5Rg02buxqieJQsEFJwSliXN2UfJgSGziCJfhkGgzUlx8zFugJq+/eM4dabpUQoZDBm2JS1tob6KW6Bs7Fi5swZwXyC7HaM5cdZFQUrUmUQtagoWNTG127m7JxZ/KPZmsrSJiUKWDYGWfl6G1wLYamO0pLFNQSkjCRTc70psGPTo9oI089SQoKWZibClTpIFnu7KFsFzGbS/yAhVwYXeeEq6Ku74YhVNwdyLgwoTKVV4YKX6BSSmzk3do1y0SU1KTKLWNUtYd97P1OXsO7iI6KZIJPzLu/MHCTtgMR3JOOsarllTdDM4uRMSxWlSXJuoM7dINkzFFIY3Bzb99I1nipVY0K2KSAoi4vcBkhtx7wFK4fKqUAhDli6VLcXBFgm3n+sZrnvaEZd+YknOSWyNvOCwpCVfhYnbtt7tFvGOCJcqlK5XdjvchxdwkDcwr1KWlSyQxvh+zdnaN41KOB0EzgCHS4I7n0iiUsqJCmOcRPSzRTsfNvaLJYSFJ5Rc4GPJoE3omweamkKADEfbP7MAzZ7kdO3fMOuP2mkhmXLQQBZuVA/I+4hQvTC1j9h+UapJDC5ZDhiMj6bjvF8p0FwrJJsHF8Pj6wvEropL9HLd4vlKKLKHKc2dvVt/OChB80JJJYCz2fB7dre8C6ehiFKserEebbRXoZzPuN7nbeKkavPXycefm/SF1CgqZJOAfqL9OvtC+ekhRqIJ3gqdOIWNgQGvbDRWtKlk7tDWBnaZ3cW7w40S1KDsCQcu0KNMCLWP5Q+0w5Qyh/4PfvaFMCuXMuHfIt57P1gjVSSQkJVYOzh2FvzivUMQAGSrvjIckmJpJCQhTNk5He5y36Ri5O0Ns7xylLVEpZ8keob7QF/KCp+UkXZixfy3i9ySO13A/OL9TrE2LTC21QZ2Z2Ad/wBIOzWiaKRpyn8IAIzYnHv7gQPrEIF0O+CCR9OuIs0urCV3elVrhm8mwb7doKks9kkkj+0AeV/S1oTk1sADh8pKyXUUq2DAv03G8OJCWQBhQcpUSxy1w13xd4hKVLQGsCcgF87WdvQ9OkQmzUpDgODkuQw6Wznu14ybcmCQfLClbgs25TttYRXOpIL0h+oZ+9mvno7wFKU5LKcDLkkjtfL2vF386AKGCkixexybsU+jjtCad4AlKAYf00nuMfUx0QVNlgmyzfIQT9XjyFl+/wDoiMjVUBSkqUkhhYBrhQ9PxfswkQmupnBpIvcEBzbcFwB0ucRoE6NS/wCmA4LAEMLodV83Pf8AOFulplTEmp03sSwa972Gziwf6dl2bLIo4coJUVqwlJ2cEqsAR0yfSJjiJBJrVcueQD61GHUyTJCh4SWSRVcBT+QUOVhV3tZnAiPgSFKSQgJUE8zFJSrDuFPdr7HJL71aCgOTrKmdRJFg52e2ft5QVI4iQeZAUk2sGzuWyLY7doqm8OQPlu5cEe+AGx9ouk6MhO5zkdGLkNvGMlHyQ0Up1NNVmF6SEgkWcJc/hBc9XeF0vXeGSFywognnv4lzgkkg4Zm6w7XLZ8E+o+g/KF/F9AVCpI3OL5v+sWut0AVJ4ymkqRSkjAulQ/5fKdva9oN0WvUwXW2yh2u2QS3kR0O0ZBEhT0kEEHBzDHTqUnGcdNoznwrwKhnr5/iKExBNSVC/y5DP3/zAeplVVp7uGAAtbAsPSCUS6krSblrM+wx7H7wJq57LUQLFIIY2ZQDj3eLjFpDp0XaPSMCKSb3x5WiqfLpSshxSxHqab9DeLOFlRLHB9gep9YcIl+Lp51uZcs9g6VBaS29zjt2gTblTJWxFxCoLAXT8rP8AUC+zEQHPWUsDeLdczoLuCkd8MOvaIaoMkgG72HXv6Ro9jeytEtrhXsP1xFkrVVKYszN1Bzd9ookyxhdV+jDv6x6qygWU42s/XbtDAJkSKTlwXYF+rF7d4pnyaTez939HiyddIWklnuknB7R4lYpZtv3+UStiPQgGyvpF8qWz0pLjfJ9unpEJBS1yHB3+0EeNTcAE4e+/cK+ttoGMuMhwxTkZwQ3Sz/4glASAAAQBsb9L5YHygeXxBTEMc4BDeTkwcSooD9O1zvcbsHt3jJt+RaBFKu9s7vFoJKXBBszh2v6XHeAUzEkigdXe+De36f8AdiJjKySHuH28+kJjsJlpKaSfld3H3BLWb/qKtQCU2Nmc33De4iE6aAfxUi+bAHZvOOmTQbJDdn6Wz7Q6vIC+Ss1PURsD0xZ+kNdFMUoNUGZzjvn9vACg6j0He+GgiR84AdgGt9LekEgYbOl7k3zgHd/TGBFc2cR+Im2C7bbg3zBH8szKBSSQGfz2JBH/AFAMyYon+0ja592JiEI5FL3DKYMxa7m/aLdOoAKJO+7KLMGA6CKZD3rqwxLPi17NF6UIY5UTdiPs3k7MIJfYFS9QkH5j7R0CqVLJf7EgR0VUfTANlawuKVKIFnLEO3YjtmCJ6UqIoUSVPy0sl7Wdg2+PPvAyZktACVAuDzWcOABgls2Y3zaCdJq0rcqCUquKmTckl2Ti6X+YflCTp3QotJi8z1Jmf01Fk4IwoM3cM2xAzeNaZUqmQaEpExNwlgSUs7EM3MN9vUQBK8JKapkqsJILMlDD8RFBubd/0mEmdNQPETSlANRZApAJDHBfqQ75a8W3eUbp4wDT5UuStVSVVXLGmwIcEt+I5t1EBJ4jRMNSRSNsev5RpdZqAVJJCEsf6lP9T5hSakgZ5SXvtGX4rpUJWQg1U4U1jl7X6ExkkpbJlCsh38ymYHQGvnyPRmNmt5vtFEvUqUopqILs2Ekueg3HUe0LUKUkcvMBcWu+Mbj7QRJVUk8oD9N8GBQyRQTqtGkgOEqY4CmUDe1r4839GHkzQpMylje4d3BADdLekS0oUZalKcpBu+eY2L9Rb3PnENNrUzCCgEFDMFXLWSQ+9usWoyTyMlIXSQXAegjuSC/swhVxFLgsCCCWfspVvaG3EEOrlIypsMxIUB7ECAzLDkXIN8Oxu/2jZtbKwCcPmbH/ADGl4CsCYA4ICg5vuCj2/qfSE+h0Q8SlmNQD7dM9y0T1Oq8Ocz3BGRmwIxs7Y6RCebROgLWacJmLl/2lSR2Dn8orlyC2bjr36RfxGUkmsK5lZ7kufS/tAsucoGknMF9sol5KtYggfJ26fu8QIsC1xvd7QVq0kp5qb3D52JAHpFUw1oGxGRt2P+IpPCApE00gA2e464/T6xWoEKItaC0aJRQ4p7upmybXvaCTpAQ5cHflKreYt+zD7JMZTo0uX5Xfdm//AGtDAIyVAK7hPvtd+oMCy9CBh1DtyuQx3JLN0HrBdUtCv9JyDc1t6XVcYt/gRnJ+hEpsskOOVrMGawZy1wT5vA+lMwFVuUk3Kr2u1y/r7QxWtCvlWuW/Qly2wGOuPaATLS7lQKhZ7+hd+jXEQpWtBZKZolKU4JBLjmYFyRi3TcRetCksLEjsLGxDEdrfuwE7m+YubMKi31wO+HMEq04TzAmki9yTj/OYHikAMtaiWbINhc46xakFg1Pr6WtiOUU/3BvR9oEWlvxcpcdcHN8RYFktKlKNiOvX92g2RIFgKgf/ABd/z37wp05Ivu/7LQfp5KiXcOO7e+IU19gyU+QEk1rIUHqA+YbN19w8QkyEm4VU2xt73t9oK1as1KS7M4v98MwEBlaAr5SSbG5IOWwQH994lNsC5M5KVUpKQS73SQc2ubeTRZpZKS7AE70Z6N39RFCZqlOHBuQAQxa4YE9enl3gjRIeyRSX6szj2f6+cKTpADTNAhy5U/8AxjoLGhmG60rKt+dvKz9I6F8v2Kxf/LVGkTAxOCFAf5II/wC49ToCF0FSFF3sT8wzViwBVhsx5P1ACk05ZypzgA4f2t6QbwilJYl1KsCnBd3Dtu+DFttKxhcvUKCbAMGFrv5qxdh16x4mVUHANLkeZ3HV8WvFHFNQboNhhmYuLM2bRbpFqMlfKQErT3DEEYBy4H0iOvktLwWTZSiHcqaz3thh3a4x9IvQymClE/2kcpAIH4tgd2aCpGvkpFFKgozHCnIZJf5tqmYuAcQVrlGkL5VhZICuQBRGflDYKeuM9BppWgrzZnZukKVkso0m9nt1x9epiIlghg3R26Xe1vtDHXSlIUSCCkgFw9uofDi/7tHko1C6gSAHcX3Lt81jvA72ALpp5TLm3wkunL0lx9ngDSFnpSBu3Y3v6vDydoipJBe5S+7A2JCsvfBBDQt02nUhZC7MVJfqElumaVEt2jZfrQE0IslyXIcjaxY58x9YWaxRlzVAg9QfMAkB9rt6Q00esCiAWSU2xa+fPA94az+HomSuYhw5c3Ziohmzj2gjTbQCjTTCwUnC2S+wPzDyemAuMJHjVk36HffHtGkl6elKCU1ispsC/Kqwtuf16iEWqV4hUprm4HQbDzb7QnUdBQLOncoKgWw4Zw0Aia4f8vV7Qw4ZKRM5V5yC56Ndtrxo+GaGQg0lAYuFEkk9A17HMT3jHD2RaWzMCaJiWJDNYsPvvBHD5Aalqhm/qfTaHK+GSitRSLE79Rkt3cbNmPF6ZKEgJGHc/ivv5RnPljVIhv0VytKlKTyBLkeR2DfSJfy6FBylSR1YsN26VZt5RNWmBSCoqBsQbt7bRROUSQCoMC5HZgf8xlHdti7Ac6Sm9MyYCOod3zlny1oCk2XzJCwdqmLdzgfk0Mp8+mre1j9/c/aA0alJDlI327ks/tHTFspSZPW6lC6vmQ72VdTXs7dPKAfDuAFBrN+sWqnBWRZzb9+cV6lY5WsXDHtDQ0wkyQ7Egm7+sFypZOVMkpAHt9YoUQbgj93iwLLXx/n9Iydsjsya5QYsXO73Ofs0K5stVVKDY4sbsWZvaGasnYPvv3jpYciwsfXp7Zik6RSYtl6VaQCtIa/ne2I7UqJ5UEJe1nHnbN7QyKcktUfW9rYsbwPqKRdg539Dt1/Qw+zbDtk5QQlKQpyTZwAPcOYomGX+lB+pew+sCrAALFwbM3d28niiXKd7sBt1PRotIpB0tRCgSynFxj/qGkuaEoFSBSbNY+eS7DtCCTMJa940ellooCFTDjyyfpnrGXLS2KRYeIo2m22a33Lx0enh0obkehMdGNQ+yTJSUm93fuAd9od8P1lJBBDjqANsfsZhDptU9ld/L/B7iDJSWUC7kbFgr1tcx2yTZY81lZWFLAqVupiPcdvW0W6UkeIhRSHcHe4I/Q97RRL1gUCCf+Iu7jN7AW+0V6qe5CXVs6u2acYEYU6p7DsO9GFALCF/OhnSBfsXNxnDbQLpStDBHPKU5I+Wp7KBvZiA/cekVhRCSQtQLgJAAydmZ8Pvt7Wajh00UJUFBSiCL2q645SA4JfeCClWyop+A/g8mpKkTAXF2LuxudrhjnFxEpvC1eImkVhOUhkk7fN5CJcTWRSJWollSCCWWoAMLggO5NIu/pB+hk6yelS5SJVlCpl1E2yybhwd/OOiMG1RbVbKeH6YdWNxcEEeY2Icj0MV6zRy5VSydwsnI5iUqT6DbvB5+Hp4nKSqcgroSSBNBZwcJYKIeoPf6Rbr/hTUGYB4c5aaTyeMUVEl2SVIZrB3Uds3hx4pRC4mGkSqJ8xk1JLqAAux2Hl+UaY8O8VQlTCqWpIqDBICqhSfMi0UfEXA5mgp1EzTqQhZYgzEzGUbm6QkgKvc/nAKvjZLAeCMMymUns/yse94fRXbKVbHc74WmlNMvUlIckApfLuLENn97DaX4NS4ROmqNP8AaCkL5ereQ6uOhgbg3xVKDpUpn/CEOnyc7d3i3jPFRcSwQOjNchzf1xE8jjFYRPI14OlaGTLJEtBdIAJfIvkMA92w8RlLQQoF6zcdM9evMPdt4zydTMuT1CnvdQIZ+u/t3uXw1BSCknYEdH2GfTzjh5IPbeTmcW8sZIl0AAeZLF33yzWO94qm6k1ClLvd/Ipf994ZaOaFFyXG/nsfLF2g2VwqWC4IyAXDEWfGCM3EZRf1kaiJ1Ti3ylwA4fLdvK0AafTqBu4Llxk4OSOwfteNRqdHo0iYFzJ9Us8yglJQs2ICSHpDKu7tE5kmQUIVKIUkpJUUqqpcMxyz3xaNpcU4xckDgzIanTpIU1nCh6Wt6C7wBreGAgUYdgc4Ci7eaW9Y1E3hYuC1yPMi5Jj3RyUygalOHJYhrEG1/wBvChyusZHGMjFHSrDOAysZ6O+Ggz/0awpUSoh2a+2O4Yjvm0aDWCVNYoKXYi9ti1+mz9YqUpKOcllCxIvkdPQj2jX5XWhyTQm0egUsXDUvVg9GLgtktBLGptwfc/hH5evlDU6pCgpIG1j38hnBgSdLUlVKaetnycnsMRkuW9oybKJ08JAIHygNm7ksT7fXozgz9aFDlBBuHsbXHTN41qtEFg1MLAiwyEm/m57QvkcFQCCMG92bb8+kNc0PI4tGb15Ulg/OzkWs4sPNhf0hfOnKJuXJ79Q8aDiPDVKmLLZPJ1U5AAYmzRPhfw8HPiYYMn1YZ2eNlywUbZr2ikZ3TywVczsLqwLDLdz+cCzFEKVZnJt5xspvw8KCyikEgORs6ifMlx7Qum/DzBz/AHW3fL/v9lx/I42CnEzslBMPtLLsyiW9opRw9TgBJbZvKGUrSswYv5E/T1h8nImNs8TJS3+qoeQLR0FJ4Wvor0SW9LYjoyv7/gLkYSRmLAM9RDHiXD6VkJFhZsNv5uxEcJVNhi2732cdL+lo61NPKFdhXBNIZpuWIBIe9X+0fp2hyv4Y1ZSVBCS1ya0A4fcj6xXwwpSwCQQLksxCgHAfdhdu/W8OVcTnJB8NNSncJWlZCnwQUjO4B9rPEbY0rEcnSgLpmhdQCWSTQQ+LlJ3tcN3jbcP4MJNKltOdwEzKuV2uCHdwAL+btGI43xCbqQAsICkYZRLNc5Dm4f0h7w7i+qShCT4VkgBhO5qWH4U5xFx40XH9Ix45wRIUJklFg5mSmckAO6FAuM33Y2w0Mv4VaDSEFJmqGo+VNToUpIuaRcK/8gQW2a590ug1OrC5ZJQlQYvKmkg5PzlO3s8aT4X+ATpl+IJqfWXzWy5Cm7Y+8axi0wlKxwfgHTKWla3VTgEJIv8AM7guCGDdgch4ernS9OlKSWFkjrYFgAMlgcCMxxD+IEqRNVKIXNILBQoAN2IHcG3pBOl+N5M2oMEkFg6gQXfBSD+zF5YvB8Z/iL8cz5+smITOpkJJEtNICSkhqjUHKiKkkHu0Y7h3CJmomlEooNiokEBIAzYnrsI+x/E+tkKKiuQhVAJUpwpKQNyoAADfcxnlfD65xHhyEprD0PzMzvcA7DGXHlCcRJiL4Z4ShEtU8zeel0crD25jcYJpv1gPX65JcBIAdRBAAN/fZh5QXxicUpTKxRamkpcZCi+T3Iu77wlkIWpYKElRcbGnuScNHJJdpD2GyApgVvk2Nz7dX+0XHU81gbdfp5eUR/lpnMV2Lub2L9HGN4BTOdTADY+z52/7jNwyx9BnK4gUrYPu/v6Q80mtJUASxd7iw3Ho/wCUZrQoIU69r9d/v2g+fMNplyAcdBs/727xhOCvBHQ0ElCCVKUlJJcso1B1MTYOwYYxftBfBtEJahTLlmXXWuoKNgAClgCGNvtGZlapfMuoMoFh7Pf29os0HHQSxCz2SWbbbtB35Iu4hTH/ABfR+IolAYbBOCOzmz2gDiHBVzXCVJDZ5jbza7/vrD7QJrEtS0pAIBdRN3HQO+2NjGhlcAEwy1I1EuWAa1hMtVK3DJLFTVp6t0taDhi3bayXk+c6PgEtS0p8Vf8AvXTX2slAe3rmCeIy9OE//beNMSkqdSkMlSpdyEhgogG18Xu4jS8RpkzVSpCEpmgh5niGhiU/M9lODveKJPw/O1izMKvDobnR/o/MXSgElRO5INL9Xjo6Jp28h1bMrwyklKvCILkqFTDr8pHfD7wQlElagSpYWBZLMCC71F+l7b7w21Onmy54kpSmcVEJFIKXclmSVG4DXJ77RbxbhGu06pZXIQiTU6igoJdmS7HMYPju5IUuNrYCdQMABvyY/m8R8KoMDzH7Zv8Af0i5ksASoqu7kNc7eg67mBJa0BRKVVEvZn9f/G/ZvtyKOTFLOSyZpCn5QC2+w6h85irThZS8wU2NJz0/znpE9RxakAhKQRckA3LDv9vOKdZxNLAr3BFI93J9j5t5xU1WFkTS8HqtUzgBugxgsc+TRcsVDAft6v2jPaqaFFIT0Y1G3+MPDvhUhVJUsGkf2qF2d7gFtu0P4qVlKCK9Ohd/EDh/I5H06esXp0oCqgkAdHL+nT9+pAnpTUXK0sLlLmxccwN7HoMRMT5RQSlYCwHCFBrGxALvUzWbaJUJ9qoFB3RR452ZvX8rPHsL58wEvfbBtjzjov4y/jRmkSLlKlAgJFx0s9+tjEpHCzPBKFBLHBdg5LHyv39IPVLDqpYhiCl8EpJF9lAte+cQ34bw4ylgAuwJKhexZ+wd/p1jrjJJ2yItXkU/+kTJZFZtuUpqSTu5JAeNBM4fLMv+nNKZwIvMFj1dSXpHa79bPD6TMluyVJc5YvuHt17QNxHgdaKkEJV0whQucNyq74t6jorzE2SFmn4cqW8xKwZxPzSVynL7lKpjkPchIByLxLTa+eqoJkGaQCCumgpVcFrs4/23tdjaEOpUsqpFTjuwB72f6QPpddr0KUypi1FVkorLvggUgt9QMgRfFyNopqL0bfh/G1yVganVJQG+VZ5uzOHIzcNiHE/4p1M1jop0lUkGlXiy1MSdgtw4wOWrO7QDw34X/nNFMHEGkzS3hmvxJiQHUSqkNclmueW/SM7wr+HGvSVpkztMqWbLQtU1KFhrgjw/qCDGymiOp9ATw3SzDVOloVOAFRTdNnwV3Acm0L9WsSUqUjSyppDmkSZZmFXQBnq+zEw0/wDo+YhUgImf/jT4qSpRTUigFSSQ5dxnp3jQcE4HMkrUtU4KfACWGTl3PTDbw7JpmT+HOOFYMuZoaFgXSZKSLYBpxkHEUcV+OZsuyJbAlSagAgBn7E7Pj3jZafw0TVTFTApRLCkY89zt7x86+Kf4hyxqZ+n8JEvw1UuoFMxeCTYPSTcDBDF2MFoYt4zoBrlpnz1zHppdqXFyLEOGJ6bQv0UsSgyvnAYEgeyWAAHlBMrj/ioqQpCU/wB4yBhmJIF4z/HOMKCS05KiPlFiQbYbctmM2vJadF3xBxQJICQxYVOGsb2OH/S8Z6QhyTXTVjq+X+kQ0mhnT2KUquTcgs+5frmHOn+H1hJTMAJSC1w+b2PQ+zRlIpC2UUi9yS5fzP8A3BKlEIZwytjluo7i8XzuAzEjmBGGSEkuOtX0br5mHnw0dRZIQnw1FJT4xBQFguFEMTZntfBEQ45GmloA0HC6kFSiQgODgkEgEODcAghj1aCdBwKWJjzJ0yXUwQpIFNRB5VJUy1A7Y9Y1vEZSZq6ZjFSVCoyVTU11AZ/qu4YAOIFlyNMmcvxkT9QAmlkIUUpCmJC6CxUWD1EvntGkeJIz0AajSapYWQyUSn/qTKkg4ZI5XKiLYbEOP4f8bV4cxSl8wISAW5R5HqX9oSK0ssT1rlz1TkklISUqDcpZMxApqbANg7WsYa+CrUBYl6jmls6lnxEp5QAglAZIuqxc3wYz+GKdopBvxP8AEE2ePDKEkAhQJQQTYj7/AJQpkcZUAQFNTakEDBNulugEL+FJ0xm+DPRqtRNqUCmSsJSDcKpSkIPh5PMoMLw0/ldMqe60ydMiWWpmErWpr4CqVA2Bd/xZzGE/xnN9nIhooXNM5CzKKRNFJrW5YPelm5mAbuGeGXE+KJMtKZi56sM5CX9ABi1h5PeKeI8V0X+npZoSQOfwkkJIBBLhYUKj1/7hpP0BmU1KTKFBqLpUukuyRjm39sxrHicY9YlpezFzfmUoWS+D3LgOPQRVxDSKUkeGp7MygpJd7Mp4bajToJKJSvFUCkC8xRK03KVyuW7EluYdWYGBuIhchjKElS1SwSC6VpwXAUS9lXAZma5hL8drIppPQFo+FS5Sh460zHv8wCQLu6FJaoGm7nG0Q43ICR4la1IJekJAdObUsL26bGCFajwqfGcKUQlKBzpyMrNkvbJG+0W66emQh5wUlBcEFxl2TcOzNd3jRxeE0EYuhP8AysmXzqnKp+V5aSuWlRSXStRFw2RY7w44dORul0kM6TUm4BI6mwwDaJ6eegylS/DolKDulCitz+NnqTYDLZ3eJcM4OlSioT5qENzTJ5uRtQklTu+LWvuHJcaeUs/3wJk9LLZTGWaQSQaSzC4cYYsesLeKaKWpRUjlyVBCZaUhzvlhvZskxopvDZbgya7fLUtRQWFiwLAHeEnEBOnrSmcgTCl7eITbBAsLF/ldoXT41QxIVI6D6foY6Claaajl8LUJZgwBIxZigUs17R0Zdfsin7O08sskGymUHPf5T5sGMHaDUEDnBSGJUSwNvlUCHHXdy/WFomOohbqJLgAA26EWcscQ00ZpZyoKSagCc/MXcnHMbGzDZo5rd59nLZXLnm5QGJZ+4SS7EXfy6ZEMeC6pSiSqYWcPlRa/KVCwwWB2G8Liy1ABQpUwPzZ5djfp5ekXKWmWCEM1PNsKgQxAyxFR9TGkOSssuMq2F8RkleqCpKglKkvMJS7KsBTtUbu9nS7O8a/gaKEBLl8PU79zYdYwej1CZawCQ5F3JZIu21+YNZ/oTD5fGKVcp5UhgPbu/wC26tpPkrLOr5FGJtJK0gl7BiXawPluIul6LkKwtLsS72Dulg2cNGKPFWS6iPw23Yly/dkkdb94aS+IJMtSlKFkskFuUhnPkahm7v2euPmTxRK5E2bfS8UC6HBqbBDA4cu+HGe0dxTWX8MKuU1KbZOwHVyD6A9Y+ZaTjs1MusrKbA0gsrrdywfHv1grQ8UmqHiqYlRZT4tYDyF28o2lzrqhwXZsfSlFc4BJKDVdwWsMl2u20OeJ8OkapHh6qUiel/xJDgsflLuktZ3HnGN4VqjMnLeZdCQwfAJuUhwHcJHb1h4jjcu9IIUk7lJ3u97+20L57zovoJ+L/AUtUtI0YQooJpk6hKTYB6AspdmwC4LXO8fL9Tply1rQZZlEK5kAFIBD2KRbcjyj7nqNaJn+msVWKQ5dxf0s4ud+8KpnG9NqEK8SZLEwZIpLsWZncKHUxS5E3TBwaVo+JitBBQpr5du3paLZOonAWWq5exOXf3+8fRk6fTqLy5sk+hsMWGP0t2ig8KRf/TWnIZRpb2vjfrGnS/Jn3MGjiM8AgrWcM61W9zDT4UElcw/zBWrK2NV1Om5UDtSCB1No1iuBS1sTKTY2KVXH1H6RTqfgykBUjJ7qJHZ2LbQfGw7ijjnEFAlOmS4Bdyp5gcMWUkE/L1Lnqd1/AviHwpixMQQCLuFqYggAhIurrzEecaEcDWHJUH35QSThnSRf0gJHDdQlRCkqX/bUbeft94TgxqZ5r+OpAI06gpBB8XxZahMWRS6nKQFeVvVoDM4TZaZUvXmU6Qo6dKFAkkgAcksJS5IsS2H7W6mVMrYpp7BTP7OIsRLK0KFdNQYvMZRxulMCC0w3QfBoCvHmqExZJCkz5qpdSf7qZaVF1M9KiO4u0JviEJTOKBJSh/kCPlYWBZLPa3lFei4OtK//AHUxKjs6SWv8xUGOP8xdreHzkgAAzFDC1JUVXLspKeRT2F74hy400JuxPL1EtR/qokgp+RctRSpxb5aaiTllKA88HR8M4mNQnwpctloDqnLUJj9Kkinmx8t4zHEOAaiYtSilIv8AKFpQkB3opsWN7e0W8J169GDRpmU+VALF9rlh7PAl1KSTNtpeKLTKMslAEkgTpqgoJbKsOSGY0+TwZwri+iWBKXNWZUwCWiaQoJKxcyxMWVMCCWTjIe4EZfVfEp1SUpnBctKmqKUBIUC4KVAEVgi14onfEhWhSFuSFACZSqYV2IB/qOEgBrFm2BvCbwXR9B4vwXTSUpl+PqEeKkpdMxCqUtmnw232vY3hMrT6BMrwxqlz5rMkKTUpSrsKSB3sCMZ64jVccpKUzUIKQoH5VPYD8QITQ7ukC4y7mHWq49qJVMyejwZKmY0ByWsMVJB8hi0UpfRNFyEzNChEnwFTKn+WWpSbtzOQyckXOBeDV8Fnz1qVMUhFgQCXU7M5NwGsLE+kJkfGhWB4W3zoJZRD+xTjHXEMZnxNJMt3UGGDt2vE1FOw+izRzVmuTKdKpZHPMUA93pAQCSCN8X3gKTwhUolapqUAqcgOoqPZrOwa/X0jAp46sTlrSpgomNDp+PTZ5olBUxagwQwVsHOGA/3bQpfsPDVGlVq0PmcOwNvTlNvWOgeX8LkgFaiFEAkJXyjsKUkexjol8Tb0v9GPQCnI/rqSKUIcOqwfzV0GMsLGI67WzPEpUVJbooBiMggF/mcYzvBJoHMoqWpNwzkAG+AQXbr7Qp1QVMmkpINKalWAASGQ7khmw3kMtHDxu20Z9fJcqctq03V1YO4GcY6ONxlolpiVkElNlc1JDXNw+5BpbaK3BFCXCXVcsTuxINrBvrFqDdNRKkFwbkBrgkEEtsQ39wiqRNYCpCQlyEtbq481EX37x0hQLVBiBUWLvkt6hrbH6xE3kRTUopbGVMSGJzcDAy/mYC1OqZSqnd09hZqbDCrXZvIQpRTVg0GS1ipK81LC2UzNkp6Wqz0DQ00y+ZkqspJJq26OOzkW7wHq5nMWd0oQSA11khQ7i2xgfSldRUMtSHPUsVbOAxveMbvJIwE2uZbGLnGxtgliM9euZ6ZJUgPa1TYHMSoH+1i3sk9Q1GoolmpDNkfiDlQJB9APbMFytQKQhBStvlLgOybejMAXENNjUsiaVoShS6JkwEikkHOCTm/kfPyqRw66nmKLnuPpDpudJUXS7UklNmsoHoWsQXjtSQUMhQK02IJcGw329e5cb9UJp4Z0R5GCStKmW18DJVj3gPierCUKSlRqLOGJHXLX23tF06YhAPjBQLWCKnfp0HqbQkmzAsmmW42DqJH1z+cbukW22dI1Kz8g5mZ3O+xdTDzttveL5kxZVzgrLYpcjpcBlDyaLDo54lv4KkoBzQWfuTc5x5RKZwjUIV/ozAWd0Je3mhx6PDtk0QlT9Qg2SZZe3IEue9ofcP45rDy1IUwuSlRftZh9RC0aDUpDqRNSDklDHtsN+jnMGabQ6iYoJSioXdS0AI7hyM+g2i439k0aPhnF5zHxUi5/DSkXuXZRLwwRrFKNja1nSfL7wlRweehQMxUtIJwAk92JpDfn92krRFmVP0yM4dZ2uflvjBja62HVsOTIBS5AJ6DlB+sCTpUpBdMtlbMAS/aogRYpMoY1kv8A+GP/AOsEyBKb/wB0lfYIz/8AGow+yYdWKVzVgkiQtZ3Urw0/UPeBNTql1f1ErSTtUQlrWOAVfSHSZrq5RYPcpb6KKcjvE9TNARZRUTsJK7W3pJH1iq+xCCbpAuxJLj5SW+yXbzMAavQlIpMmsA/3EENj5hb3jRGepwEnuBR2xzEAHzMU6viLCki+4Uw+oUXhNKgTMlqEIUDVLWkDax/yYskaVCUOCzn8Za46D/MNkzFLNgkJA/uS6v094A1mjVgLYnDqCVeVi0ZNFdgHX8IQpjzEZsAfdrt3vCvj+gSqUlImE0l2eo/Vbe0PNCldTJm1EbFYPu6TV7wXNJBBmCWtT2bwwfMNSXhqgs+c8M0c0LJlVWcPTtFmq4bqFPUlZANw33AjefyYrTzWOEhKs7AqAY4xjrBS9JMY8pUDsacdiAT6Q+gdj59w/RacJqniYV35AClIuwdQB89swy4Hx0aNUzwZfKs3e6msyetIv9Y1Wn+FZkxzMTIQkb+KUn/kCkg4zEpnwxpU/NYqxhvRgxvuxg6MdmR1PxdMUokJIBNgEiPYbL4BMc0aSXMR+FYmDmScH5hs20exNS9MeBlWZbJU5JU98BLVBtyC6WJG22IA1upCiQmnsBdVzi7gHf0ivTTFGYJnNzKppBCiHYAOQwGAKrkub3hnrNRph4idRKdRNDpcKFylLFJZ6SBezWszDxoL9SRzr0ZrQBXMARWsFKVO4KQ7g5aouSTsk4ePNKsE0rV8r4sD+LLZcDb8ohp5yQoqILAOEkh1FrAs2xJPYNF8qWQklgRMIWXAKaRUlz/bc+j9o6p+ipeixJULqHRwLAMHDEi+B+2j2SgKTWqwF1FXm48zhmz2Dx7IlAkhkkIAADKKcuObJboLbWxBU0ciWerc1HlcBrZJZhdvIvENXj0RRKYpUxKqXeqoqYk4dTO72U297B4FlT6XBwh7JLqJIAdV23uQBgAmOk6wgEPSDkDJFVTerD2HeKWsouLfgTblfJcOQCftjZRS0GAudLcumyRYsEuCUpUphbBL2wA8cvVolgeGVBRJYAgdAl9yAX3awPeF6NYStdygqqpYOxIUHvtSSO8U6ycDNUpilPzBgGDkKYf7Q9h2ilAEjb8F4cZ4SAoWa6rH5A6nL8pKWDPuYIk6OWokFXKCUpIKg1TvYJDhmyLP1hLw6aEkh2IF+ocdAHNmtBM0pWoOSHAdlE332LEHFnsIUZJZLTXg0snhEshlJlOQedEoW8wSS7HN/WLpHB0FIEymlBfxAkBRODYg4D3HYQg4YAgmqYTsOzvv7Q40WvKXCFhs3LeW+THoQ5YywjRMlxeVK8FdKhPSm3hhUt7sGCEl73OQzEsITibJS4TLWCzAOVEhr3AYbhr2HeDZyAogpADvVkC99j3Nhm8Hp0UuZLmUzHKrMhBUwz8wUKb9Oh8o3oYv02qBdpRZKfmUEXaz7LB8ssGHUjgfhSkNSSliyColIqN6kksd/s8Xaf4R1KAueJslQSKgOYFkgmmljsBucwi4OEqlhU2aT4l6EIJ+bArd4LyA3kzEMmVLJAAZk1KIbqQ7e8FI0FZBKQo92Ib1tFJ06JIH9GbLQA4dBAueqknpj9IX6/iaXYGkkClT/iOAQGN7di8C+wG2q0icBwQXsyX8myImmWq4pIHmTt9LARCibLpqkqKVB7u7G5zcdhB8zSTJgCpSt2pslQ6EvanEUkhEJOhSWImJ7hwD5XMe6nhkgMSzm3ylZJY7OxtvFiuB6oIC1AuCRSllEbu2/oTEtBwPUTEVKloTSSwNQVbBpIa57/4WAoSapOlqZSgn/iEjoxAEVJlSRZE5Ie1mG/W0Gan4XlTJikzpeoUssSlCqW90EEHq8FSP4baPUB0TNXLaxQoixSz/ADJ37FrmB48BQi4nMlyZS1GfMIGyGqY4NVyQe0Z/TarSzqlAzFEC4UpALk/LdDuACfSPqWm/hppkUAzJywklwspKVAgikgJFv0vFvD/4a6GXJMoyytRd5pJEy7jIbAtfYXeIk0wo+dSJOkrMlQKVjIKg175BCSGNiMgw90/BQof01BIbZv0v5xPX/wAKpxChLnyhsh0kcow7Ox8vpF/CP4eamSUgTkpln50pclLCwGy3a5YXJPaGmhUB/wDpDLbxUkn/AHKT+X+Iv/8ATky/9SalB8kqJ9aWjOajiAGqn+GFBMsiWKlE2T80wuLKUo5DABrDMPZfF+QL5SW3bp1zFpofUhP1CKChCwTsbAP/AMQG9iIz+j0xWtpiVAu9rb9uW97gC+WjyZ8Sj+ZQRQseImpLZDgKFhu+esfcDKEoBMqWhKewb7ZP6wOSbE0ZjScL0hQk/wArqBYWSZhFrBjUHjoa6v4loWU+GS3f9AY6Cpf1iwfD5mtTZJWolXJcOLuxbD99rQi1Or8Va1mUkuSVEEg3YVBz1exexaPY6PH4YpZIiqYNw8eJPQkgc+erZJfy+wh5p9I6QAhVIqZyFDDsEuATzAOq33jo6K5XSCTImeDQhlG4N1bApBtYD8NgALqMUr1Ezm8U1lxfFwTcs12J9h3jyOiE8fuRdAQWCtQpBdyGKgaQSl8s72wd/VjoNEVzJTmlC5glmwJNRAbdgxb0726Oi/KH5F6UeICUEggKUpJABAAuQUliA6Sxv5wVp5aHMyYRUlCXUQSWqABLbu3eOjocvRQalYllSVJpUAQq4L0mzEDu4xtBGnmJblVc3AbIf5mIZ+1o9jozkkgSGmjkzVKYCvBawDOO9rEWh9wz4bmTmQpIQVuUL5CEhJD2Bd8/Tzjo6Oz8eCSLiqJ8X4dK0NPjz5s2YoZlpADv81KiwACk2Bc362jLQpfPLUG3sQoA75F7Hc/aOjo6bzRp4NVwxWrt/TcYJqTdiz3Vmxi3h+rQJpoloSonmISkLvcuQN46Oi1kk06FpWDuDYg/UXhFqfhDSmYmZSQUqBAylwQQw2YjaOjojTKL9YZE0+FU0xikfOBdssz3ALu9oUzETdJLqXqisvfkck7XffeOjopDaM3xb+IQlzmCllZ5SjCAetku/kd4Yaf43qmolrrBWlQBQQACA9woG+WPaPY6EmFGg03H5SqU+JNBFy4BJBexIDDIxDuTqQoOklQPp946Og2ElRMagRhv4nfHP8jKSiSSZ816SRZCUtUu4ubpAHd9o6Oh0iT5Rw/4q1kybWZ0wku7rU3XANh5RvNB8ZauUxcTEHZV2+xw/wCkeR0FgT4LwbR69c/wVTZE+omdLJK0GouVgm7Fwyag3SKtf/CeaCyNUoyyWZLpp9CSCH2ePY6JewGfw7/DXTybTpRmTAokTq+wAFNuj3BuTeN9qkEhqs2/dnEeR0NbEKjwPSiykknckqeOjo6NEiT/2Q=="/>
-          <p:cNvSpPr>
-            <a:spLocks noChangeAspect="1" noChangeArrowheads="1"/>
-          </p:cNvSpPr>
+        <p:txBody>
+          <a:bodyPr wrap="none" rtlCol="0">
+            <a:spAutoFit/>
+          </a:bodyPr>
+          <a:lstStyle/>
+          <a:p>
+            <a:r>
+              <a:rPr lang="en-US" altLang="ko-KR" dirty="0" smtClean="0"/>
+              <a:t>INHERITANCE</a:t>
+            </a:r>
+            <a:endParaRPr lang="ko-KR" altLang="en-US" dirty="0"/>
+          </a:p>
+        </p:txBody>
+      </p:sp>
+      <p:sp>
+        <p:nvSpPr>
+          <p:cNvPr id="11" name="TextBox 10"/>
+          <p:cNvSpPr txBox="1"/>
           <p:nvPr/>
         </p:nvSpPr>
-        <p:spPr bwMode="auto">
-          <a:xfrm>
-            <a:off x="168275" y="-144463"/>
-            <a:ext cx="304800" cy="304801"/>
+        <p:spPr>
+          <a:xfrm>
+            <a:off x="4716016" y="4869160"/>
+            <a:ext cx="3456074" cy="369332"/>
           </a:xfrm>
           <a:prstGeom prst="rect">
             <a:avLst/>
@@ -4445,73 +5202,19 @@
           <a:noFill/>
         </p:spPr>
         <p:txBody>
-          <a:bodyPr vert="horz" wrap="square" lIns="91440" tIns="45720" rIns="91440" bIns="45720" numCol="1" anchor="t" anchorCtr="0" compatLnSpc="1">
-            <a:prstTxWarp prst="textNoShape">
-              <a:avLst/>
-            </a:prstTxWarp>
+          <a:bodyPr wrap="none" rtlCol="0">
+            <a:spAutoFit/>
           </a:bodyPr>
           <a:lstStyle/>
           <a:p>
-            <a:endParaRPr lang="ko-KR" altLang="en-US"/>
-          </a:p>
-        </p:txBody>
-      </p:sp>
-      <p:sp>
-        <p:nvSpPr>
-          <p:cNvPr id="24582" name="AutoShape 6" descr="data:image/jpeg;base64,/9j/4AAQSkZJRgABAQAAAQABAAD/2wCEAAkGBxQTEhUUEhQVFhUXGRsbGBgYGRoaGhwfGhoYGhoYHhwdHyggHBolHBoYIjIhJSorLi4uHB8zODMsNygtLisBCgoKDg0OGxAQGy8kHyQsLCwsLCwsLCwsLCwsLCwsLCwsLCwsLCwsLCwsLCwsLCwsLCwsLCwsLCwsLCwsLCwsLP/AABEIALcBEwMBIgACEQEDEQH/xAAbAAACAwEBAQAAAAAAAAAAAAAEBQIDBgABB//EAD8QAAECBQIEBAQEBQQBAwUAAAECEQADEiExBEEFIlFhE3GBkQYyobFCwdHwBxQjUuEzYoLxchU0khYkQ6Kj/8QAGQEAAwEBAQAAAAAAAAAAAAAAAAECAwQF/8QAJxEAAgICAgICAQQDAAAAAAAAAAECESExAxJBURNhBCJxsfCBkaH/2gAMAwEAAhEDEQA/APmWg09TKxnH2xDCXqKWGb7h29sHvmEmg1xlqIIdKtrjtkEbQylcXSqykqAsBSASO1yD9Y5ZKV/RGS7V6oVFKWYZKhUT2JN/XtAspctZCVoJP9yS+cNf6QSQkEKJJLNYi+HUUvy+QglOpSAHBCVOAxBVYF2sHG2HiLS0BmJ8koWUqs2Xt9+zRbLnsM3HqY0mo4f4stVJRgEWdQbLkAkJYN0L4tCHVcKmoKiEqIG4Bxh/16RtGcZD2cjVuygBVjLWz7e8BnWqKyoZ3B5vv9otSkKvu/e3Q9o9mSQNmPX9OsVSQE+Gzg5qFtxiLZwShQKHIIcPFOkkOcsXBc4hueYCp1NfAINmHcKDxlNpMllEhSSF2cqAfffItYmPONaFSUpDMDR1vUmoFiAcEZ3EXoWhixZh0IJvh8PE9XrTMQgKY0thPMGJpvuz+VoqEhpmd8Ig3a+L/eLZ5DB6fytF/EADzJBqdmb1d+n6wFqpRBA7P73MabyMskkVBg32fqD0goTKS7wNpZbg7FmfzxFqEFIY+cJ0InqtYFEG4ItYCLHUSWJ739m+kQRIqHK1rt2vu0F6dRI2YC4SSTf6/vzgpJCA9RKW6iQWb5mz394C1b2Jh8aSkBxixyLjJ77vAqkJSnD3u58/8w1IBSlTFxFiVQbN06VjlSyhhhY9vPvAKVsWUMehik7GM9BqSkuHfYm4hrX4lyq5Bfq+H7beghDpqTtjzg+QRhz++0Q0A1ky25lM53s1WPJt/fyj2dJQNy7N9SzW7en2DUpwUlLXBx53y7N5xJOkJYKLD8IcF9s7HH7DQsjYV4GCCD1YG3mf16wv1OoCT8oPc9+28FywZYa1xvdLC+0I1TklZKrdGc79CfvExVvJDQepyiooSU5+VLfvvAkxAN5YbqBcdPSGMvS8wUGIZqgQw7ZwxgbxUBakjZsPf/ECl6CienlEp5SAdwbH2hjLWQBUmotn9N4UCeSrBi+WpQLMVd7/AJYilJywyGhinUKUCH3s/wC/1gdWmVchIbzAESWEkAsoKHT6jtEpptcEdC7t+n6mH3fgN7AVLIO3uI6L0z5ff3b846L7v0IXq0RCySgBKg7l2b1IZ4no5KSWdIA7A23YP5YhtO0wmylitXKApm/CSXp6jqO4aE2o1FIoAcjNkgdrJF7ef5Rg02buxqieJQsEFJwSliXN2UfJgSGziCJfhkGgzUlx8zFugJq+/eM4dabpUQoZDBm2JS1tob6KW6Bs7Fi5swZwXyC7HaM5cdZFQUrUmUQtagoWNTG127m7JxZ/KPZmsrSJiUKWDYGWfl6G1wLYamO0pLFNQSkjCRTc70psGPTo9oI089SQoKWZibClTpIFnu7KFsFzGbS/yAhVwYXeeEq6Ku74YhVNwdyLgwoTKVV4YKX6BSSmzk3do1y0SU1KTKLWNUtYd97P1OXsO7iI6KZIJPzLu/MHCTtgMR3JOOsarllTdDM4uRMSxWlSXJuoM7dINkzFFIY3Bzb99I1nipVY0K2KSAoi4vcBkhtx7wFK4fKqUAhDli6VLcXBFgm3n+sZrnvaEZd+YknOSWyNvOCwpCVfhYnbtt7tFvGOCJcqlK5XdjvchxdwkDcwr1KWlSyQxvh+zdnaN41KOB0EzgCHS4I7n0iiUsqJCmOcRPSzRTsfNvaLJYSFJ5Rc4GPJoE3omweamkKADEfbP7MAzZ7kdO3fMOuP2mkhmXLQQBZuVA/I+4hQvTC1j9h+UapJDC5ZDhiMj6bjvF8p0FwrJJsHF8Pj6wvEropL9HLd4vlKKLKHKc2dvVt/OChB80JJJYCz2fB7dre8C6ehiFKserEebbRXoZzPuN7nbeKkavPXycefm/SF1CgqZJOAfqL9OvtC+ekhRqIJ3gqdOIWNgQGvbDRWtKlk7tDWBnaZ3cW7w40S1KDsCQcu0KNMCLWP5Q+0w5Qyh/4PfvaFMCuXMuHfIt57P1gjVSSQkJVYOzh2FvzivUMQAGSrvjIckmJpJCQhTNk5He5y36Ri5O0Ns7xylLVEpZ8keob7QF/KCp+UkXZixfy3i9ySO13A/OL9TrE2LTC21QZ2Z2Ad/wBIOzWiaKRpyn8IAIzYnHv7gQPrEIF0O+CCR9OuIs0urCV3elVrhm8mwb7doKks9kkkj+0AeV/S1oTk1sADh8pKyXUUq2DAv03G8OJCWQBhQcpUSxy1w13xd4hKVLQGsCcgF87WdvQ9OkQmzUpDgODkuQw6Wznu14ybcmCQfLClbgs25TttYRXOpIL0h+oZ+9mvno7wFKU5LKcDLkkjtfL2vF386AKGCkixexybsU+jjtCad4AlKAYf00nuMfUx0QVNlgmyzfIQT9XjyFl+/wDoiMjVUBSkqUkhhYBrhQ9PxfswkQmupnBpIvcEBzbcFwB0ucRoE6NS/wCmA4LAEMLodV83Pf8AOFulplTEmp03sSwa972Gziwf6dl2bLIo4coJUVqwlJ2cEqsAR0yfSJjiJBJrVcueQD61GHUyTJCh4SWSRVcBT+QUOVhV3tZnAiPgSFKSQgJUE8zFJSrDuFPdr7HJL71aCgOTrKmdRJFg52e2ft5QVI4iQeZAUk2sGzuWyLY7doqm8OQPlu5cEe+AGx9ouk6MhO5zkdGLkNvGMlHyQ0Up1NNVmF6SEgkWcJc/hBc9XeF0vXeGSFywognnv4lzgkkg4Zm6w7XLZ8E+o+g/KF/F9AVCpI3OL5v+sWut0AVJ4ymkqRSkjAulQ/5fKdva9oN0WvUwXW2yh2u2QS3kR0O0ZBEhT0kEEHBzDHTqUnGcdNoznwrwKhnr5/iKExBNSVC/y5DP3/zAeplVVp7uGAAtbAsPSCUS6krSblrM+wx7H7wJq57LUQLFIIY2ZQDj3eLjFpDp0XaPSMCKSb3x5WiqfLpSshxSxHqab9DeLOFlRLHB9gep9YcIl+Lp51uZcs9g6VBaS29zjt2gTblTJWxFxCoLAXT8rP8AUC+zEQHPWUsDeLdczoLuCkd8MOvaIaoMkgG72HXv6Ro9jeytEtrhXsP1xFkrVVKYszN1Bzd9ookyxhdV+jDv6x6qygWU42s/XbtDAJkSKTlwXYF+rF7d4pnyaTez939HiyddIWklnuknB7R4lYpZtv3+UStiPQgGyvpF8qWz0pLjfJ9unpEJBS1yHB3+0EeNTcAE4e+/cK+ttoGMuMhwxTkZwQ3Sz/4glASAAAQBsb9L5YHygeXxBTEMc4BDeTkwcSooD9O1zvcbsHt3jJt+RaBFKu9s7vFoJKXBBszh2v6XHeAUzEkigdXe+De36f8AdiJjKySHuH28+kJjsJlpKaSfld3H3BLWb/qKtQCU2Nmc33De4iE6aAfxUi+bAHZvOOmTQbJDdn6Wz7Q6vIC+Ss1PURsD0xZ+kNdFMUoNUGZzjvn9vACg6j0He+GgiR84AdgGt9LekEgYbOl7k3zgHd/TGBFc2cR+Im2C7bbg3zBH8szKBSSQGfz2JBH/AFAMyYon+0ja592JiEI5FL3DKYMxa7m/aLdOoAKJO+7KLMGA6CKZD3rqwxLPi17NF6UIY5UTdiPs3k7MIJfYFS9QkH5j7R0CqVLJf7EgR0VUfTANlawuKVKIFnLEO3YjtmCJ6UqIoUSVPy0sl7Wdg2+PPvAyZktACVAuDzWcOABgls2Y3zaCdJq0rcqCUquKmTckl2Ti6X+YflCTp3QotJi8z1Jmf01Fk4IwoM3cM2xAzeNaZUqmQaEpExNwlgSUs7EM3MN9vUQBK8JKapkqsJILMlDD8RFBubd/0mEmdNQPETSlANRZApAJDHBfqQ75a8W3eUbp4wDT5UuStVSVVXLGmwIcEt+I5t1EBJ4jRMNSRSNsev5RpdZqAVJJCEsf6lP9T5hSakgZ5SXvtGX4rpUJWQg1U4U1jl7X6ExkkpbJlCsh38ymYHQGvnyPRmNmt5vtFEvUqUopqILs2Ekueg3HUe0LUKUkcvMBcWu+Mbj7QRJVUk8oD9N8GBQyRQTqtGkgOEqY4CmUDe1r4839GHkzQpMylje4d3BADdLekS0oUZalKcpBu+eY2L9Rb3PnENNrUzCCgEFDMFXLWSQ+9usWoyTyMlIXSQXAegjuSC/swhVxFLgsCCCWfspVvaG3EEOrlIypsMxIUB7ECAzLDkXIN8Oxu/2jZtbKwCcPmbH/ADGl4CsCYA4ICg5vuCj2/qfSE+h0Q8SlmNQD7dM9y0T1Oq8Ocz3BGRmwIxs7Y6RCebROgLWacJmLl/2lSR2Dn8orlyC2bjr36RfxGUkmsK5lZ7kufS/tAsucoGknMF9sol5KtYggfJ26fu8QIsC1xvd7QVq0kp5qb3D52JAHpFUw1oGxGRt2P+IpPCApE00gA2e464/T6xWoEKItaC0aJRQ4p7upmybXvaCTpAQ5cHflKreYt+zD7JMZTo0uX5Xfdm//AGtDAIyVAK7hPvtd+oMCy9CBh1DtyuQx3JLN0HrBdUtCv9JyDc1t6XVcYt/gRnJ+hEpsskOOVrMGawZy1wT5vA+lMwFVuUk3Kr2u1y/r7QxWtCvlWuW/Qly2wGOuPaATLS7lQKhZ7+hd+jXEQpWtBZKZolKU4JBLjmYFyRi3TcRetCksLEjsLGxDEdrfuwE7m+YubMKi31wO+HMEq04TzAmki9yTj/OYHikAMtaiWbINhc46xakFg1Pr6WtiOUU/3BvR9oEWlvxcpcdcHN8RYFktKlKNiOvX92g2RIFgKgf/ABd/z37wp05Ivu/7LQfp5KiXcOO7e+IU19gyU+QEk1rIUHqA+YbN19w8QkyEm4VU2xt73t9oK1as1KS7M4v98MwEBlaAr5SSbG5IOWwQH994lNsC5M5KVUpKQS73SQc2ubeTRZpZKS7AE70Z6N39RFCZqlOHBuQAQxa4YE9enl3gjRIeyRSX6szj2f6+cKTpADTNAhy5U/8AxjoLGhmG60rKt+dvKz9I6F8v2Kxf/LVGkTAxOCFAf5II/wC49ToCF0FSFF3sT8wzViwBVhsx5P1ACk05ZypzgA4f2t6QbwilJYl1KsCnBd3Dtu+DFttKxhcvUKCbAMGFrv5qxdh16x4mVUHANLkeZ3HV8WvFHFNQboNhhmYuLM2bRbpFqMlfKQErT3DEEYBy4H0iOvktLwWTZSiHcqaz3thh3a4x9IvQymClE/2kcpAIH4tgd2aCpGvkpFFKgozHCnIZJf5tqmYuAcQVrlGkL5VhZICuQBRGflDYKeuM9BppWgrzZnZukKVkso0m9nt1x9epiIlghg3R26Xe1vtDHXSlIUSCCkgFw9uofDi/7tHko1C6gSAHcX3Lt81jvA72ALpp5TLm3wkunL0lx9ngDSFnpSBu3Y3v6vDydoipJBe5S+7A2JCsvfBBDQt02nUhZC7MVJfqElumaVEt2jZfrQE0IslyXIcjaxY58x9YWaxRlzVAg9QfMAkB9rt6Q00esCiAWSU2xa+fPA94az+HomSuYhw5c3Ziohmzj2gjTbQCjTTCwUnC2S+wPzDyemAuMJHjVk36HffHtGkl6elKCU1ispsC/Kqwtuf16iEWqV4hUprm4HQbDzb7QnUdBQLOncoKgWw4Zw0Aia4f8vV7Qw4ZKRM5V5yC56Ndtrxo+GaGQg0lAYuFEkk9A17HMT3jHD2RaWzMCaJiWJDNYsPvvBHD5Aalqhm/qfTaHK+GSitRSLE79Rkt3cbNmPF6ZKEgJGHc/ivv5RnPljVIhv0VytKlKTyBLkeR2DfSJfy6FBylSR1YsN26VZt5RNWmBSCoqBsQbt7bRROUSQCoMC5HZgf8xlHdti7Ac6Sm9MyYCOod3zlny1oCk2XzJCwdqmLdzgfk0Mp8+mre1j9/c/aA0alJDlI327ks/tHTFspSZPW6lC6vmQ72VdTXs7dPKAfDuAFBrN+sWqnBWRZzb9+cV6lY5WsXDHtDQ0wkyQ7Egm7+sFypZOVMkpAHt9YoUQbgj93iwLLXx/n9Iydsjsya5QYsXO73Ofs0K5stVVKDY4sbsWZvaGasnYPvv3jpYciwsfXp7Zik6RSYtl6VaQCtIa/ne2I7UqJ5UEJe1nHnbN7QyKcktUfW9rYsbwPqKRdg539Dt1/Qw+zbDtk5QQlKQpyTZwAPcOYomGX+lB+pew+sCrAALFwbM3d28niiXKd7sBt1PRotIpB0tRCgSynFxj/qGkuaEoFSBSbNY+eS7DtCCTMJa940ellooCFTDjyyfpnrGXLS2KRYeIo2m22a33Lx0enh0obkehMdGNQ+yTJSUm93fuAd9od8P1lJBBDjqANsfsZhDptU9ld/L/B7iDJSWUC7kbFgr1tcx2yTZY81lZWFLAqVupiPcdvW0W6UkeIhRSHcHe4I/Q97RRL1gUCCf+Iu7jN7AW+0V6qe5CXVs6u2acYEYU6p7DsO9GFALCF/OhnSBfsXNxnDbQLpStDBHPKU5I+Wp7KBvZiA/cekVhRCSQtQLgJAAydmZ8Pvt7Wajh00UJUFBSiCL2q645SA4JfeCClWyop+A/g8mpKkTAXF2LuxudrhjnFxEpvC1eImkVhOUhkk7fN5CJcTWRSJWollSCCWWoAMLggO5NIu/pB+hk6yelS5SJVlCpl1E2yybhwd/OOiMG1RbVbKeH6YdWNxcEEeY2Icj0MV6zRy5VSydwsnI5iUqT6DbvB5+Hp4nKSqcgroSSBNBZwcJYKIeoPf6Rbr/hTUGYB4c5aaTyeMUVEl2SVIZrB3Uds3hx4pRC4mGkSqJ8xk1JLqAAux2Hl+UaY8O8VQlTCqWpIqDBICqhSfMi0UfEXA5mgp1EzTqQhZYgzEzGUbm6QkgKvc/nAKvjZLAeCMMymUns/yse94fRXbKVbHc74WmlNMvUlIckApfLuLENn97DaX4NS4ROmqNP8AaCkL5ereQ6uOhgbg3xVKDpUpn/CEOnyc7d3i3jPFRcSwQOjNchzf1xE8jjFYRPI14OlaGTLJEtBdIAJfIvkMA92w8RlLQQoF6zcdM9evMPdt4zydTMuT1CnvdQIZ+u/t3uXw1BSCknYEdH2GfTzjh5IPbeTmcW8sZIl0AAeZLF33yzWO94qm6k1ClLvd/Ipf994ZaOaFFyXG/nsfLF2g2VwqWC4IyAXDEWfGCM3EZRf1kaiJ1Ti3ylwA4fLdvK0AafTqBu4Llxk4OSOwfteNRqdHo0iYFzJ9Us8yglJQs2ICSHpDKu7tE5kmQUIVKIUkpJUUqqpcMxyz3xaNpcU4xckDgzIanTpIU1nCh6Wt6C7wBreGAgUYdgc4Ci7eaW9Y1E3hYuC1yPMi5Jj3RyUygalOHJYhrEG1/wBvChyusZHGMjFHSrDOAysZ6O+Ggz/0awpUSoh2a+2O4Yjvm0aDWCVNYoKXYi9ti1+mz9YqUpKOcllCxIvkdPQj2jX5XWhyTQm0egUsXDUvVg9GLgtktBLGptwfc/hH5evlDU6pCgpIG1j38hnBgSdLUlVKaetnycnsMRkuW9oybKJ08JAIHygNm7ksT7fXozgz9aFDlBBuHsbXHTN41qtEFg1MLAiwyEm/m57QvkcFQCCMG92bb8+kNc0PI4tGb15Ulg/OzkWs4sPNhf0hfOnKJuXJ79Q8aDiPDVKmLLZPJ1U5AAYmzRPhfw8HPiYYMn1YZ2eNlywUbZr2ikZ3TywVczsLqwLDLdz+cCzFEKVZnJt5xspvw8KCyikEgORs6ifMlx7Qum/DzBz/AHW3fL/v9lx/I42CnEzslBMPtLLsyiW9opRw9TgBJbZvKGUrSswYv5E/T1h8nImNs8TJS3+qoeQLR0FJ4Wvor0SW9LYjoyv7/gLkYSRmLAM9RDHiXD6VkJFhZsNv5uxEcJVNhi2732cdL+lo61NPKFdhXBNIZpuWIBIe9X+0fp2hyv4Y1ZSVBCS1ya0A4fcj6xXwwpSwCQQLksxCgHAfdhdu/W8OVcTnJB8NNSncJWlZCnwQUjO4B9rPEbY0rEcnSgLpmhdQCWSTQQ+LlJ3tcN3jbcP4MJNKltOdwEzKuV2uCHdwAL+btGI43xCbqQAsICkYZRLNc5Dm4f0h7w7i+qShCT4VkgBhO5qWH4U5xFx40XH9Ix45wRIUJklFg5mSmckAO6FAuM33Y2w0Mv4VaDSEFJmqGo+VNToUpIuaRcK/8gQW2a590ug1OrC5ZJQlQYvKmkg5PzlO3s8aT4X+ATpl+IJqfWXzWy5Cm7Y+8axi0wlKxwfgHTKWla3VTgEJIv8AM7guCGDdgch4ernS9OlKSWFkjrYFgAMlgcCMxxD+IEqRNVKIXNILBQoAN2IHcG3pBOl+N5M2oMEkFg6gQXfBSD+zF5YvB8Z/iL8cz5+smITOpkJJEtNICSkhqjUHKiKkkHu0Y7h3CJmomlEooNiokEBIAzYnrsI+x/E+tkKKiuQhVAJUpwpKQNyoAADfcxnlfD65xHhyEprD0PzMzvcA7DGXHlCcRJiL4Z4ShEtU8zeel0crD25jcYJpv1gPX65JcBIAdRBAAN/fZh5QXxicUpTKxRamkpcZCi+T3Iu77wlkIWpYKElRcbGnuScNHJJdpD2GyApgVvk2Nz7dX+0XHU81gbdfp5eUR/lpnMV2Lub2L9HGN4BTOdTADY+z52/7jNwyx9BnK4gUrYPu/v6Q80mtJUASxd7iw3Ho/wCUZrQoIU69r9d/v2g+fMNplyAcdBs/727xhOCvBHQ0ElCCVKUlJJcso1B1MTYOwYYxftBfBtEJahTLlmXXWuoKNgAClgCGNvtGZlapfMuoMoFh7Pf29os0HHQSxCz2SWbbbtB35Iu4hTH/ABfR+IolAYbBOCOzmz2gDiHBVzXCVJDZ5jbza7/vrD7QJrEtS0pAIBdRN3HQO+2NjGhlcAEwy1I1EuWAa1hMtVK3DJLFTVp6t0taDhi3bayXk+c6PgEtS0p8Vf8AvXTX2slAe3rmCeIy9OE//beNMSkqdSkMlSpdyEhgogG18Xu4jS8RpkzVSpCEpmgh5niGhiU/M9lODveKJPw/O1izMKvDobnR/o/MXSgElRO5INL9Xjo6Jp28h1bMrwyklKvCILkqFTDr8pHfD7wQlElagSpYWBZLMCC71F+l7b7w21Onmy54kpSmcVEJFIKXclmSVG4DXJ77RbxbhGu06pZXIQiTU6igoJdmS7HMYPju5IUuNrYCdQMABvyY/m8R8KoMDzH7Zv8Af0i5ksASoqu7kNc7eg67mBJa0BRKVVEvZn9f/G/ZvtyKOTFLOSyZpCn5QC2+w6h85irThZS8wU2NJz0/znpE9RxakAhKQRckA3LDv9vOKdZxNLAr3BFI93J9j5t5xU1WFkTS8HqtUzgBugxgsc+TRcsVDAft6v2jPaqaFFIT0Y1G3+MPDvhUhVJUsGkf2qF2d7gFtu0P4qVlKCK9Ohd/EDh/I5H06esXp0oCqgkAdHL+nT9+pAnpTUXK0sLlLmxccwN7HoMRMT5RQSlYCwHCFBrGxALvUzWbaJUJ9qoFB3RR452ZvX8rPHsL58wEvfbBtjzjov4y/jRmkSLlKlAgJFx0s9+tjEpHCzPBKFBLHBdg5LHyv39IPVLDqpYhiCl8EpJF9lAte+cQ34bw4ylgAuwJKhexZ+wd/p1jrjJJ2yItXkU/+kTJZFZtuUpqSTu5JAeNBM4fLMv+nNKZwIvMFj1dSXpHa79bPD6TMluyVJc5YvuHt17QNxHgdaKkEJV0whQucNyq74t6jorzE2SFmn4cqW8xKwZxPzSVynL7lKpjkPchIByLxLTa+eqoJkGaQCCumgpVcFrs4/23tdjaEOpUsqpFTjuwB72f6QPpddr0KUypi1FVkorLvggUgt9QMgRfFyNopqL0bfh/G1yVganVJQG+VZ5uzOHIzcNiHE/4p1M1jop0lUkGlXiy1MSdgtw4wOWrO7QDw34X/nNFMHEGkzS3hmvxJiQHUSqkNclmueW/SM7wr+HGvSVpkztMqWbLQtU1KFhrgjw/qCDGymiOp9ATw3SzDVOloVOAFRTdNnwV3Acm0L9WsSUqUjSyppDmkSZZmFXQBnq+zEw0/wDo+YhUgImf/jT4qSpRTUigFSSQ5dxnp3jQcE4HMkrUtU4KfACWGTl3PTDbw7JpmT+HOOFYMuZoaFgXSZKSLYBpxkHEUcV+OZsuyJbAlSagAgBn7E7Pj3jZafw0TVTFTApRLCkY89zt7x86+Kf4hyxqZ+n8JEvw1UuoFMxeCTYPSTcDBDF2MFoYt4zoBrlpnz1zHppdqXFyLEOGJ6bQv0UsSgyvnAYEgeyWAAHlBMrj/ioqQpCU/wB4yBhmJIF4z/HOMKCS05KiPlFiQbYbctmM2vJadF3xBxQJICQxYVOGsb2OH/S8Z6QhyTXTVjq+X+kQ0mhnT2KUquTcgs+5frmHOn+H1hJTMAJSC1w+b2PQ+zRlIpC2UUi9yS5fzP8A3BKlEIZwytjluo7i8XzuAzEjmBGGSEkuOtX0br5mHnw0dRZIQnw1FJT4xBQFguFEMTZntfBEQ45GmloA0HC6kFSiQgODgkEgEODcAghj1aCdBwKWJjzJ0yXUwQpIFNRB5VJUy1A7Y9Y1vEZSZq6ZjFSVCoyVTU11AZ/qu4YAOIFlyNMmcvxkT9QAmlkIUUpCmJC6CxUWD1EvntGkeJIz0AajSapYWQyUSn/qTKkg4ZI5XKiLYbEOP4f8bV4cxSl8wISAW5R5HqX9oSK0ssT1rlz1TkklISUqDcpZMxApqbANg7WsYa+CrUBYl6jmls6lnxEp5QAglAZIuqxc3wYz+GKdopBvxP8AEE2ePDKEkAhQJQQTYj7/AJQpkcZUAQFNTakEDBNulugEL+FJ0xm+DPRqtRNqUCmSsJSDcKpSkIPh5PMoMLw0/ldMqe60ydMiWWpmErWpr4CqVA2Bd/xZzGE/xnN9nIhooXNM5CzKKRNFJrW5YPelm5mAbuGeGXE+KJMtKZi56sM5CX9ABi1h5PeKeI8V0X+npZoSQOfwkkJIBBLhYUKj1/7hpP0BmU1KTKFBqLpUukuyRjm39sxrHicY9YlpezFzfmUoWS+D3LgOPQRVxDSKUkeGp7MygpJd7Mp4bajToJKJSvFUCkC8xRK03KVyuW7EluYdWYGBuIhchjKElS1SwSC6VpwXAUS9lXAZma5hL8drIppPQFo+FS5Sh460zHv8wCQLu6FJaoGm7nG0Q43ICR4la1IJekJAdObUsL26bGCFajwqfGcKUQlKBzpyMrNkvbJG+0W66emQh5wUlBcEFxl2TcOzNd3jRxeE0EYuhP8AysmXzqnKp+V5aSuWlRSXStRFw2RY7w44dORul0kM6TUm4BI6mwwDaJ6eegylS/DolKDulCitz+NnqTYDLZ3eJcM4OlSioT5qENzTJ5uRtQklTu+LWvuHJcaeUs/3wJk9LLZTGWaQSQaSzC4cYYsesLeKaKWpRUjlyVBCZaUhzvlhvZskxopvDZbgya7fLUtRQWFiwLAHeEnEBOnrSmcgTCl7eITbBAsLF/ldoXT41QxIVI6D6foY6Claaajl8LUJZgwBIxZigUs17R0Zdfsin7O08sskGymUHPf5T5sGMHaDUEDnBSGJUSwNvlUCHHXdy/WFomOohbqJLgAA26EWcscQ00ZpZyoKSagCc/MXcnHMbGzDZo5rd59nLZXLnm5QGJZ+4SS7EXfy6ZEMeC6pSiSqYWcPlRa/KVCwwWB2G8Liy1ABQpUwPzZ5djfp5ekXKWmWCEM1PNsKgQxAyxFR9TGkOSssuMq2F8RkleqCpKglKkvMJS7KsBTtUbu9nS7O8a/gaKEBLl8PU79zYdYwej1CZawCQ5F3JZIu21+YNZ/oTD5fGKVcp5UhgPbu/wC26tpPkrLOr5FGJtJK0gl7BiXawPluIul6LkKwtLsS72Dulg2cNGKPFWS6iPw23Yly/dkkdb94aS+IJMtSlKFkskFuUhnPkahm7v2euPmTxRK5E2bfS8UC6HBqbBDA4cu+HGe0dxTWX8MKuU1KbZOwHVyD6A9Y+ZaTjs1MusrKbA0gsrrdywfHv1grQ8UmqHiqYlRZT4tYDyF28o2lzrqhwXZsfSlFc4BJKDVdwWsMl2u20OeJ8OkapHh6qUiel/xJDgsflLuktZ3HnGN4VqjMnLeZdCQwfAJuUhwHcJHb1h4jjcu9IIUk7lJ3u97+20L57zovoJ+L/AUtUtI0YQooJpk6hKTYB6AspdmwC4LXO8fL9Tply1rQZZlEK5kAFIBD2KRbcjyj7nqNaJn+msVWKQ5dxf0s4ud+8KpnG9NqEK8SZLEwZIpLsWZncKHUxS5E3TBwaVo+JitBBQpr5du3paLZOonAWWq5exOXf3+8fRk6fTqLy5sk+hsMWGP0t2ig8KRf/TWnIZRpb2vjfrGnS/Jn3MGjiM8AgrWcM61W9zDT4UElcw/zBWrK2NV1Om5UDtSCB1No1iuBS1sTKTY2KVXH1H6RTqfgykBUjJ7qJHZ2LbQfGw7ijjnEFAlOmS4Bdyp5gcMWUkE/L1Lnqd1/AviHwpixMQQCLuFqYggAhIurrzEecaEcDWHJUH35QSThnSRf0gJHDdQlRCkqX/bUbeft94TgxqZ5r+OpAI06gpBB8XxZahMWRS6nKQFeVvVoDM4TZaZUvXmU6Qo6dKFAkkgAcksJS5IsS2H7W6mVMrYpp7BTP7OIsRLK0KFdNQYvMZRxulMCC0w3QfBoCvHmqExZJCkz5qpdSf7qZaVF1M9KiO4u0JviEJTOKBJSh/kCPlYWBZLPa3lFei4OtK//AHUxKjs6SWv8xUGOP8xdreHzkgAAzFDC1JUVXLspKeRT2F74hy400JuxPL1EtR/qokgp+RctRSpxb5aaiTllKA88HR8M4mNQnwpctloDqnLUJj9Kkinmx8t4zHEOAaiYtSilIv8AKFpQkB3opsWN7e0W8J169GDRpmU+VALF9rlh7PAl1KSTNtpeKLTKMslAEkgTpqgoJbKsOSGY0+TwZwri+iWBKXNWZUwCWiaQoJKxcyxMWVMCCWTjIe4EZfVfEp1SUpnBctKmqKUBIUC4KVAEVgi14onfEhWhSFuSFACZSqYV2IB/qOEgBrFm2BvCbwXR9B4vwXTSUpl+PqEeKkpdMxCqUtmnw232vY3hMrT6BMrwxqlz5rMkKTUpSrsKSB3sCMZ64jVccpKUzUIKQoH5VPYD8QITQ7ukC4y7mHWq49qJVMyejwZKmY0ByWsMVJB8hi0UpfRNFyEzNChEnwFTKn+WWpSbtzOQyckXOBeDV8Fnz1qVMUhFgQCXU7M5NwGsLE+kJkfGhWB4W3zoJZRD+xTjHXEMZnxNJMt3UGGDt2vE1FOw+izRzVmuTKdKpZHPMUA93pAQCSCN8X3gKTwhUolapqUAqcgOoqPZrOwa/X0jAp46sTlrSpgomNDp+PTZ5olBUxagwQwVsHOGA/3bQpfsPDVGlVq0PmcOwNvTlNvWOgeX8LkgFaiFEAkJXyjsKUkexjol8Tb0v9GPQCnI/rqSKUIcOqwfzV0GMsLGI67WzPEpUVJbooBiMggF/mcYzvBJoHMoqWpNwzkAG+AQXbr7Qp1QVMmkpINKalWAASGQ7khmw3kMtHDxu20Z9fJcqctq03V1YO4GcY6ONxlolpiVkElNlc1JDXNw+5BpbaK3BFCXCXVcsTuxINrBvrFqDdNRKkFwbkBrgkEEtsQ39wiqRNYCpCQlyEtbq481EX37x0hQLVBiBUWLvkt6hrbH6xE3kRTUopbGVMSGJzcDAy/mYC1OqZSqnd09hZqbDCrXZvIQpRTVg0GS1ipK81LC2UzNkp6Wqz0DQ00y+ZkqspJJq26OOzkW7wHq5nMWd0oQSA11khQ7i2xgfSldRUMtSHPUsVbOAxveMbvJIwE2uZbGLnGxtgliM9euZ6ZJUgPa1TYHMSoH+1i3sk9Q1GoolmpDNkfiDlQJB9APbMFytQKQhBStvlLgOybejMAXENNjUsiaVoShS6JkwEikkHOCTm/kfPyqRw66nmKLnuPpDpudJUXS7UklNmsoHoWsQXjtSQUMhQK02IJcGw329e5cb9UJp4Z0R5GCStKmW18DJVj3gPierCUKSlRqLOGJHXLX23tF06YhAPjBQLWCKnfp0HqbQkmzAsmmW42DqJH1z+cbukW22dI1Kz8g5mZ3O+xdTDzttveL5kxZVzgrLYpcjpcBlDyaLDo54lv4KkoBzQWfuTc5x5RKZwjUIV/ozAWd0Je3mhx6PDtk0QlT9Qg2SZZe3IEue9ofcP45rDy1IUwuSlRftZh9RC0aDUpDqRNSDklDHtsN+jnMGabQ6iYoJSioXdS0AI7hyM+g2i439k0aPhnF5zHxUi5/DSkXuXZRLwwRrFKNja1nSfL7wlRweehQMxUtIJwAk92JpDfn92krRFmVP0yM4dZ2uflvjBja62HVsOTIBS5AJ6DlB+sCTpUpBdMtlbMAS/aogRYpMoY1kv8A+GP/AOsEyBKb/wB0lfYIz/8AGow+yYdWKVzVgkiQtZ3Urw0/UPeBNTql1f1ErSTtUQlrWOAVfSHSZrq5RYPcpb6KKcjvE9TNARZRUTsJK7W3pJH1iq+xCCbpAuxJLj5SW+yXbzMAavQlIpMmsA/3EENj5hb3jRGepwEnuBR2xzEAHzMU6viLCki+4Uw+oUXhNKgTMlqEIUDVLWkDax/yYskaVCUOCzn8Za46D/MNkzFLNgkJA/uS6v094A1mjVgLYnDqCVeVi0ZNFdgHX8IQpjzEZsAfdrt3vCvj+gSqUlImE0l2eo/Vbe0PNCldTJm1EbFYPu6TV7wXNJBBmCWtT2bwwfMNSXhqgs+c8M0c0LJlVWcPTtFmq4bqFPUlZANw33AjefyYrTzWOEhKs7AqAY4xjrBS9JMY8pUDsacdiAT6Q+gdj59w/RacJqniYV35AClIuwdQB89swy4Hx0aNUzwZfKs3e6msyetIv9Y1Wn+FZkxzMTIQkb+KUn/kCkg4zEpnwxpU/NYqxhvRgxvuxg6MdmR1PxdMUokJIBNgEiPYbL4BMc0aSXMR+FYmDmScH5hs20exNS9MeBlWZbJU5JU98BLVBtyC6WJG22IA1upCiQmnsBdVzi7gHf0ivTTFGYJnNzKppBCiHYAOQwGAKrkub3hnrNRph4idRKdRNDpcKFylLFJZ6SBezWszDxoL9SRzr0ZrQBXMARWsFKVO4KQ7g5aouSTsk4ePNKsE0rV8r4sD+LLZcDb8ohp5yQoqILAOEkh1FrAs2xJPYNF8qWQklgRMIWXAKaRUlz/bc+j9o6p+ipeixJULqHRwLAMHDEi+B+2j2SgKTWqwF1FXm48zhmz2Dx7IlAkhkkIAADKKcuObJboLbWxBU0ciWerc1HlcBrZJZhdvIvENXj0RRKYpUxKqXeqoqYk4dTO72U297B4FlT6XBwh7JLqJIAdV23uQBgAmOk6wgEPSDkDJFVTerD2HeKWsouLfgTblfJcOQCftjZRS0GAudLcumyRYsEuCUpUphbBL2wA8cvVolgeGVBRJYAgdAl9yAX3awPeF6NYStdygqqpYOxIUHvtSSO8U6ycDNUpilPzBgGDkKYf7Q9h2ilAEjb8F4cZ4SAoWa6rH5A6nL8pKWDPuYIk6OWokFXKCUpIKg1TvYJDhmyLP1hLw6aEkh2IF+ocdAHNmtBM0pWoOSHAdlE332LEHFnsIUZJZLTXg0snhEshlJlOQedEoW8wSS7HN/WLpHB0FIEymlBfxAkBRODYg4D3HYQg4YAgmqYTsOzvv7Q40WvKXCFhs3LeW+THoQ5YywjRMlxeVK8FdKhPSm3hhUt7sGCEl73OQzEsITibJS4TLWCzAOVEhr3AYbhr2HeDZyAogpADvVkC99j3Nhm8Hp0UuZLmUzHKrMhBUwz8wUKb9Oh8o3oYv02qBdpRZKfmUEXaz7LB8ssGHUjgfhSkNSSliyColIqN6kksd/s8Xaf4R1KAueJslQSKgOYFkgmmljsBucwi4OEqlhU2aT4l6EIJ+bArd4LyA3kzEMmVLJAAZk1KIbqQ7e8FI0FZBKQo92Ib1tFJ06JIH9GbLQA4dBAueqknpj9IX6/iaXYGkkClT/iOAQGN7di8C+wG2q0icBwQXsyX8myImmWq4pIHmTt9LARCibLpqkqKVB7u7G5zcdhB8zSTJgCpSt2pslQ6EvanEUkhEJOhSWImJ7hwD5XMe6nhkgMSzm3ylZJY7OxtvFiuB6oIC1AuCRSllEbu2/oTEtBwPUTEVKloTSSwNQVbBpIa57/4WAoSapOlqZSgn/iEjoxAEVJlSRZE5Ie1mG/W0Gan4XlTJikzpeoUssSlCqW90EEHq8FSP4baPUB0TNXLaxQoixSz/ADJ37FrmB48BQi4nMlyZS1GfMIGyGqY4NVyQe0Z/TarSzqlAzFEC4UpALk/LdDuACfSPqWm/hppkUAzJywklwspKVAgikgJFv0vFvD/4a6GXJMoyytRd5pJEy7jIbAtfYXeIk0wo+dSJOkrMlQKVjIKg175BCSGNiMgw90/BQof01BIbZv0v5xPX/wAKpxChLnyhsh0kcow7Ox8vpF/CP4eamSUgTkpln50pclLCwGy3a5YXJPaGmhUB/wDpDLbxUkn/AHKT+X+Iv/8ATky/9SalB8kqJ9aWjOajiAGqn+GFBMsiWKlE2T80wuLKUo5DABrDMPZfF+QL5SW3bp1zFpofUhP1CKChCwTsbAP/AMQG9iIz+j0xWtpiVAu9rb9uW97gC+WjyZ8Sj+ZQRQseImpLZDgKFhu+esfcDKEoBMqWhKewb7ZP6wOSbE0ZjScL0hQk/wArqBYWSZhFrBjUHjoa6v4loWU+GS3f9AY6Cpf1iwfD5mtTZJWolXJcOLuxbD99rQi1Or8Va1mUkuSVEEg3YVBz1exexaPY6PH4YpZIiqYNw8eJPQkgc+erZJfy+wh5p9I6QAhVIqZyFDDsEuATzAOq33jo6K5XSCTImeDQhlG4N1bApBtYD8NgALqMUr1Ezm8U1lxfFwTcs12J9h3jyOiE8fuRdAQWCtQpBdyGKgaQSl8s72wd/VjoNEVzJTmlC5glmwJNRAbdgxb0726Oi/KH5F6UeICUEggKUpJABAAuQUliA6Sxv5wVp5aHMyYRUlCXUQSWqABLbu3eOjocvRQalYllSVJpUAQq4L0mzEDu4xtBGnmJblVc3AbIf5mIZ+1o9jozkkgSGmjkzVKYCvBawDOO9rEWh9wz4bmTmQpIQVuUL5CEhJD2Bd8/Tzjo6Oz8eCSLiqJ8X4dK0NPjz5s2YoZlpADv81KiwACk2Bc362jLQpfPLUG3sQoA75F7Hc/aOjo6bzRp4NVwxWrt/TcYJqTdiz3Vmxi3h+rQJpoloSonmISkLvcuQN46Oi1kk06FpWDuDYg/UXhFqfhDSmYmZSQUqBAylwQQw2YjaOjojTKL9YZE0+FU0xikfOBdssz3ALu9oUzETdJLqXqisvfkck7XffeOjopDaM3xb+IQlzmCllZ5SjCAetku/kd4Yaf43qmolrrBWlQBQQACA9woG+WPaPY6EmFGg03H5SqU+JNBFy4BJBexIDDIxDuTqQoOklQPp946Og2ElRMagRhv4nfHP8jKSiSSZ816SRZCUtUu4ubpAHd9o6Oh0iT5Rw/4q1kybWZ0wku7rU3XANh5RvNB8ZauUxcTEHZV2+xw/wCkeR0FgT4LwbR69c/wVTZE+omdLJK0GouVgm7Fwyag3SKtf/CeaCyNUoyyWZLpp9CSCH2ePY6JewGfw7/DXTybTpRmTAokTq+wAFNuj3BuTeN9qkEhqs2/dnEeR0NbEKjwPSiykknckqeOjo6NEiT/2Q=="/>
-          <p:cNvSpPr>
-            <a:spLocks noChangeAspect="1" noChangeArrowheads="1"/>
-          </p:cNvSpPr>
-          <p:nvPr/>
-        </p:nvSpPr>
-        <p:spPr bwMode="auto">
-          <a:xfrm>
-            <a:off x="168275" y="-144463"/>
-            <a:ext cx="304800" cy="304801"/>
-          </a:xfrm>
-          <a:prstGeom prst="rect">
-            <a:avLst/>
-          </a:prstGeom>
-          <a:noFill/>
-        </p:spPr>
-        <p:txBody>
-          <a:bodyPr vert="horz" wrap="square" lIns="91440" tIns="45720" rIns="91440" bIns="45720" numCol="1" anchor="t" anchorCtr="0" compatLnSpc="1">
-            <a:prstTxWarp prst="textNoShape">
-              <a:avLst/>
-            </a:prstTxWarp>
-          </a:bodyPr>
-          <a:lstStyle/>
-          <a:p>
-            <a:endParaRPr lang="ko-KR" altLang="en-US"/>
-          </a:p>
-        </p:txBody>
-      </p:sp>
-      <p:pic>
-        <p:nvPicPr>
-          <p:cNvPr id="24584" name="Picture 8" descr="Living Streams Mission"/>
-          <p:cNvPicPr>
-            <a:picLocks noChangeAspect="1" noChangeArrowheads="1"/>
-          </p:cNvPicPr>
-          <p:nvPr/>
-        </p:nvPicPr>
-        <p:blipFill>
-          <a:blip r:embed="rId3" cstate="print"/>
-          <a:srcRect/>
-          <a:stretch>
-            <a:fillRect/>
-          </a:stretch>
-        </p:blipFill>
-        <p:spPr bwMode="auto">
-          <a:xfrm>
-            <a:off x="4788024" y="2636912"/>
-            <a:ext cx="3528392" cy="3528392"/>
-          </a:xfrm>
-          <a:prstGeom prst="rect">
-            <a:avLst/>
-          </a:prstGeom>
-          <a:noFill/>
-        </p:spPr>
-      </p:pic>
+            <a:r>
+              <a:rPr lang="en-US" altLang="ko-KR" dirty="0" smtClean="0"/>
+              <a:t>COMPOSITION &amp; DELEGATION</a:t>
+            </a:r>
+            <a:endParaRPr lang="ko-KR" altLang="en-US" dirty="0"/>
+          </a:p>
+        </p:txBody>
+      </p:sp>
     </p:spTree>
   </p:cSld>
   <p:clrMapOvr>
@@ -4553,8 +5256,24 @@
           <a:lstStyle/>
           <a:p>
             <a:r>
+              <a:rPr lang="en-US" altLang="ko-KR" sz="2400" dirty="0" smtClean="0"/>
+              <a:t>Define</a:t>
+            </a:r>
+            <a:r>
               <a:rPr lang="en-US" altLang="ko-KR" dirty="0" smtClean="0"/>
-              <a:t>S1 External Delegation</a:t>
+              <a:t> API</a:t>
+            </a:r>
+            <a:r>
+              <a:rPr lang="ko-KR" altLang="en-US" dirty="0" smtClean="0"/>
+              <a:t>에서 </a:t>
+            </a:r>
+            <a:r>
+              <a:rPr lang="en-US" altLang="ko-KR" dirty="0" smtClean="0"/>
+              <a:t>Stream</a:t>
+            </a:r>
+            <a:r>
+              <a:rPr lang="ko-KR" altLang="en-US" dirty="0" smtClean="0"/>
+              <a:t>으로</a:t>
             </a:r>
             <a:endParaRPr lang="ko-KR" altLang="en-US" dirty="0"/>
           </a:p>
@@ -4575,10 +5294,122 @@
           <a:bodyPr/>
           <a:lstStyle/>
           <a:p>
+            <a:endParaRPr lang="ko-KR" altLang="en-US" dirty="0"/>
+          </a:p>
+        </p:txBody>
+      </p:sp>
+      <p:pic>
+        <p:nvPicPr>
+          <p:cNvPr id="24578" name="Picture 2" descr="http://pds13.egloos.com/pds/200906/23/05/b0050805_4a3fd3f1869d5.jpg"/>
+          <p:cNvPicPr>
+            <a:picLocks noChangeAspect="1" noChangeArrowheads="1"/>
+          </p:cNvPicPr>
+          <p:nvPr/>
+        </p:nvPicPr>
+        <p:blipFill>
+          <a:blip r:embed="rId2" cstate="print"/>
+          <a:srcRect/>
+          <a:stretch>
+            <a:fillRect/>
+          </a:stretch>
+        </p:blipFill>
+        <p:spPr bwMode="auto">
+          <a:xfrm>
+            <a:off x="827584" y="2636912"/>
+            <a:ext cx="3240360" cy="3528392"/>
+          </a:xfrm>
+          <a:prstGeom prst="rect">
+            <a:avLst/>
+          </a:prstGeom>
+          <a:noFill/>
+        </p:spPr>
+      </p:pic>
+      <p:sp>
+        <p:nvSpPr>
+          <p:cNvPr id="24580" name="AutoShape 4" descr="data:image/jpeg;base64,/9j/4AAQSkZJRgABAQAAAQABAAD/2wCEAAkGBxQTEhUUEhQVFhUXGRsbGBgYGRoaGhwfGhoYGhoYHhwdHyggHBolHBoYIjIhJSorLi4uHB8zODMsNygtLisBCgoKDg0OGxAQGy8kHyQsLCwsLCwsLCwsLCwsLCwsLCwsLCwsLCwsLCwsLCwsLCwsLCwsLCwsLCwsLCwsLCwsLP/AABEIALcBEwMBIgACEQEDEQH/xAAbAAACAwEBAQAAAAAAAAAAAAAEBQIDBgABB//EAD8QAAECBQIEBAQEBQQBAwUAAAECEQADEiExBEEFIlFhE3GBkQYyobFCwdHwBxQjUuEzYoLxchU0khYkQ6Kj/8QAGQEAAwEBAQAAAAAAAAAAAAAAAAECAwQF/8QAJxEAAgICAgICAQQDAAAAAAAAAAECESExAxJBURNhBCJxsfCBkaH/2gAMAwEAAhEDEQA/APmWg09TKxnH2xDCXqKWGb7h29sHvmEmg1xlqIIdKtrjtkEbQylcXSqykqAsBSASO1yD9Y5ZKV/RGS7V6oVFKWYZKhUT2JN/XtAspctZCVoJP9yS+cNf6QSQkEKJJLNYi+HUUvy+QglOpSAHBCVOAxBVYF2sHG2HiLS0BmJ8koWUqs2Xt9+zRbLnsM3HqY0mo4f4stVJRgEWdQbLkAkJYN0L4tCHVcKmoKiEqIG4Bxh/16RtGcZD2cjVuygBVjLWz7e8BnWqKyoZ3B5vv9otSkKvu/e3Q9o9mSQNmPX9OsVSQE+Gzg5qFtxiLZwShQKHIIcPFOkkOcsXBc4hueYCp1NfAINmHcKDxlNpMllEhSSF2cqAfffItYmPONaFSUpDMDR1vUmoFiAcEZ3EXoWhixZh0IJvh8PE9XrTMQgKY0thPMGJpvuz+VoqEhpmd8Ig3a+L/eLZ5DB6fytF/EADzJBqdmb1d+n6wFqpRBA7P73MabyMskkVBg32fqD0goTKS7wNpZbg7FmfzxFqEFIY+cJ0InqtYFEG4ItYCLHUSWJ739m+kQRIqHK1rt2vu0F6dRI2YC4SSTf6/vzgpJCA9RKW6iQWb5mz394C1b2Jh8aSkBxixyLjJ77vAqkJSnD3u58/8w1IBSlTFxFiVQbN06VjlSyhhhY9vPvAKVsWUMehik7GM9BqSkuHfYm4hrX4lyq5Bfq+H7beghDpqTtjzg+QRhz++0Q0A1ky25lM53s1WPJt/fyj2dJQNy7N9SzW7en2DUpwUlLXBx53y7N5xJOkJYKLD8IcF9s7HH7DQsjYV4GCCD1YG3mf16wv1OoCT8oPc9+28FywZYa1xvdLC+0I1TklZKrdGc79CfvExVvJDQepyiooSU5+VLfvvAkxAN5YbqBcdPSGMvS8wUGIZqgQw7ZwxgbxUBakjZsPf/ECl6CienlEp5SAdwbH2hjLWQBUmotn9N4UCeSrBi+WpQLMVd7/AJYilJywyGhinUKUCH3s/wC/1gdWmVchIbzAESWEkAsoKHT6jtEpptcEdC7t+n6mH3fgN7AVLIO3uI6L0z5ff3b846L7v0IXq0RCySgBKg7l2b1IZ4no5KSWdIA7A23YP5YhtO0wmylitXKApm/CSXp6jqO4aE2o1FIoAcjNkgdrJF7ef5Rg02buxqieJQsEFJwSliXN2UfJgSGziCJfhkGgzUlx8zFugJq+/eM4dabpUQoZDBm2JS1tob6KW6Bs7Fi5swZwXyC7HaM5cdZFQUrUmUQtagoWNTG127m7JxZ/KPZmsrSJiUKWDYGWfl6G1wLYamO0pLFNQSkjCRTc70psGPTo9oI089SQoKWZibClTpIFnu7KFsFzGbS/yAhVwYXeeEq6Ku74YhVNwdyLgwoTKVV4YKX6BSSmzk3do1y0SU1KTKLWNUtYd97P1OXsO7iI6KZIJPzLu/MHCTtgMR3JOOsarllTdDM4uRMSxWlSXJuoM7dINkzFFIY3Bzb99I1nipVY0K2KSAoi4vcBkhtx7wFK4fKqUAhDli6VLcXBFgm3n+sZrnvaEZd+YknOSWyNvOCwpCVfhYnbtt7tFvGOCJcqlK5XdjvchxdwkDcwr1KWlSyQxvh+zdnaN41KOB0EzgCHS4I7n0iiUsqJCmOcRPSzRTsfNvaLJYSFJ5Rc4GPJoE3omweamkKADEfbP7MAzZ7kdO3fMOuP2mkhmXLQQBZuVA/I+4hQvTC1j9h+UapJDC5ZDhiMj6bjvF8p0FwrJJsHF8Pj6wvEropL9HLd4vlKKLKHKc2dvVt/OChB80JJJYCz2fB7dre8C6ehiFKserEebbRXoZzPuN7nbeKkavPXycefm/SF1CgqZJOAfqL9OvtC+ekhRqIJ3gqdOIWNgQGvbDRWtKlk7tDWBnaZ3cW7w40S1KDsCQcu0KNMCLWP5Q+0w5Qyh/4PfvaFMCuXMuHfIt57P1gjVSSQkJVYOzh2FvzivUMQAGSrvjIckmJpJCQhTNk5He5y36Ri5O0Ns7xylLVEpZ8keob7QF/KCp+UkXZixfy3i9ySO13A/OL9TrE2LTC21QZ2Z2Ad/wBIOzWiaKRpyn8IAIzYnHv7gQPrEIF0O+CCR9OuIs0urCV3elVrhm8mwb7doKks9kkkj+0AeV/S1oTk1sADh8pKyXUUq2DAv03G8OJCWQBhQcpUSxy1w13xd4hKVLQGsCcgF87WdvQ9OkQmzUpDgODkuQw6Wznu14ybcmCQfLClbgs25TttYRXOpIL0h+oZ+9mvno7wFKU5LKcDLkkjtfL2vF386AKGCkixexybsU+jjtCad4AlKAYf00nuMfUx0QVNlgmyzfIQT9XjyFl+/wDoiMjVUBSkqUkhhYBrhQ9PxfswkQmupnBpIvcEBzbcFwB0ucRoE6NS/wCmA4LAEMLodV83Pf8AOFulplTEmp03sSwa972Gziwf6dl2bLIo4coJUVqwlJ2cEqsAR0yfSJjiJBJrVcueQD61GHUyTJCh4SWSRVcBT+QUOVhV3tZnAiPgSFKSQgJUE8zFJSrDuFPdr7HJL71aCgOTrKmdRJFg52e2ft5QVI4iQeZAUk2sGzuWyLY7doqm8OQPlu5cEe+AGx9ouk6MhO5zkdGLkNvGMlHyQ0Up1NNVmF6SEgkWcJc/hBc9XeF0vXeGSFywognnv4lzgkkg4Zm6w7XLZ8E+o+g/KF/F9AVCpI3OL5v+sWut0AVJ4ymkqRSkjAulQ/5fKdva9oN0WvUwXW2yh2u2QS3kR0O0ZBEhT0kEEHBzDHTqUnGcdNoznwrwKhnr5/iKExBNSVC/y5DP3/zAeplVVp7uGAAtbAsPSCUS6krSblrM+wx7H7wJq57LUQLFIIY2ZQDj3eLjFpDp0XaPSMCKSb3x5WiqfLpSshxSxHqab9DeLOFlRLHB9gep9YcIl+Lp51uZcs9g6VBaS29zjt2gTblTJWxFxCoLAXT8rP8AUC+zEQHPWUsDeLdczoLuCkd8MOvaIaoMkgG72HXv6Ro9jeytEtrhXsP1xFkrVVKYszN1Bzd9ookyxhdV+jDv6x6qygWU42s/XbtDAJkSKTlwXYF+rF7d4pnyaTez939HiyddIWklnuknB7R4lYpZtv3+UStiPQgGyvpF8qWz0pLjfJ9unpEJBS1yHB3+0EeNTcAE4e+/cK+ttoGMuMhwxTkZwQ3Sz/4glASAAAQBsb9L5YHygeXxBTEMc4BDeTkwcSooD9O1zvcbsHt3jJt+RaBFKu9s7vFoJKXBBszh2v6XHeAUzEkigdXe+De36f8AdiJjKySHuH28+kJjsJlpKaSfld3H3BLWb/qKtQCU2Nmc33De4iE6aAfxUi+bAHZvOOmTQbJDdn6Wz7Q6vIC+Ss1PURsD0xZ+kNdFMUoNUGZzjvn9vACg6j0He+GgiR84AdgGt9LekEgYbOl7k3zgHd/TGBFc2cR+Im2C7bbg3zBH8szKBSSQGfz2JBH/AFAMyYon+0ja592JiEI5FL3DKYMxa7m/aLdOoAKJO+7KLMGA6CKZD3rqwxLPi17NF6UIY5UTdiPs3k7MIJfYFS9QkH5j7R0CqVLJf7EgR0VUfTANlawuKVKIFnLEO3YjtmCJ6UqIoUSVPy0sl7Wdg2+PPvAyZktACVAuDzWcOABgls2Y3zaCdJq0rcqCUquKmTckl2Ti6X+YflCTp3QotJi8z1Jmf01Fk4IwoM3cM2xAzeNaZUqmQaEpExNwlgSUs7EM3MN9vUQBK8JKapkqsJILMlDD8RFBubd/0mEmdNQPETSlANRZApAJDHBfqQ75a8W3eUbp4wDT5UuStVSVVXLGmwIcEt+I5t1EBJ4jRMNSRSNsev5RpdZqAVJJCEsf6lP9T5hSakgZ5SXvtGX4rpUJWQg1U4U1jl7X6ExkkpbJlCsh38ymYHQGvnyPRmNmt5vtFEvUqUopqILs2Ekueg3HUe0LUKUkcvMBcWu+Mbj7QRJVUk8oD9N8GBQyRQTqtGkgOEqY4CmUDe1r4839GHkzQpMylje4d3BADdLekS0oUZalKcpBu+eY2L9Rb3PnENNrUzCCgEFDMFXLWSQ+9usWoyTyMlIXSQXAegjuSC/swhVxFLgsCCCWfspVvaG3EEOrlIypsMxIUB7ECAzLDkXIN8Oxu/2jZtbKwCcPmbH/ADGl4CsCYA4ICg5vuCj2/qfSE+h0Q8SlmNQD7dM9y0T1Oq8Ocz3BGRmwIxs7Y6RCebROgLWacJmLl/2lSR2Dn8orlyC2bjr36RfxGUkmsK5lZ7kufS/tAsucoGknMF9sol5KtYggfJ26fu8QIsC1xvd7QVq0kp5qb3D52JAHpFUw1oGxGRt2P+IpPCApE00gA2e464/T6xWoEKItaC0aJRQ4p7upmybXvaCTpAQ5cHflKreYt+zD7JMZTo0uX5Xfdm//AGtDAIyVAK7hPvtd+oMCy9CBh1DtyuQx3JLN0HrBdUtCv9JyDc1t6XVcYt/gRnJ+hEpsskOOVrMGawZy1wT5vA+lMwFVuUk3Kr2u1y/r7QxWtCvlWuW/Qly2wGOuPaATLS7lQKhZ7+hd+jXEQpWtBZKZolKU4JBLjmYFyRi3TcRetCksLEjsLGxDEdrfuwE7m+YubMKi31wO+HMEq04TzAmki9yTj/OYHikAMtaiWbINhc46xakFg1Pr6WtiOUU/3BvR9oEWlvxcpcdcHN8RYFktKlKNiOvX92g2RIFgKgf/ABd/z37wp05Ivu/7LQfp5KiXcOO7e+IU19gyU+QEk1rIUHqA+YbN19w8QkyEm4VU2xt73t9oK1as1KS7M4v98MwEBlaAr5SSbG5IOWwQH994lNsC5M5KVUpKQS73SQc2ubeTRZpZKS7AE70Z6N39RFCZqlOHBuQAQxa4YE9enl3gjRIeyRSX6szj2f6+cKTpADTNAhy5U/8AxjoLGhmG60rKt+dvKz9I6F8v2Kxf/LVGkTAxOCFAf5II/wC49ToCF0FSFF3sT8wzViwBVhsx5P1ACk05ZypzgA4f2t6QbwilJYl1KsCnBd3Dtu+DFttKxhcvUKCbAMGFrv5qxdh16x4mVUHANLkeZ3HV8WvFHFNQboNhhmYuLM2bRbpFqMlfKQErT3DEEYBy4H0iOvktLwWTZSiHcqaz3thh3a4x9IvQymClE/2kcpAIH4tgd2aCpGvkpFFKgozHCnIZJf5tqmYuAcQVrlGkL5VhZICuQBRGflDYKeuM9BppWgrzZnZukKVkso0m9nt1x9epiIlghg3R26Xe1vtDHXSlIUSCCkgFw9uofDi/7tHko1C6gSAHcX3Lt81jvA72ALpp5TLm3wkunL0lx9ngDSFnpSBu3Y3v6vDydoipJBe5S+7A2JCsvfBBDQt02nUhZC7MVJfqElumaVEt2jZfrQE0IslyXIcjaxY58x9YWaxRlzVAg9QfMAkB9rt6Q00esCiAWSU2xa+fPA94az+HomSuYhw5c3Ziohmzj2gjTbQCjTTCwUnC2S+wPzDyemAuMJHjVk36HffHtGkl6elKCU1ispsC/Kqwtuf16iEWqV4hUprm4HQbDzb7QnUdBQLOncoKgWw4Zw0Aia4f8vV7Qw4ZKRM5V5yC56Ndtrxo+GaGQg0lAYuFEkk9A17HMT3jHD2RaWzMCaJiWJDNYsPvvBHD5Aalqhm/qfTaHK+GSitRSLE79Rkt3cbNmPF6ZKEgJGHc/ivv5RnPljVIhv0VytKlKTyBLkeR2DfSJfy6FBylSR1YsN26VZt5RNWmBSCoqBsQbt7bRROUSQCoMC5HZgf8xlHdti7Ac6Sm9MyYCOod3zlny1oCk2XzJCwdqmLdzgfk0Mp8+mre1j9/c/aA0alJDlI327ks/tHTFspSZPW6lC6vmQ72VdTXs7dPKAfDuAFBrN+sWqnBWRZzb9+cV6lY5WsXDHtDQ0wkyQ7Egm7+sFypZOVMkpAHt9YoUQbgj93iwLLXx/n9Iydsjsya5QYsXO73Ofs0K5stVVKDY4sbsWZvaGasnYPvv3jpYciwsfXp7Zik6RSYtl6VaQCtIa/ne2I7UqJ5UEJe1nHnbN7QyKcktUfW9rYsbwPqKRdg539Dt1/Qw+zbDtk5QQlKQpyTZwAPcOYomGX+lB+pew+sCrAALFwbM3d28niiXKd7sBt1PRotIpB0tRCgSynFxj/qGkuaEoFSBSbNY+eS7DtCCTMJa940ellooCFTDjyyfpnrGXLS2KRYeIo2m22a33Lx0enh0obkehMdGNQ+yTJSUm93fuAd9od8P1lJBBDjqANsfsZhDptU9ld/L/B7iDJSWUC7kbFgr1tcx2yTZY81lZWFLAqVupiPcdvW0W6UkeIhRSHcHe4I/Q97RRL1gUCCf+Iu7jN7AW+0V6qe5CXVs6u2acYEYU6p7DsO9GFALCF/OhnSBfsXNxnDbQLpStDBHPKU5I+Wp7KBvZiA/cekVhRCSQtQLgJAAydmZ8Pvt7Wajh00UJUFBSiCL2q645SA4JfeCClWyop+A/g8mpKkTAXF2LuxudrhjnFxEpvC1eImkVhOUhkk7fN5CJcTWRSJWollSCCWWoAMLggO5NIu/pB+hk6yelS5SJVlCpl1E2yybhwd/OOiMG1RbVbKeH6YdWNxcEEeY2Icj0MV6zRy5VSydwsnI5iUqT6DbvB5+Hp4nKSqcgroSSBNBZwcJYKIeoPf6Rbr/hTUGYB4c5aaTyeMUVEl2SVIZrB3Uds3hx4pRC4mGkSqJ8xk1JLqAAux2Hl+UaY8O8VQlTCqWpIqDBICqhSfMi0UfEXA5mgp1EzTqQhZYgzEzGUbm6QkgKvc/nAKvjZLAeCMMymUns/yse94fRXbKVbHc74WmlNMvUlIckApfLuLENn97DaX4NS4ROmqNP8AaCkL5ereQ6uOhgbg3xVKDpUpn/CEOnyc7d3i3jPFRcSwQOjNchzf1xE8jjFYRPI14OlaGTLJEtBdIAJfIvkMA92w8RlLQQoF6zcdM9evMPdt4zydTMuT1CnvdQIZ+u/t3uXw1BSCknYEdH2GfTzjh5IPbeTmcW8sZIl0AAeZLF33yzWO94qm6k1ClLvd/Ipf994ZaOaFFyXG/nsfLF2g2VwqWC4IyAXDEWfGCM3EZRf1kaiJ1Ti3ylwA4fLdvK0AafTqBu4Llxk4OSOwfteNRqdHo0iYFzJ9Us8yglJQs2ICSHpDKu7tE5kmQUIVKIUkpJUUqqpcMxyz3xaNpcU4xckDgzIanTpIU1nCh6Wt6C7wBreGAgUYdgc4Ci7eaW9Y1E3hYuC1yPMi5Jj3RyUygalOHJYhrEG1/wBvChyusZHGMjFHSrDOAysZ6O+Ggz/0awpUSoh2a+2O4Yjvm0aDWCVNYoKXYi9ti1+mz9YqUpKOcllCxIvkdPQj2jX5XWhyTQm0egUsXDUvVg9GLgtktBLGptwfc/hH5evlDU6pCgpIG1j38hnBgSdLUlVKaetnycnsMRkuW9oybKJ08JAIHygNm7ksT7fXozgz9aFDlBBuHsbXHTN41qtEFg1MLAiwyEm/m57QvkcFQCCMG92bb8+kNc0PI4tGb15Ulg/OzkWs4sPNhf0hfOnKJuXJ79Q8aDiPDVKmLLZPJ1U5AAYmzRPhfw8HPiYYMn1YZ2eNlywUbZr2ikZ3TywVczsLqwLDLdz+cCzFEKVZnJt5xspvw8KCyikEgORs6ifMlx7Qum/DzBz/AHW3fL/v9lx/I42CnEzslBMPtLLsyiW9opRw9TgBJbZvKGUrSswYv5E/T1h8nImNs8TJS3+qoeQLR0FJ4Wvor0SW9LYjoyv7/gLkYSRmLAM9RDHiXD6VkJFhZsNv5uxEcJVNhi2732cdL+lo61NPKFdhXBNIZpuWIBIe9X+0fp2hyv4Y1ZSVBCS1ya0A4fcj6xXwwpSwCQQLksxCgHAfdhdu/W8OVcTnJB8NNSncJWlZCnwQUjO4B9rPEbY0rEcnSgLpmhdQCWSTQQ+LlJ3tcN3jbcP4MJNKltOdwEzKuV2uCHdwAL+btGI43xCbqQAsICkYZRLNc5Dm4f0h7w7i+qShCT4VkgBhO5qWH4U5xFx40XH9Ix45wRIUJklFg5mSmckAO6FAuM33Y2w0Mv4VaDSEFJmqGo+VNToUpIuaRcK/8gQW2a590ug1OrC5ZJQlQYvKmkg5PzlO3s8aT4X+ATpl+IJqfWXzWy5Cm7Y+8axi0wlKxwfgHTKWla3VTgEJIv8AM7guCGDdgch4ernS9OlKSWFkjrYFgAMlgcCMxxD+IEqRNVKIXNILBQoAN2IHcG3pBOl+N5M2oMEkFg6gQXfBSD+zF5YvB8Z/iL8cz5+smITOpkJJEtNICSkhqjUHKiKkkHu0Y7h3CJmomlEooNiokEBIAzYnrsI+x/E+tkKKiuQhVAJUpwpKQNyoAADfcxnlfD65xHhyEprD0PzMzvcA7DGXHlCcRJiL4Z4ShEtU8zeel0crD25jcYJpv1gPX65JcBIAdRBAAN/fZh5QXxicUpTKxRamkpcZCi+T3Iu77wlkIWpYKElRcbGnuScNHJJdpD2GyApgVvk2Nz7dX+0XHU81gbdfp5eUR/lpnMV2Lub2L9HGN4BTOdTADY+z52/7jNwyx9BnK4gUrYPu/v6Q80mtJUASxd7iw3Ho/wCUZrQoIU69r9d/v2g+fMNplyAcdBs/727xhOCvBHQ0ElCCVKUlJJcso1B1MTYOwYYxftBfBtEJahTLlmXXWuoKNgAClgCGNvtGZlapfMuoMoFh7Pf29os0HHQSxCz2SWbbbtB35Iu4hTH/ABfR+IolAYbBOCOzmz2gDiHBVzXCVJDZ5jbza7/vrD7QJrEtS0pAIBdRN3HQO+2NjGhlcAEwy1I1EuWAa1hMtVK3DJLFTVp6t0taDhi3bayXk+c6PgEtS0p8Vf8AvXTX2slAe3rmCeIy9OE//beNMSkqdSkMlSpdyEhgogG18Xu4jS8RpkzVSpCEpmgh5niGhiU/M9lODveKJPw/O1izMKvDobnR/o/MXSgElRO5INL9Xjo6Jp28h1bMrwyklKvCILkqFTDr8pHfD7wQlElagSpYWBZLMCC71F+l7b7w21Onmy54kpSmcVEJFIKXclmSVG4DXJ77RbxbhGu06pZXIQiTU6igoJdmS7HMYPju5IUuNrYCdQMABvyY/m8R8KoMDzH7Zv8Af0i5ksASoqu7kNc7eg67mBJa0BRKVVEvZn9f/G/ZvtyKOTFLOSyZpCn5QC2+w6h85irThZS8wU2NJz0/znpE9RxakAhKQRckA3LDv9vOKdZxNLAr3BFI93J9j5t5xU1WFkTS8HqtUzgBugxgsc+TRcsVDAft6v2jPaqaFFIT0Y1G3+MPDvhUhVJUsGkf2qF2d7gFtu0P4qVlKCK9Ohd/EDh/I5H06esXp0oCqgkAdHL+nT9+pAnpTUXK0sLlLmxccwN7HoMRMT5RQSlYCwHCFBrGxALvUzWbaJUJ9qoFB3RR452ZvX8rPHsL58wEvfbBtjzjov4y/jRmkSLlKlAgJFx0s9+tjEpHCzPBKFBLHBdg5LHyv39IPVLDqpYhiCl8EpJF9lAte+cQ34bw4ylgAuwJKhexZ+wd/p1jrjJJ2yItXkU/+kTJZFZtuUpqSTu5JAeNBM4fLMv+nNKZwIvMFj1dSXpHa79bPD6TMluyVJc5YvuHt17QNxHgdaKkEJV0whQucNyq74t6jorzE2SFmn4cqW8xKwZxPzSVynL7lKpjkPchIByLxLTa+eqoJkGaQCCumgpVcFrs4/23tdjaEOpUsqpFTjuwB72f6QPpddr0KUypi1FVkorLvggUgt9QMgRfFyNopqL0bfh/G1yVganVJQG+VZ5uzOHIzcNiHE/4p1M1jop0lUkGlXiy1MSdgtw4wOWrO7QDw34X/nNFMHEGkzS3hmvxJiQHUSqkNclmueW/SM7wr+HGvSVpkztMqWbLQtU1KFhrgjw/qCDGymiOp9ATw3SzDVOloVOAFRTdNnwV3Acm0L9WsSUqUjSyppDmkSZZmFXQBnq+zEw0/wDo+YhUgImf/jT4qSpRTUigFSSQ5dxnp3jQcE4HMkrUtU4KfACWGTl3PTDbw7JpmT+HOOFYMuZoaFgXSZKSLYBpxkHEUcV+OZsuyJbAlSagAgBn7E7Pj3jZafw0TVTFTApRLCkY89zt7x86+Kf4hyxqZ+n8JEvw1UuoFMxeCTYPSTcDBDF2MFoYt4zoBrlpnz1zHppdqXFyLEOGJ6bQv0UsSgyvnAYEgeyWAAHlBMrj/ioqQpCU/wB4yBhmJIF4z/HOMKCS05KiPlFiQbYbctmM2vJadF3xBxQJICQxYVOGsb2OH/S8Z6QhyTXTVjq+X+kQ0mhnT2KUquTcgs+5frmHOn+H1hJTMAJSC1w+b2PQ+zRlIpC2UUi9yS5fzP8A3BKlEIZwytjluo7i8XzuAzEjmBGGSEkuOtX0br5mHnw0dRZIQnw1FJT4xBQFguFEMTZntfBEQ45GmloA0HC6kFSiQgODgkEgEODcAghj1aCdBwKWJjzJ0yXUwQpIFNRB5VJUy1A7Y9Y1vEZSZq6ZjFSVCoyVTU11AZ/qu4YAOIFlyNMmcvxkT9QAmlkIUUpCmJC6CxUWD1EvntGkeJIz0AajSapYWQyUSn/qTKkg4ZI5XKiLYbEOP4f8bV4cxSl8wISAW5R5HqX9oSK0ssT1rlz1TkklISUqDcpZMxApqbANg7WsYa+CrUBYl6jmls6lnxEp5QAglAZIuqxc3wYz+GKdopBvxP8AEE2ePDKEkAhQJQQTYj7/AJQpkcZUAQFNTakEDBNulugEL+FJ0xm+DPRqtRNqUCmSsJSDcKpSkIPh5PMoMLw0/ldMqe60ydMiWWpmErWpr4CqVA2Bd/xZzGE/xnN9nIhooXNM5CzKKRNFJrW5YPelm5mAbuGeGXE+KJMtKZi56sM5CX9ABi1h5PeKeI8V0X+npZoSQOfwkkJIBBLhYUKj1/7hpP0BmU1KTKFBqLpUukuyRjm39sxrHicY9YlpezFzfmUoWS+D3LgOPQRVxDSKUkeGp7MygpJd7Mp4bajToJKJSvFUCkC8xRK03KVyuW7EluYdWYGBuIhchjKElS1SwSC6VpwXAUS9lXAZma5hL8drIppPQFo+FS5Sh460zHv8wCQLu6FJaoGm7nG0Q43ICR4la1IJekJAdObUsL26bGCFajwqfGcKUQlKBzpyMrNkvbJG+0W66emQh5wUlBcEFxl2TcOzNd3jRxeE0EYuhP8AysmXzqnKp+V5aSuWlRSXStRFw2RY7w44dORul0kM6TUm4BI6mwwDaJ6eegylS/DolKDulCitz+NnqTYDLZ3eJcM4OlSioT5qENzTJ5uRtQklTu+LWvuHJcaeUs/3wJk9LLZTGWaQSQaSzC4cYYsesLeKaKWpRUjlyVBCZaUhzvlhvZskxopvDZbgya7fLUtRQWFiwLAHeEnEBOnrSmcgTCl7eITbBAsLF/ldoXT41QxIVI6D6foY6Claaajl8LUJZgwBIxZigUs17R0Zdfsin7O08sskGymUHPf5T5sGMHaDUEDnBSGJUSwNvlUCHHXdy/WFomOohbqJLgAA26EWcscQ00ZpZyoKSagCc/MXcnHMbGzDZo5rd59nLZXLnm5QGJZ+4SS7EXfy6ZEMeC6pSiSqYWcPlRa/KVCwwWB2G8Liy1ABQpUwPzZ5djfp5ekXKWmWCEM1PNsKgQxAyxFR9TGkOSssuMq2F8RkleqCpKglKkvMJS7KsBTtUbu9nS7O8a/gaKEBLl8PU79zYdYwej1CZawCQ5F3JZIu21+YNZ/oTD5fGKVcp5UhgPbu/wC26tpPkrLOr5FGJtJK0gl7BiXawPluIul6LkKwtLsS72Dulg2cNGKPFWS6iPw23Yly/dkkdb94aS+IJMtSlKFkskFuUhnPkahm7v2euPmTxRK5E2bfS8UC6HBqbBDA4cu+HGe0dxTWX8MKuU1KbZOwHVyD6A9Y+ZaTjs1MusrKbA0gsrrdywfHv1grQ8UmqHiqYlRZT4tYDyF28o2lzrqhwXZsfSlFc4BJKDVdwWsMl2u20OeJ8OkapHh6qUiel/xJDgsflLuktZ3HnGN4VqjMnLeZdCQwfAJuUhwHcJHb1h4jjcu9IIUk7lJ3u97+20L57zovoJ+L/AUtUtI0YQooJpk6hKTYB6AspdmwC4LXO8fL9Tply1rQZZlEK5kAFIBD2KRbcjyj7nqNaJn+msVWKQ5dxf0s4ud+8KpnG9NqEK8SZLEwZIpLsWZncKHUxS5E3TBwaVo+JitBBQpr5du3paLZOonAWWq5exOXf3+8fRk6fTqLy5sk+hsMWGP0t2ig8KRf/TWnIZRpb2vjfrGnS/Jn3MGjiM8AgrWcM61W9zDT4UElcw/zBWrK2NV1Om5UDtSCB1No1iuBS1sTKTY2KVXH1H6RTqfgykBUjJ7qJHZ2LbQfGw7ijjnEFAlOmS4Bdyp5gcMWUkE/L1Lnqd1/AviHwpixMQQCLuFqYggAhIurrzEecaEcDWHJUH35QSThnSRf0gJHDdQlRCkqX/bUbeft94TgxqZ5r+OpAI06gpBB8XxZahMWRS6nKQFeVvVoDM4TZaZUvXmU6Qo6dKFAkkgAcksJS5IsS2H7W6mVMrYpp7BTP7OIsRLK0KFdNQYvMZRxulMCC0w3QfBoCvHmqExZJCkz5qpdSf7qZaVF1M9KiO4u0JviEJTOKBJSh/kCPlYWBZLPa3lFei4OtK//AHUxKjs6SWv8xUGOP8xdreHzkgAAzFDC1JUVXLspKeRT2F74hy400JuxPL1EtR/qokgp+RctRSpxb5aaiTllKA88HR8M4mNQnwpctloDqnLUJj9Kkinmx8t4zHEOAaiYtSilIv8AKFpQkB3opsWN7e0W8J169GDRpmU+VALF9rlh7PAl1KSTNtpeKLTKMslAEkgTpqgoJbKsOSGY0+TwZwri+iWBKXNWZUwCWiaQoJKxcyxMWVMCCWTjIe4EZfVfEp1SUpnBctKmqKUBIUC4KVAEVgi14onfEhWhSFuSFACZSqYV2IB/qOEgBrFm2BvCbwXR9B4vwXTSUpl+PqEeKkpdMxCqUtmnw232vY3hMrT6BMrwxqlz5rMkKTUpSrsKSB3sCMZ64jVccpKUzUIKQoH5VPYD8QITQ7ukC4y7mHWq49qJVMyejwZKmY0ByWsMVJB8hi0UpfRNFyEzNChEnwFTKn+WWpSbtzOQyckXOBeDV8Fnz1qVMUhFgQCXU7M5NwGsLE+kJkfGhWB4W3zoJZRD+xTjHXEMZnxNJMt3UGGDt2vE1FOw+izRzVmuTKdKpZHPMUA93pAQCSCN8X3gKTwhUolapqUAqcgOoqPZrOwa/X0jAp46sTlrSpgomNDp+PTZ5olBUxagwQwVsHOGA/3bQpfsPDVGlVq0PmcOwNvTlNvWOgeX8LkgFaiFEAkJXyjsKUkexjol8Tb0v9GPQCnI/rqSKUIcOqwfzV0GMsLGI67WzPEpUVJbooBiMggF/mcYzvBJoHMoqWpNwzkAG+AQXbr7Qp1QVMmkpINKalWAASGQ7khmw3kMtHDxu20Z9fJcqctq03V1YO4GcY6ONxlolpiVkElNlc1JDXNw+5BpbaK3BFCXCXVcsTuxINrBvrFqDdNRKkFwbkBrgkEEtsQ39wiqRNYCpCQlyEtbq481EX37x0hQLVBiBUWLvkt6hrbH6xE3kRTUopbGVMSGJzcDAy/mYC1OqZSqnd09hZqbDCrXZvIQpRTVg0GS1ipK81LC2UzNkp6Wqz0DQ00y+ZkqspJJq26OOzkW7wHq5nMWd0oQSA11khQ7i2xgfSldRUMtSHPUsVbOAxveMbvJIwE2uZbGLnGxtgliM9euZ6ZJUgPa1TYHMSoH+1i3sk9Q1GoolmpDNkfiDlQJB9APbMFytQKQhBStvlLgOybejMAXENNjUsiaVoShS6JkwEikkHOCTm/kfPyqRw66nmKLnuPpDpudJUXS7UklNmsoHoWsQXjtSQUMhQK02IJcGw329e5cb9UJp4Z0R5GCStKmW18DJVj3gPierCUKSlRqLOGJHXLX23tF06YhAPjBQLWCKnfp0HqbQkmzAsmmW42DqJH1z+cbukW22dI1Kz8g5mZ3O+xdTDzttveL5kxZVzgrLYpcjpcBlDyaLDo54lv4KkoBzQWfuTc5x5RKZwjUIV/ozAWd0Je3mhx6PDtk0QlT9Qg2SZZe3IEue9ofcP45rDy1IUwuSlRftZh9RC0aDUpDqRNSDklDHtsN+jnMGabQ6iYoJSioXdS0AI7hyM+g2i439k0aPhnF5zHxUi5/DSkXuXZRLwwRrFKNja1nSfL7wlRweehQMxUtIJwAk92JpDfn92krRFmVP0yM4dZ2uflvjBja62HVsOTIBS5AJ6DlB+sCTpUpBdMtlbMAS/aogRYpMoY1kv8A+GP/AOsEyBKb/wB0lfYIz/8AGow+yYdWKVzVgkiQtZ3Urw0/UPeBNTql1f1ErSTtUQlrWOAVfSHSZrq5RYPcpb6KKcjvE9TNARZRUTsJK7W3pJH1iq+xCCbpAuxJLj5SW+yXbzMAavQlIpMmsA/3EENj5hb3jRGepwEnuBR2xzEAHzMU6viLCki+4Uw+oUXhNKgTMlqEIUDVLWkDax/yYskaVCUOCzn8Za46D/MNkzFLNgkJA/uS6v094A1mjVgLYnDqCVeVi0ZNFdgHX8IQpjzEZsAfdrt3vCvj+gSqUlImE0l2eo/Vbe0PNCldTJm1EbFYPu6TV7wXNJBBmCWtT2bwwfMNSXhqgs+c8M0c0LJlVWcPTtFmq4bqFPUlZANw33AjefyYrTzWOEhKs7AqAY4xjrBS9JMY8pUDsacdiAT6Q+gdj59w/RacJqniYV35AClIuwdQB89swy4Hx0aNUzwZfKs3e6msyetIv9Y1Wn+FZkxzMTIQkb+KUn/kCkg4zEpnwxpU/NYqxhvRgxvuxg6MdmR1PxdMUokJIBNgEiPYbL4BMc0aSXMR+FYmDmScH5hs20exNS9MeBlWZbJU5JU98BLVBtyC6WJG22IA1upCiQmnsBdVzi7gHf0ivTTFGYJnNzKppBCiHYAOQwGAKrkub3hnrNRph4idRKdRNDpcKFylLFJZ6SBezWszDxoL9SRzr0ZrQBXMARWsFKVO4KQ7g5aouSTsk4ePNKsE0rV8r4sD+LLZcDb8ohp5yQoqILAOEkh1FrAs2xJPYNF8qWQklgRMIWXAKaRUlz/bc+j9o6p+ipeixJULqHRwLAMHDEi+B+2j2SgKTWqwF1FXm48zhmz2Dx7IlAkhkkIAADKKcuObJboLbWxBU0ciWerc1HlcBrZJZhdvIvENXj0RRKYpUxKqXeqoqYk4dTO72U297B4FlT6XBwh7JLqJIAdV23uQBgAmOk6wgEPSDkDJFVTerD2HeKWsouLfgTblfJcOQCftjZRS0GAudLcumyRYsEuCUpUphbBL2wA8cvVolgeGVBRJYAgdAl9yAX3awPeF6NYStdygqqpYOxIUHvtSSO8U6ycDNUpilPzBgGDkKYf7Q9h2ilAEjb8F4cZ4SAoWa6rH5A6nL8pKWDPuYIk6OWokFXKCUpIKg1TvYJDhmyLP1hLw6aEkh2IF+ocdAHNmtBM0pWoOSHAdlE332LEHFnsIUZJZLTXg0snhEshlJlOQedEoW8wSS7HN/WLpHB0FIEymlBfxAkBRODYg4D3HYQg4YAgmqYTsOzvv7Q40WvKXCFhs3LeW+THoQ5YywjRMlxeVK8FdKhPSm3hhUt7sGCEl73OQzEsITibJS4TLWCzAOVEhr3AYbhr2HeDZyAogpADvVkC99j3Nhm8Hp0UuZLmUzHKrMhBUwz8wUKb9Oh8o3oYv02qBdpRZKfmUEXaz7LB8ssGHUjgfhSkNSSliyColIqN6kksd/s8Xaf4R1KAueJslQSKgOYFkgmmljsBucwi4OEqlhU2aT4l6EIJ+bArd4LyA3kzEMmVLJAAZk1KIbqQ7e8FI0FZBKQo92Ib1tFJ06JIH9GbLQA4dBAueqknpj9IX6/iaXYGkkClT/iOAQGN7di8C+wG2q0icBwQXsyX8myImmWq4pIHmTt9LARCibLpqkqKVB7u7G5zcdhB8zSTJgCpSt2pslQ6EvanEUkhEJOhSWImJ7hwD5XMe6nhkgMSzm3ylZJY7OxtvFiuB6oIC1AuCRSllEbu2/oTEtBwPUTEVKloTSSwNQVbBpIa57/4WAoSapOlqZSgn/iEjoxAEVJlSRZE5Ie1mG/W0Gan4XlTJikzpeoUssSlCqW90EEHq8FSP4baPUB0TNXLaxQoixSz/ADJ37FrmB48BQi4nMlyZS1GfMIGyGqY4NVyQe0Z/TarSzqlAzFEC4UpALk/LdDuACfSPqWm/hppkUAzJywklwspKVAgikgJFv0vFvD/4a6GXJMoyytRd5pJEy7jIbAtfYXeIk0wo+dSJOkrMlQKVjIKg175BCSGNiMgw90/BQof01BIbZv0v5xPX/wAKpxChLnyhsh0kcow7Ox8vpF/CP4eamSUgTkpln50pclLCwGy3a5YXJPaGmhUB/wDpDLbxUkn/AHKT+X+Iv/8ATky/9SalB8kqJ9aWjOajiAGqn+GFBMsiWKlE2T80wuLKUo5DABrDMPZfF+QL5SW3bp1zFpofUhP1CKChCwTsbAP/AMQG9iIz+j0xWtpiVAu9rb9uW97gC+WjyZ8Sj+ZQRQseImpLZDgKFhu+esfcDKEoBMqWhKewb7ZP6wOSbE0ZjScL0hQk/wArqBYWSZhFrBjUHjoa6v4loWU+GS3f9AY6Cpf1iwfD5mtTZJWolXJcOLuxbD99rQi1Or8Va1mUkuSVEEg3YVBz1exexaPY6PH4YpZIiqYNw8eJPQkgc+erZJfy+wh5p9I6QAhVIqZyFDDsEuATzAOq33jo6K5XSCTImeDQhlG4N1bApBtYD8NgALqMUr1Ezm8U1lxfFwTcs12J9h3jyOiE8fuRdAQWCtQpBdyGKgaQSl8s72wd/VjoNEVzJTmlC5glmwJNRAbdgxb0726Oi/KH5F6UeICUEggKUpJABAAuQUliA6Sxv5wVp5aHMyYRUlCXUQSWqABLbu3eOjocvRQalYllSVJpUAQq4L0mzEDu4xtBGnmJblVc3AbIf5mIZ+1o9jozkkgSGmjkzVKYCvBawDOO9rEWh9wz4bmTmQpIQVuUL5CEhJD2Bd8/Tzjo6Oz8eCSLiqJ8X4dK0NPjz5s2YoZlpADv81KiwACk2Bc362jLQpfPLUG3sQoA75F7Hc/aOjo6bzRp4NVwxWrt/TcYJqTdiz3Vmxi3h+rQJpoloSonmISkLvcuQN46Oi1kk06FpWDuDYg/UXhFqfhDSmYmZSQUqBAylwQQw2YjaOjojTKL9YZE0+FU0xikfOBdssz3ALu9oUzETdJLqXqisvfkck7XffeOjopDaM3xb+IQlzmCllZ5SjCAetku/kd4Yaf43qmolrrBWlQBQQACA9woG+WPaPY6EmFGg03H5SqU+JNBFy4BJBexIDDIxDuTqQoOklQPp946Og2ElRMagRhv4nfHP8jKSiSSZ816SRZCUtUu4ubpAHd9o6Oh0iT5Rw/4q1kybWZ0wku7rU3XANh5RvNB8ZauUxcTEHZV2+xw/wCkeR0FgT4LwbR69c/wVTZE+omdLJK0GouVgm7Fwyag3SKtf/CeaCyNUoyyWZLpp9CSCH2ePY6JewGfw7/DXTybTpRmTAokTq+wAFNuj3BuTeN9qkEhqs2/dnEeR0NbEKjwPSiykknckqeOjo6NEiT/2Q=="/>
+          <p:cNvSpPr>
+            <a:spLocks noChangeAspect="1" noChangeArrowheads="1"/>
+          </p:cNvSpPr>
+          <p:nvPr/>
+        </p:nvSpPr>
+        <p:spPr bwMode="auto">
+          <a:xfrm>
+            <a:off x="168275" y="-144463"/>
+            <a:ext cx="304800" cy="304801"/>
+          </a:xfrm>
+          <a:prstGeom prst="rect">
+            <a:avLst/>
+          </a:prstGeom>
+          <a:noFill/>
+        </p:spPr>
+        <p:txBody>
+          <a:bodyPr vert="horz" wrap="square" lIns="91440" tIns="45720" rIns="91440" bIns="45720" numCol="1" anchor="t" anchorCtr="0" compatLnSpc="1">
+            <a:prstTxWarp prst="textNoShape">
+              <a:avLst/>
+            </a:prstTxWarp>
+          </a:bodyPr>
+          <a:lstStyle/>
+          <a:p>
             <a:endParaRPr lang="ko-KR" altLang="en-US"/>
           </a:p>
         </p:txBody>
       </p:sp>
+      <p:sp>
+        <p:nvSpPr>
+          <p:cNvPr id="24582" name="AutoShape 6" descr="data:image/jpeg;base64,/9j/4AAQSkZJRgABAQAAAQABAAD/2wCEAAkGBxQTEhUUEhQVFhUXGRsbGBgYGRoaGhwfGhoYGhoYHhwdHyggHBolHBoYIjIhJSorLi4uHB8zODMsNygtLisBCgoKDg0OGxAQGy8kHyQsLCwsLCwsLCwsLCwsLCwsLCwsLCwsLCwsLCwsLCwsLCwsLCwsLCwsLCwsLCwsLCwsLP/AABEIALcBEwMBIgACEQEDEQH/xAAbAAACAwEBAQAAAAAAAAAAAAAEBQIDBgABB//EAD8QAAECBQIEBAQEBQQBAwUAAAECEQADEiExBEEFIlFhE3GBkQYyobFCwdHwBxQjUuEzYoLxchU0khYkQ6Kj/8QAGQEAAwEBAQAAAAAAAAAAAAAAAAECAwQF/8QAJxEAAgICAgICAQQDAAAAAAAAAAECESExAxJBURNhBCJxsfCBkaH/2gAMAwEAAhEDEQA/APmWg09TKxnH2xDCXqKWGb7h29sHvmEmg1xlqIIdKtrjtkEbQylcXSqykqAsBSASO1yD9Y5ZKV/RGS7V6oVFKWYZKhUT2JN/XtAspctZCVoJP9yS+cNf6QSQkEKJJLNYi+HUUvy+QglOpSAHBCVOAxBVYF2sHG2HiLS0BmJ8koWUqs2Xt9+zRbLnsM3HqY0mo4f4stVJRgEWdQbLkAkJYN0L4tCHVcKmoKiEqIG4Bxh/16RtGcZD2cjVuygBVjLWz7e8BnWqKyoZ3B5vv9otSkKvu/e3Q9o9mSQNmPX9OsVSQE+Gzg5qFtxiLZwShQKHIIcPFOkkOcsXBc4hueYCp1NfAINmHcKDxlNpMllEhSSF2cqAfffItYmPONaFSUpDMDR1vUmoFiAcEZ3EXoWhixZh0IJvh8PE9XrTMQgKY0thPMGJpvuz+VoqEhpmd8Ig3a+L/eLZ5DB6fytF/EADzJBqdmb1d+n6wFqpRBA7P73MabyMskkVBg32fqD0goTKS7wNpZbg7FmfzxFqEFIY+cJ0InqtYFEG4ItYCLHUSWJ739m+kQRIqHK1rt2vu0F6dRI2YC4SSTf6/vzgpJCA9RKW6iQWb5mz394C1b2Jh8aSkBxixyLjJ77vAqkJSnD3u58/8w1IBSlTFxFiVQbN06VjlSyhhhY9vPvAKVsWUMehik7GM9BqSkuHfYm4hrX4lyq5Bfq+H7beghDpqTtjzg+QRhz++0Q0A1ky25lM53s1WPJt/fyj2dJQNy7N9SzW7en2DUpwUlLXBx53y7N5xJOkJYKLD8IcF9s7HH7DQsjYV4GCCD1YG3mf16wv1OoCT8oPc9+28FywZYa1xvdLC+0I1TklZKrdGc79CfvExVvJDQepyiooSU5+VLfvvAkxAN5YbqBcdPSGMvS8wUGIZqgQw7ZwxgbxUBakjZsPf/ECl6CienlEp5SAdwbH2hjLWQBUmotn9N4UCeSrBi+WpQLMVd7/AJYilJywyGhinUKUCH3s/wC/1gdWmVchIbzAESWEkAsoKHT6jtEpptcEdC7t+n6mH3fgN7AVLIO3uI6L0z5ff3b846L7v0IXq0RCySgBKg7l2b1IZ4no5KSWdIA7A23YP5YhtO0wmylitXKApm/CSXp6jqO4aE2o1FIoAcjNkgdrJF7ef5Rg02buxqieJQsEFJwSliXN2UfJgSGziCJfhkGgzUlx8zFugJq+/eM4dabpUQoZDBm2JS1tob6KW6Bs7Fi5swZwXyC7HaM5cdZFQUrUmUQtagoWNTG127m7JxZ/KPZmsrSJiUKWDYGWfl6G1wLYamO0pLFNQSkjCRTc70psGPTo9oI089SQoKWZibClTpIFnu7KFsFzGbS/yAhVwYXeeEq6Ku74YhVNwdyLgwoTKVV4YKX6BSSmzk3do1y0SU1KTKLWNUtYd97P1OXsO7iI6KZIJPzLu/MHCTtgMR3JOOsarllTdDM4uRMSxWlSXJuoM7dINkzFFIY3Bzb99I1nipVY0K2KSAoi4vcBkhtx7wFK4fKqUAhDli6VLcXBFgm3n+sZrnvaEZd+YknOSWyNvOCwpCVfhYnbtt7tFvGOCJcqlK5XdjvchxdwkDcwr1KWlSyQxvh+zdnaN41KOB0EzgCHS4I7n0iiUsqJCmOcRPSzRTsfNvaLJYSFJ5Rc4GPJoE3omweamkKADEfbP7MAzZ7kdO3fMOuP2mkhmXLQQBZuVA/I+4hQvTC1j9h+UapJDC5ZDhiMj6bjvF8p0FwrJJsHF8Pj6wvEropL9HLd4vlKKLKHKc2dvVt/OChB80JJJYCz2fB7dre8C6ehiFKserEebbRXoZzPuN7nbeKkavPXycefm/SF1CgqZJOAfqL9OvtC+ekhRqIJ3gqdOIWNgQGvbDRWtKlk7tDWBnaZ3cW7w40S1KDsCQcu0KNMCLWP5Q+0w5Qyh/4PfvaFMCuXMuHfIt57P1gjVSSQkJVYOzh2FvzivUMQAGSrvjIckmJpJCQhTNk5He5y36Ri5O0Ns7xylLVEpZ8keob7QF/KCp+UkXZixfy3i9ySO13A/OL9TrE2LTC21QZ2Z2Ad/wBIOzWiaKRpyn8IAIzYnHv7gQPrEIF0O+CCR9OuIs0urCV3elVrhm8mwb7doKks9kkkj+0AeV/S1oTk1sADh8pKyXUUq2DAv03G8OJCWQBhQcpUSxy1w13xd4hKVLQGsCcgF87WdvQ9OkQmzUpDgODkuQw6Wznu14ybcmCQfLClbgs25TttYRXOpIL0h+oZ+9mvno7wFKU5LKcDLkkjtfL2vF386AKGCkixexybsU+jjtCad4AlKAYf00nuMfUx0QVNlgmyzfIQT9XjyFl+/wDoiMjVUBSkqUkhhYBrhQ9PxfswkQmupnBpIvcEBzbcFwB0ucRoE6NS/wCmA4LAEMLodV83Pf8AOFulplTEmp03sSwa972Gziwf6dl2bLIo4coJUVqwlJ2cEqsAR0yfSJjiJBJrVcueQD61GHUyTJCh4SWSRVcBT+QUOVhV3tZnAiPgSFKSQgJUE8zFJSrDuFPdr7HJL71aCgOTrKmdRJFg52e2ft5QVI4iQeZAUk2sGzuWyLY7doqm8OQPlu5cEe+AGx9ouk6MhO5zkdGLkNvGMlHyQ0Up1NNVmF6SEgkWcJc/hBc9XeF0vXeGSFywognnv4lzgkkg4Zm6w7XLZ8E+o+g/KF/F9AVCpI3OL5v+sWut0AVJ4ymkqRSkjAulQ/5fKdva9oN0WvUwXW2yh2u2QS3kR0O0ZBEhT0kEEHBzDHTqUnGcdNoznwrwKhnr5/iKExBNSVC/y5DP3/zAeplVVp7uGAAtbAsPSCUS6krSblrM+wx7H7wJq57LUQLFIIY2ZQDj3eLjFpDp0XaPSMCKSb3x5WiqfLpSshxSxHqab9DeLOFlRLHB9gep9YcIl+Lp51uZcs9g6VBaS29zjt2gTblTJWxFxCoLAXT8rP8AUC+zEQHPWUsDeLdczoLuCkd8MOvaIaoMkgG72HXv6Ro9jeytEtrhXsP1xFkrVVKYszN1Bzd9ookyxhdV+jDv6x6qygWU42s/XbtDAJkSKTlwXYF+rF7d4pnyaTez939HiyddIWklnuknB7R4lYpZtv3+UStiPQgGyvpF8qWz0pLjfJ9unpEJBS1yHB3+0EeNTcAE4e+/cK+ttoGMuMhwxTkZwQ3Sz/4glASAAAQBsb9L5YHygeXxBTEMc4BDeTkwcSooD9O1zvcbsHt3jJt+RaBFKu9s7vFoJKXBBszh2v6XHeAUzEkigdXe+De36f8AdiJjKySHuH28+kJjsJlpKaSfld3H3BLWb/qKtQCU2Nmc33De4iE6aAfxUi+bAHZvOOmTQbJDdn6Wz7Q6vIC+Ss1PURsD0xZ+kNdFMUoNUGZzjvn9vACg6j0He+GgiR84AdgGt9LekEgYbOl7k3zgHd/TGBFc2cR+Im2C7bbg3zBH8szKBSSQGfz2JBH/AFAMyYon+0ja592JiEI5FL3DKYMxa7m/aLdOoAKJO+7KLMGA6CKZD3rqwxLPi17NF6UIY5UTdiPs3k7MIJfYFS9QkH5j7R0CqVLJf7EgR0VUfTANlawuKVKIFnLEO3YjtmCJ6UqIoUSVPy0sl7Wdg2+PPvAyZktACVAuDzWcOABgls2Y3zaCdJq0rcqCUquKmTckl2Ti6X+YflCTp3QotJi8z1Jmf01Fk4IwoM3cM2xAzeNaZUqmQaEpExNwlgSUs7EM3MN9vUQBK8JKapkqsJILMlDD8RFBubd/0mEmdNQPETSlANRZApAJDHBfqQ75a8W3eUbp4wDT5UuStVSVVXLGmwIcEt+I5t1EBJ4jRMNSRSNsev5RpdZqAVJJCEsf6lP9T5hSakgZ5SXvtGX4rpUJWQg1U4U1jl7X6ExkkpbJlCsh38ymYHQGvnyPRmNmt5vtFEvUqUopqILs2Ekueg3HUe0LUKUkcvMBcWu+Mbj7QRJVUk8oD9N8GBQyRQTqtGkgOEqY4CmUDe1r4839GHkzQpMylje4d3BADdLekS0oUZalKcpBu+eY2L9Rb3PnENNrUzCCgEFDMFXLWSQ+9usWoyTyMlIXSQXAegjuSC/swhVxFLgsCCCWfspVvaG3EEOrlIypsMxIUB7ECAzLDkXIN8Oxu/2jZtbKwCcPmbH/ADGl4CsCYA4ICg5vuCj2/qfSE+h0Q8SlmNQD7dM9y0T1Oq8Ocz3BGRmwIxs7Y6RCebROgLWacJmLl/2lSR2Dn8orlyC2bjr36RfxGUkmsK5lZ7kufS/tAsucoGknMF9sol5KtYggfJ26fu8QIsC1xvd7QVq0kp5qb3D52JAHpFUw1oGxGRt2P+IpPCApE00gA2e464/T6xWoEKItaC0aJRQ4p7upmybXvaCTpAQ5cHflKreYt+zD7JMZTo0uX5Xfdm//AGtDAIyVAK7hPvtd+oMCy9CBh1DtyuQx3JLN0HrBdUtCv9JyDc1t6XVcYt/gRnJ+hEpsskOOVrMGawZy1wT5vA+lMwFVuUk3Kr2u1y/r7QxWtCvlWuW/Qly2wGOuPaATLS7lQKhZ7+hd+jXEQpWtBZKZolKU4JBLjmYFyRi3TcRetCksLEjsLGxDEdrfuwE7m+YubMKi31wO+HMEq04TzAmki9yTj/OYHikAMtaiWbINhc46xakFg1Pr6WtiOUU/3BvR9oEWlvxcpcdcHN8RYFktKlKNiOvX92g2RIFgKgf/ABd/z37wp05Ivu/7LQfp5KiXcOO7e+IU19gyU+QEk1rIUHqA+YbN19w8QkyEm4VU2xt73t9oK1as1KS7M4v98MwEBlaAr5SSbG5IOWwQH994lNsC5M5KVUpKQS73SQc2ubeTRZpZKS7AE70Z6N39RFCZqlOHBuQAQxa4YE9enl3gjRIeyRSX6szj2f6+cKTpADTNAhy5U/8AxjoLGhmG60rKt+dvKz9I6F8v2Kxf/LVGkTAxOCFAf5II/wC49ToCF0FSFF3sT8wzViwBVhsx5P1ACk05ZypzgA4f2t6QbwilJYl1KsCnBd3Dtu+DFttKxhcvUKCbAMGFrv5qxdh16x4mVUHANLkeZ3HV8WvFHFNQboNhhmYuLM2bRbpFqMlfKQErT3DEEYBy4H0iOvktLwWTZSiHcqaz3thh3a4x9IvQymClE/2kcpAIH4tgd2aCpGvkpFFKgozHCnIZJf5tqmYuAcQVrlGkL5VhZICuQBRGflDYKeuM9BppWgrzZnZukKVkso0m9nt1x9epiIlghg3R26Xe1vtDHXSlIUSCCkgFw9uofDi/7tHko1C6gSAHcX3Lt81jvA72ALpp5TLm3wkunL0lx9ngDSFnpSBu3Y3v6vDydoipJBe5S+7A2JCsvfBBDQt02nUhZC7MVJfqElumaVEt2jZfrQE0IslyXIcjaxY58x9YWaxRlzVAg9QfMAkB9rt6Q00esCiAWSU2xa+fPA94az+HomSuYhw5c3Ziohmzj2gjTbQCjTTCwUnC2S+wPzDyemAuMJHjVk36HffHtGkl6elKCU1ispsC/Kqwtuf16iEWqV4hUprm4HQbDzb7QnUdBQLOncoKgWw4Zw0Aia4f8vV7Qw4ZKRM5V5yC56Ndtrxo+GaGQg0lAYuFEkk9A17HMT3jHD2RaWzMCaJiWJDNYsPvvBHD5Aalqhm/qfTaHK+GSitRSLE79Rkt3cbNmPF6ZKEgJGHc/ivv5RnPljVIhv0VytKlKTyBLkeR2DfSJfy6FBylSR1YsN26VZt5RNWmBSCoqBsQbt7bRROUSQCoMC5HZgf8xlHdti7Ac6Sm9MyYCOod3zlny1oCk2XzJCwdqmLdzgfk0Mp8+mre1j9/c/aA0alJDlI327ks/tHTFspSZPW6lC6vmQ72VdTXs7dPKAfDuAFBrN+sWqnBWRZzb9+cV6lY5WsXDHtDQ0wkyQ7Egm7+sFypZOVMkpAHt9YoUQbgj93iwLLXx/n9Iydsjsya5QYsXO73Ofs0K5stVVKDY4sbsWZvaGasnYPvv3jpYciwsfXp7Zik6RSYtl6VaQCtIa/ne2I7UqJ5UEJe1nHnbN7QyKcktUfW9rYsbwPqKRdg539Dt1/Qw+zbDtk5QQlKQpyTZwAPcOYomGX+lB+pew+sCrAALFwbM3d28niiXKd7sBt1PRotIpB0tRCgSynFxj/qGkuaEoFSBSbNY+eS7DtCCTMJa940ellooCFTDjyyfpnrGXLS2KRYeIo2m22a33Lx0enh0obkehMdGNQ+yTJSUm93fuAd9od8P1lJBBDjqANsfsZhDptU9ld/L/B7iDJSWUC7kbFgr1tcx2yTZY81lZWFLAqVupiPcdvW0W6UkeIhRSHcHe4I/Q97RRL1gUCCf+Iu7jN7AW+0V6qe5CXVs6u2acYEYU6p7DsO9GFALCF/OhnSBfsXNxnDbQLpStDBHPKU5I+Wp7KBvZiA/cekVhRCSQtQLgJAAydmZ8Pvt7Wajh00UJUFBSiCL2q645SA4JfeCClWyop+A/g8mpKkTAXF2LuxudrhjnFxEpvC1eImkVhOUhkk7fN5CJcTWRSJWollSCCWWoAMLggO5NIu/pB+hk6yelS5SJVlCpl1E2yybhwd/OOiMG1RbVbKeH6YdWNxcEEeY2Icj0MV6zRy5VSydwsnI5iUqT6DbvB5+Hp4nKSqcgroSSBNBZwcJYKIeoPf6Rbr/hTUGYB4c5aaTyeMUVEl2SVIZrB3Uds3hx4pRC4mGkSqJ8xk1JLqAAux2Hl+UaY8O8VQlTCqWpIqDBICqhSfMi0UfEXA5mgp1EzTqQhZYgzEzGUbm6QkgKvc/nAKvjZLAeCMMymUns/yse94fRXbKVbHc74WmlNMvUlIckApfLuLENn97DaX4NS4ROmqNP8AaCkL5ereQ6uOhgbg3xVKDpUpn/CEOnyc7d3i3jPFRcSwQOjNchzf1xE8jjFYRPI14OlaGTLJEtBdIAJfIvkMA92w8RlLQQoF6zcdM9evMPdt4zydTMuT1CnvdQIZ+u/t3uXw1BSCknYEdH2GfTzjh5IPbeTmcW8sZIl0AAeZLF33yzWO94qm6k1ClLvd/Ipf994ZaOaFFyXG/nsfLF2g2VwqWC4IyAXDEWfGCM3EZRf1kaiJ1Ti3ylwA4fLdvK0AafTqBu4Llxk4OSOwfteNRqdHo0iYFzJ9Us8yglJQs2ICSHpDKu7tE5kmQUIVKIUkpJUUqqpcMxyz3xaNpcU4xckDgzIanTpIU1nCh6Wt6C7wBreGAgUYdgc4Ci7eaW9Y1E3hYuC1yPMi5Jj3RyUygalOHJYhrEG1/wBvChyusZHGMjFHSrDOAysZ6O+Ggz/0awpUSoh2a+2O4Yjvm0aDWCVNYoKXYi9ti1+mz9YqUpKOcllCxIvkdPQj2jX5XWhyTQm0egUsXDUvVg9GLgtktBLGptwfc/hH5evlDU6pCgpIG1j38hnBgSdLUlVKaetnycnsMRkuW9oybKJ08JAIHygNm7ksT7fXozgz9aFDlBBuHsbXHTN41qtEFg1MLAiwyEm/m57QvkcFQCCMG92bb8+kNc0PI4tGb15Ulg/OzkWs4sPNhf0hfOnKJuXJ79Q8aDiPDVKmLLZPJ1U5AAYmzRPhfw8HPiYYMn1YZ2eNlywUbZr2ikZ3TywVczsLqwLDLdz+cCzFEKVZnJt5xspvw8KCyikEgORs6ifMlx7Qum/DzBz/AHW3fL/v9lx/I42CnEzslBMPtLLsyiW9opRw9TgBJbZvKGUrSswYv5E/T1h8nImNs8TJS3+qoeQLR0FJ4Wvor0SW9LYjoyv7/gLkYSRmLAM9RDHiXD6VkJFhZsNv5uxEcJVNhi2732cdL+lo61NPKFdhXBNIZpuWIBIe9X+0fp2hyv4Y1ZSVBCS1ya0A4fcj6xXwwpSwCQQLksxCgHAfdhdu/W8OVcTnJB8NNSncJWlZCnwQUjO4B9rPEbY0rEcnSgLpmhdQCWSTQQ+LlJ3tcN3jbcP4MJNKltOdwEzKuV2uCHdwAL+btGI43xCbqQAsICkYZRLNc5Dm4f0h7w7i+qShCT4VkgBhO5qWH4U5xFx40XH9Ix45wRIUJklFg5mSmckAO6FAuM33Y2w0Mv4VaDSEFJmqGo+VNToUpIuaRcK/8gQW2a590ug1OrC5ZJQlQYvKmkg5PzlO3s8aT4X+ATpl+IJqfWXzWy5Cm7Y+8axi0wlKxwfgHTKWla3VTgEJIv8AM7guCGDdgch4ernS9OlKSWFkjrYFgAMlgcCMxxD+IEqRNVKIXNILBQoAN2IHcG3pBOl+N5M2oMEkFg6gQXfBSD+zF5YvB8Z/iL8cz5+smITOpkJJEtNICSkhqjUHKiKkkHu0Y7h3CJmomlEooNiokEBIAzYnrsI+x/E+tkKKiuQhVAJUpwpKQNyoAADfcxnlfD65xHhyEprD0PzMzvcA7DGXHlCcRJiL4Z4ShEtU8zeel0crD25jcYJpv1gPX65JcBIAdRBAAN/fZh5QXxicUpTKxRamkpcZCi+T3Iu77wlkIWpYKElRcbGnuScNHJJdpD2GyApgVvk2Nz7dX+0XHU81gbdfp5eUR/lpnMV2Lub2L9HGN4BTOdTADY+z52/7jNwyx9BnK4gUrYPu/v6Q80mtJUASxd7iw3Ho/wCUZrQoIU69r9d/v2g+fMNplyAcdBs/727xhOCvBHQ0ElCCVKUlJJcso1B1MTYOwYYxftBfBtEJahTLlmXXWuoKNgAClgCGNvtGZlapfMuoMoFh7Pf29os0HHQSxCz2SWbbbtB35Iu4hTH/ABfR+IolAYbBOCOzmz2gDiHBVzXCVJDZ5jbza7/vrD7QJrEtS0pAIBdRN3HQO+2NjGhlcAEwy1I1EuWAa1hMtVK3DJLFTVp6t0taDhi3bayXk+c6PgEtS0p8Vf8AvXTX2slAe3rmCeIy9OE//beNMSkqdSkMlSpdyEhgogG18Xu4jS8RpkzVSpCEpmgh5niGhiU/M9lODveKJPw/O1izMKvDobnR/o/MXSgElRO5INL9Xjo6Jp28h1bMrwyklKvCILkqFTDr8pHfD7wQlElagSpYWBZLMCC71F+l7b7w21Onmy54kpSmcVEJFIKXclmSVG4DXJ77RbxbhGu06pZXIQiTU6igoJdmS7HMYPju5IUuNrYCdQMABvyY/m8R8KoMDzH7Zv8Af0i5ksASoqu7kNc7eg67mBJa0BRKVVEvZn9f/G/ZvtyKOTFLOSyZpCn5QC2+w6h85irThZS8wU2NJz0/znpE9RxakAhKQRckA3LDv9vOKdZxNLAr3BFI93J9j5t5xU1WFkTS8HqtUzgBugxgsc+TRcsVDAft6v2jPaqaFFIT0Y1G3+MPDvhUhVJUsGkf2qF2d7gFtu0P4qVlKCK9Ohd/EDh/I5H06esXp0oCqgkAdHL+nT9+pAnpTUXK0sLlLmxccwN7HoMRMT5RQSlYCwHCFBrGxALvUzWbaJUJ9qoFB3RR452ZvX8rPHsL58wEvfbBtjzjov4y/jRmkSLlKlAgJFx0s9+tjEpHCzPBKFBLHBdg5LHyv39IPVLDqpYhiCl8EpJF9lAte+cQ34bw4ylgAuwJKhexZ+wd/p1jrjJJ2yItXkU/+kTJZFZtuUpqSTu5JAeNBM4fLMv+nNKZwIvMFj1dSXpHa79bPD6TMluyVJc5YvuHt17QNxHgdaKkEJV0whQucNyq74t6jorzE2SFmn4cqW8xKwZxPzSVynL7lKpjkPchIByLxLTa+eqoJkGaQCCumgpVcFrs4/23tdjaEOpUsqpFTjuwB72f6QPpddr0KUypi1FVkorLvggUgt9QMgRfFyNopqL0bfh/G1yVganVJQG+VZ5uzOHIzcNiHE/4p1M1jop0lUkGlXiy1MSdgtw4wOWrO7QDw34X/nNFMHEGkzS3hmvxJiQHUSqkNclmueW/SM7wr+HGvSVpkztMqWbLQtU1KFhrgjw/qCDGymiOp9ATw3SzDVOloVOAFRTdNnwV3Acm0L9WsSUqUjSyppDmkSZZmFXQBnq+zEw0/wDo+YhUgImf/jT4qSpRTUigFSSQ5dxnp3jQcE4HMkrUtU4KfACWGTl3PTDbw7JpmT+HOOFYMuZoaFgXSZKSLYBpxkHEUcV+OZsuyJbAlSagAgBn7E7Pj3jZafw0TVTFTApRLCkY89zt7x86+Kf4hyxqZ+n8JEvw1UuoFMxeCTYPSTcDBDF2MFoYt4zoBrlpnz1zHppdqXFyLEOGJ6bQv0UsSgyvnAYEgeyWAAHlBMrj/ioqQpCU/wB4yBhmJIF4z/HOMKCS05KiPlFiQbYbctmM2vJadF3xBxQJICQxYVOGsb2OH/S8Z6QhyTXTVjq+X+kQ0mhnT2KUquTcgs+5frmHOn+H1hJTMAJSC1w+b2PQ+zRlIpC2UUi9yS5fzP8A3BKlEIZwytjluo7i8XzuAzEjmBGGSEkuOtX0br5mHnw0dRZIQnw1FJT4xBQFguFEMTZntfBEQ45GmloA0HC6kFSiQgODgkEgEODcAghj1aCdBwKWJjzJ0yXUwQpIFNRB5VJUy1A7Y9Y1vEZSZq6ZjFSVCoyVTU11AZ/qu4YAOIFlyNMmcvxkT9QAmlkIUUpCmJC6CxUWD1EvntGkeJIz0AajSapYWQyUSn/qTKkg4ZI5XKiLYbEOP4f8bV4cxSl8wISAW5R5HqX9oSK0ssT1rlz1TkklISUqDcpZMxApqbANg7WsYa+CrUBYl6jmls6lnxEp5QAglAZIuqxc3wYz+GKdopBvxP8AEE2ePDKEkAhQJQQTYj7/AJQpkcZUAQFNTakEDBNulugEL+FJ0xm+DPRqtRNqUCmSsJSDcKpSkIPh5PMoMLw0/ldMqe60ydMiWWpmErWpr4CqVA2Bd/xZzGE/xnN9nIhooXNM5CzKKRNFJrW5YPelm5mAbuGeGXE+KJMtKZi56sM5CX9ABi1h5PeKeI8V0X+npZoSQOfwkkJIBBLhYUKj1/7hpP0BmU1KTKFBqLpUukuyRjm39sxrHicY9YlpezFzfmUoWS+D3LgOPQRVxDSKUkeGp7MygpJd7Mp4bajToJKJSvFUCkC8xRK03KVyuW7EluYdWYGBuIhchjKElS1SwSC6VpwXAUS9lXAZma5hL8drIppPQFo+FS5Sh460zHv8wCQLu6FJaoGm7nG0Q43ICR4la1IJekJAdObUsL26bGCFajwqfGcKUQlKBzpyMrNkvbJG+0W66emQh5wUlBcEFxl2TcOzNd3jRxeE0EYuhP8AysmXzqnKp+V5aSuWlRSXStRFw2RY7w44dORul0kM6TUm4BI6mwwDaJ6eegylS/DolKDulCitz+NnqTYDLZ3eJcM4OlSioT5qENzTJ5uRtQklTu+LWvuHJcaeUs/3wJk9LLZTGWaQSQaSzC4cYYsesLeKaKWpRUjlyVBCZaUhzvlhvZskxopvDZbgya7fLUtRQWFiwLAHeEnEBOnrSmcgTCl7eITbBAsLF/ldoXT41QxIVI6D6foY6Claaajl8LUJZgwBIxZigUs17R0Zdfsin7O08sskGymUHPf5T5sGMHaDUEDnBSGJUSwNvlUCHHXdy/WFomOohbqJLgAA26EWcscQ00ZpZyoKSagCc/MXcnHMbGzDZo5rd59nLZXLnm5QGJZ+4SS7EXfy6ZEMeC6pSiSqYWcPlRa/KVCwwWB2G8Liy1ABQpUwPzZ5djfp5ekXKWmWCEM1PNsKgQxAyxFR9TGkOSssuMq2F8RkleqCpKglKkvMJS7KsBTtUbu9nS7O8a/gaKEBLl8PU79zYdYwej1CZawCQ5F3JZIu21+YNZ/oTD5fGKVcp5UhgPbu/wC26tpPkrLOr5FGJtJK0gl7BiXawPluIul6LkKwtLsS72Dulg2cNGKPFWS6iPw23Yly/dkkdb94aS+IJMtSlKFkskFuUhnPkahm7v2euPmTxRK5E2bfS8UC6HBqbBDA4cu+HGe0dxTWX8MKuU1KbZOwHVyD6A9Y+ZaTjs1MusrKbA0gsrrdywfHv1grQ8UmqHiqYlRZT4tYDyF28o2lzrqhwXZsfSlFc4BJKDVdwWsMl2u20OeJ8OkapHh6qUiel/xJDgsflLuktZ3HnGN4VqjMnLeZdCQwfAJuUhwHcJHb1h4jjcu9IIUk7lJ3u97+20L57zovoJ+L/AUtUtI0YQooJpk6hKTYB6AspdmwC4LXO8fL9Tply1rQZZlEK5kAFIBD2KRbcjyj7nqNaJn+msVWKQ5dxf0s4ud+8KpnG9NqEK8SZLEwZIpLsWZncKHUxS5E3TBwaVo+JitBBQpr5du3paLZOonAWWq5exOXf3+8fRk6fTqLy5sk+hsMWGP0t2ig8KRf/TWnIZRpb2vjfrGnS/Jn3MGjiM8AgrWcM61W9zDT4UElcw/zBWrK2NV1Om5UDtSCB1No1iuBS1sTKTY2KVXH1H6RTqfgykBUjJ7qJHZ2LbQfGw7ijjnEFAlOmS4Bdyp5gcMWUkE/L1Lnqd1/AviHwpixMQQCLuFqYggAhIurrzEecaEcDWHJUH35QSThnSRf0gJHDdQlRCkqX/bUbeft94TgxqZ5r+OpAI06gpBB8XxZahMWRS6nKQFeVvVoDM4TZaZUvXmU6Qo6dKFAkkgAcksJS5IsS2H7W6mVMrYpp7BTP7OIsRLK0KFdNQYvMZRxulMCC0w3QfBoCvHmqExZJCkz5qpdSf7qZaVF1M9KiO4u0JviEJTOKBJSh/kCPlYWBZLPa3lFei4OtK//AHUxKjs6SWv8xUGOP8xdreHzkgAAzFDC1JUVXLspKeRT2F74hy400JuxPL1EtR/qokgp+RctRSpxb5aaiTllKA88HR8M4mNQnwpctloDqnLUJj9Kkinmx8t4zHEOAaiYtSilIv8AKFpQkB3opsWN7e0W8J169GDRpmU+VALF9rlh7PAl1KSTNtpeKLTKMslAEkgTpqgoJbKsOSGY0+TwZwri+iWBKXNWZUwCWiaQoJKxcyxMWVMCCWTjIe4EZfVfEp1SUpnBctKmqKUBIUC4KVAEVgi14onfEhWhSFuSFACZSqYV2IB/qOEgBrFm2BvCbwXR9B4vwXTSUpl+PqEeKkpdMxCqUtmnw232vY3hMrT6BMrwxqlz5rMkKTUpSrsKSB3sCMZ64jVccpKUzUIKQoH5VPYD8QITQ7ukC4y7mHWq49qJVMyejwZKmY0ByWsMVJB8hi0UpfRNFyEzNChEnwFTKn+WWpSbtzOQyckXOBeDV8Fnz1qVMUhFgQCXU7M5NwGsLE+kJkfGhWB4W3zoJZRD+xTjHXEMZnxNJMt3UGGDt2vE1FOw+izRzVmuTKdKpZHPMUA93pAQCSCN8X3gKTwhUolapqUAqcgOoqPZrOwa/X0jAp46sTlrSpgomNDp+PTZ5olBUxagwQwVsHOGA/3bQpfsPDVGlVq0PmcOwNvTlNvWOgeX8LkgFaiFEAkJXyjsKUkexjol8Tb0v9GPQCnI/rqSKUIcOqwfzV0GMsLGI67WzPEpUVJbooBiMggF/mcYzvBJoHMoqWpNwzkAG+AQXbr7Qp1QVMmkpINKalWAASGQ7khmw3kMtHDxu20Z9fJcqctq03V1YO4GcY6ONxlolpiVkElNlc1JDXNw+5BpbaK3BFCXCXVcsTuxINrBvrFqDdNRKkFwbkBrgkEEtsQ39wiqRNYCpCQlyEtbq481EX37x0hQLVBiBUWLvkt6hrbH6xE3kRTUopbGVMSGJzcDAy/mYC1OqZSqnd09hZqbDCrXZvIQpRTVg0GS1ipK81LC2UzNkp6Wqz0DQ00y+ZkqspJJq26OOzkW7wHq5nMWd0oQSA11khQ7i2xgfSldRUMtSHPUsVbOAxveMbvJIwE2uZbGLnGxtgliM9euZ6ZJUgPa1TYHMSoH+1i3sk9Q1GoolmpDNkfiDlQJB9APbMFytQKQhBStvlLgOybejMAXENNjUsiaVoShS6JkwEikkHOCTm/kfPyqRw66nmKLnuPpDpudJUXS7UklNmsoHoWsQXjtSQUMhQK02IJcGw329e5cb9UJp4Z0R5GCStKmW18DJVj3gPierCUKSlRqLOGJHXLX23tF06YhAPjBQLWCKnfp0HqbQkmzAsmmW42DqJH1z+cbukW22dI1Kz8g5mZ3O+xdTDzttveL5kxZVzgrLYpcjpcBlDyaLDo54lv4KkoBzQWfuTc5x5RKZwjUIV/ozAWd0Je3mhx6PDtk0QlT9Qg2SZZe3IEue9ofcP45rDy1IUwuSlRftZh9RC0aDUpDqRNSDklDHtsN+jnMGabQ6iYoJSioXdS0AI7hyM+g2i439k0aPhnF5zHxUi5/DSkXuXZRLwwRrFKNja1nSfL7wlRweehQMxUtIJwAk92JpDfn92krRFmVP0yM4dZ2uflvjBja62HVsOTIBS5AJ6DlB+sCTpUpBdMtlbMAS/aogRYpMoY1kv8A+GP/AOsEyBKb/wB0lfYIz/8AGow+yYdWKVzVgkiQtZ3Urw0/UPeBNTql1f1ErSTtUQlrWOAVfSHSZrq5RYPcpb6KKcjvE9TNARZRUTsJK7W3pJH1iq+xCCbpAuxJLj5SW+yXbzMAavQlIpMmsA/3EENj5hb3jRGepwEnuBR2xzEAHzMU6viLCki+4Uw+oUXhNKgTMlqEIUDVLWkDax/yYskaVCUOCzn8Za46D/MNkzFLNgkJA/uS6v094A1mjVgLYnDqCVeVi0ZNFdgHX8IQpjzEZsAfdrt3vCvj+gSqUlImE0l2eo/Vbe0PNCldTJm1EbFYPu6TV7wXNJBBmCWtT2bwwfMNSXhqgs+c8M0c0LJlVWcPTtFmq4bqFPUlZANw33AjefyYrTzWOEhKs7AqAY4xjrBS9JMY8pUDsacdiAT6Q+gdj59w/RacJqniYV35AClIuwdQB89swy4Hx0aNUzwZfKs3e6msyetIv9Y1Wn+FZkxzMTIQkb+KUn/kCkg4zEpnwxpU/NYqxhvRgxvuxg6MdmR1PxdMUokJIBNgEiPYbL4BMc0aSXMR+FYmDmScH5hs20exNS9MeBlWZbJU5JU98BLVBtyC6WJG22IA1upCiQmnsBdVzi7gHf0ivTTFGYJnNzKppBCiHYAOQwGAKrkub3hnrNRph4idRKdRNDpcKFylLFJZ6SBezWszDxoL9SRzr0ZrQBXMARWsFKVO4KQ7g5aouSTsk4ePNKsE0rV8r4sD+LLZcDb8ohp5yQoqILAOEkh1FrAs2xJPYNF8qWQklgRMIWXAKaRUlz/bc+j9o6p+ipeixJULqHRwLAMHDEi+B+2j2SgKTWqwF1FXm48zhmz2Dx7IlAkhkkIAADKKcuObJboLbWxBU0ciWerc1HlcBrZJZhdvIvENXj0RRKYpUxKqXeqoqYk4dTO72U297B4FlT6XBwh7JLqJIAdV23uQBgAmOk6wgEPSDkDJFVTerD2HeKWsouLfgTblfJcOQCftjZRS0GAudLcumyRYsEuCUpUphbBL2wA8cvVolgeGVBRJYAgdAl9yAX3awPeF6NYStdygqqpYOxIUHvtSSO8U6ycDNUpilPzBgGDkKYf7Q9h2ilAEjb8F4cZ4SAoWa6rH5A6nL8pKWDPuYIk6OWokFXKCUpIKg1TvYJDhmyLP1hLw6aEkh2IF+ocdAHNmtBM0pWoOSHAdlE332LEHFnsIUZJZLTXg0snhEshlJlOQedEoW8wSS7HN/WLpHB0FIEymlBfxAkBRODYg4D3HYQg4YAgmqYTsOzvv7Q40WvKXCFhs3LeW+THoQ5YywjRMlxeVK8FdKhPSm3hhUt7sGCEl73OQzEsITibJS4TLWCzAOVEhr3AYbhr2HeDZyAogpADvVkC99j3Nhm8Hp0UuZLmUzHKrMhBUwz8wUKb9Oh8o3oYv02qBdpRZKfmUEXaz7LB8ssGHUjgfhSkNSSliyColIqN6kksd/s8Xaf4R1KAueJslQSKgOYFkgmmljsBucwi4OEqlhU2aT4l6EIJ+bArd4LyA3kzEMmVLJAAZk1KIbqQ7e8FI0FZBKQo92Ib1tFJ06JIH9GbLQA4dBAueqknpj9IX6/iaXYGkkClT/iOAQGN7di8C+wG2q0icBwQXsyX8myImmWq4pIHmTt9LARCibLpqkqKVB7u7G5zcdhB8zSTJgCpSt2pslQ6EvanEUkhEJOhSWImJ7hwD5XMe6nhkgMSzm3ylZJY7OxtvFiuB6oIC1AuCRSllEbu2/oTEtBwPUTEVKloTSSwNQVbBpIa57/4WAoSapOlqZSgn/iEjoxAEVJlSRZE5Ie1mG/W0Gan4XlTJikzpeoUssSlCqW90EEHq8FSP4baPUB0TNXLaxQoixSz/ADJ37FrmB48BQi4nMlyZS1GfMIGyGqY4NVyQe0Z/TarSzqlAzFEC4UpALk/LdDuACfSPqWm/hppkUAzJywklwspKVAgikgJFv0vFvD/4a6GXJMoyytRd5pJEy7jIbAtfYXeIk0wo+dSJOkrMlQKVjIKg175BCSGNiMgw90/BQof01BIbZv0v5xPX/wAKpxChLnyhsh0kcow7Ox8vpF/CP4eamSUgTkpln50pclLCwGy3a5YXJPaGmhUB/wDpDLbxUkn/AHKT+X+Iv/8ATky/9SalB8kqJ9aWjOajiAGqn+GFBMsiWKlE2T80wuLKUo5DABrDMPZfF+QL5SW3bp1zFpofUhP1CKChCwTsbAP/AMQG9iIz+j0xWtpiVAu9rb9uW97gC+WjyZ8Sj+ZQRQseImpLZDgKFhu+esfcDKEoBMqWhKewb7ZP6wOSbE0ZjScL0hQk/wArqBYWSZhFrBjUHjoa6v4loWU+GS3f9AY6Cpf1iwfD5mtTZJWolXJcOLuxbD99rQi1Or8Va1mUkuSVEEg3YVBz1exexaPY6PH4YpZIiqYNw8eJPQkgc+erZJfy+wh5p9I6QAhVIqZyFDDsEuATzAOq33jo6K5XSCTImeDQhlG4N1bApBtYD8NgALqMUr1Ezm8U1lxfFwTcs12J9h3jyOiE8fuRdAQWCtQpBdyGKgaQSl8s72wd/VjoNEVzJTmlC5glmwJNRAbdgxb0726Oi/KH5F6UeICUEggKUpJABAAuQUliA6Sxv5wVp5aHMyYRUlCXUQSWqABLbu3eOjocvRQalYllSVJpUAQq4L0mzEDu4xtBGnmJblVc3AbIf5mIZ+1o9jozkkgSGmjkzVKYCvBawDOO9rEWh9wz4bmTmQpIQVuUL5CEhJD2Bd8/Tzjo6Oz8eCSLiqJ8X4dK0NPjz5s2YoZlpADv81KiwACk2Bc362jLQpfPLUG3sQoA75F7Hc/aOjo6bzRp4NVwxWrt/TcYJqTdiz3Vmxi3h+rQJpoloSonmISkLvcuQN46Oi1kk06FpWDuDYg/UXhFqfhDSmYmZSQUqBAylwQQw2YjaOjojTKL9YZE0+FU0xikfOBdssz3ALu9oUzETdJLqXqisvfkck7XffeOjopDaM3xb+IQlzmCllZ5SjCAetku/kd4Yaf43qmolrrBWlQBQQACA9woG+WPaPY6EmFGg03H5SqU+JNBFy4BJBexIDDIxDuTqQoOklQPp946Og2ElRMagRhv4nfHP8jKSiSSZ816SRZCUtUu4ubpAHd9o6Oh0iT5Rw/4q1kybWZ0wku7rU3XANh5RvNB8ZauUxcTEHZV2+xw/wCkeR0FgT4LwbR69c/wVTZE+omdLJK0GouVgm7Fwyag3SKtf/CeaCyNUoyyWZLpp9CSCH2ePY6JewGfw7/DXTybTpRmTAokTq+wAFNuj3BuTeN9qkEhqs2/dnEeR0NbEKjwPSiykknckqeOjo6NEiT/2Q=="/>
+          <p:cNvSpPr>
+            <a:spLocks noChangeAspect="1" noChangeArrowheads="1"/>
+          </p:cNvSpPr>
+          <p:nvPr/>
+        </p:nvSpPr>
+        <p:spPr bwMode="auto">
+          <a:xfrm>
+            <a:off x="168275" y="-144463"/>
+            <a:ext cx="304800" cy="304801"/>
+          </a:xfrm>
+          <a:prstGeom prst="rect">
+            <a:avLst/>
+          </a:prstGeom>
+          <a:noFill/>
+        </p:spPr>
+        <p:txBody>
+          <a:bodyPr vert="horz" wrap="square" lIns="91440" tIns="45720" rIns="91440" bIns="45720" numCol="1" anchor="t" anchorCtr="0" compatLnSpc="1">
+            <a:prstTxWarp prst="textNoShape">
+              <a:avLst/>
+            </a:prstTxWarp>
+          </a:bodyPr>
+          <a:lstStyle/>
+          <a:p>
+            <a:endParaRPr lang="ko-KR" altLang="en-US"/>
+          </a:p>
+        </p:txBody>
+      </p:sp>
+      <p:pic>
+        <p:nvPicPr>
+          <p:cNvPr id="24584" name="Picture 8" descr="Living Streams Mission"/>
+          <p:cNvPicPr>
+            <a:picLocks noChangeAspect="1" noChangeArrowheads="1"/>
+          </p:cNvPicPr>
+          <p:nvPr/>
+        </p:nvPicPr>
+        <p:blipFill>
+          <a:blip r:embed="rId3" cstate="print"/>
+          <a:srcRect/>
+          <a:stretch>
+            <a:fillRect/>
+          </a:stretch>
+        </p:blipFill>
+        <p:spPr bwMode="auto">
+          <a:xfrm>
+            <a:off x="4788024" y="2636912"/>
+            <a:ext cx="3528392" cy="3528392"/>
+          </a:xfrm>
+          <a:prstGeom prst="rect">
+            <a:avLst/>
+          </a:prstGeom>
+          <a:noFill/>
+        </p:spPr>
+      </p:pic>
     </p:spTree>
   </p:cSld>
   <p:clrMapOvr>
@@ -4604,6 +5435,140 @@
           <a:chExt cx="0" cy="0"/>
         </a:xfrm>
       </p:grpSpPr>
+      <p:pic>
+        <p:nvPicPr>
+          <p:cNvPr id="4104" name="Picture 8" descr="http://www.americanitsolutions.com/Websites/ait_copy/images/dbdevelopment.png"/>
+          <p:cNvPicPr>
+            <a:picLocks noChangeAspect="1" noChangeArrowheads="1"/>
+          </p:cNvPicPr>
+          <p:nvPr/>
+        </p:nvPicPr>
+        <p:blipFill>
+          <a:blip r:embed="rId2" cstate="print"/>
+          <a:srcRect/>
+          <a:stretch>
+            <a:fillRect/>
+          </a:stretch>
+        </p:blipFill>
+        <p:spPr bwMode="auto">
+          <a:xfrm>
+            <a:off x="4644008" y="4437112"/>
+            <a:ext cx="3619500" cy="1778522"/>
+          </a:xfrm>
+          <a:prstGeom prst="rect">
+            <a:avLst/>
+          </a:prstGeom>
+          <a:noFill/>
+        </p:spPr>
+      </p:pic>
+      <p:grpSp>
+        <p:nvGrpSpPr>
+          <p:cNvPr id="11" name="그룹 10"/>
+          <p:cNvGrpSpPr/>
+          <p:nvPr/>
+        </p:nvGrpSpPr>
+        <p:grpSpPr>
+          <a:xfrm>
+            <a:off x="5292080" y="2348880"/>
+            <a:ext cx="2376264" cy="2088232"/>
+            <a:chOff x="5220072" y="2852936"/>
+            <a:chExt cx="2376264" cy="2088232"/>
+          </a:xfrm>
+        </p:grpSpPr>
+        <p:sp>
+          <p:nvSpPr>
+            <p:cNvPr id="12" name="직사각형 11"/>
+            <p:cNvSpPr/>
+            <p:nvPr/>
+          </p:nvSpPr>
+          <p:spPr>
+            <a:xfrm>
+              <a:off x="5220072" y="2852936"/>
+              <a:ext cx="2376264" cy="2088232"/>
+            </a:xfrm>
+            <a:prstGeom prst="rect">
+              <a:avLst/>
+            </a:prstGeom>
+          </p:spPr>
+          <p:style>
+            <a:lnRef idx="2">
+              <a:schemeClr val="accent1">
+                <a:shade val="50000"/>
+              </a:schemeClr>
+            </a:lnRef>
+            <a:fillRef idx="1">
+              <a:schemeClr val="accent1"/>
+            </a:fillRef>
+            <a:effectRef idx="0">
+              <a:schemeClr val="accent1"/>
+            </a:effectRef>
+            <a:fontRef idx="minor">
+              <a:schemeClr val="lt1"/>
+            </a:fontRef>
+          </p:style>
+          <p:txBody>
+            <a:bodyPr rtlCol="0" anchor="ctr"/>
+            <a:lstStyle/>
+            <a:p>
+              <a:pPr algn="ctr"/>
+              <a:r>
+                <a:rPr lang="en-US" altLang="ko-KR" dirty="0" smtClean="0"/>
+                <a:t>External(ICS7)</a:t>
+              </a:r>
+              <a:endParaRPr lang="ko-KR" altLang="en-US" dirty="0"/>
+            </a:p>
+          </p:txBody>
+        </p:sp>
+        <p:sp>
+          <p:nvSpPr>
+            <p:cNvPr id="13" name="모서리가 둥근 직사각형 12"/>
+            <p:cNvSpPr/>
+            <p:nvPr/>
+          </p:nvSpPr>
+          <p:spPr>
+            <a:xfrm>
+              <a:off x="5220072" y="4437112"/>
+              <a:ext cx="2376264" cy="504056"/>
+            </a:xfrm>
+            <a:prstGeom prst="roundRect">
+              <a:avLst/>
+            </a:prstGeom>
+            <a:solidFill>
+              <a:schemeClr val="accent3">
+                <a:lumMod val="75000"/>
+              </a:schemeClr>
+            </a:solidFill>
+          </p:spPr>
+          <p:style>
+            <a:lnRef idx="2">
+              <a:schemeClr val="accent1">
+                <a:shade val="50000"/>
+              </a:schemeClr>
+            </a:lnRef>
+            <a:fillRef idx="1">
+              <a:schemeClr val="accent1"/>
+            </a:fillRef>
+            <a:effectRef idx="0">
+              <a:schemeClr val="accent1"/>
+            </a:effectRef>
+            <a:fontRef idx="minor">
+              <a:schemeClr val="lt1"/>
+            </a:fontRef>
+          </p:style>
+          <p:txBody>
+            <a:bodyPr rtlCol="0" anchor="ctr"/>
+            <a:lstStyle/>
+            <a:p>
+              <a:pPr algn="ctr"/>
+              <a:r>
+                <a:rPr lang="en-US" altLang="ko-KR" dirty="0" err="1" smtClean="0"/>
+                <a:t>Craken</a:t>
+              </a:r>
+              <a:endParaRPr lang="ko-KR" altLang="en-US" sz="1200" dirty="0"/>
+            </a:p>
+          </p:txBody>
+        </p:sp>
+      </p:grpSp>
       <p:sp>
         <p:nvSpPr>
           <p:cNvPr id="2" name="제목 1"/>
@@ -4620,20 +5585,377 @@
           <a:lstStyle/>
           <a:p>
             <a:r>
+              <a:rPr lang="en-US" altLang="ko-KR" sz="2400" dirty="0" smtClean="0"/>
+              <a:t>Solve</a:t>
+            </a:r>
+            <a:r>
               <a:rPr lang="en-US" altLang="ko-KR" dirty="0" smtClean="0"/>
-              <a:t>S2 ICS</a:t>
-            </a:r>
-            <a:r>
-              <a:rPr lang="ko-KR" altLang="en-US" dirty="0" smtClean="0"/>
-              <a:t>는 </a:t>
-            </a:r>
+              <a:t> External Delegation</a:t>
+            </a:r>
+            <a:endParaRPr lang="ko-KR" altLang="en-US" dirty="0"/>
+          </a:p>
+        </p:txBody>
+      </p:sp>
+      <p:grpSp>
+        <p:nvGrpSpPr>
+          <p:cNvPr id="23" name="그룹 22"/>
+          <p:cNvGrpSpPr/>
+          <p:nvPr/>
+        </p:nvGrpSpPr>
+        <p:grpSpPr>
+          <a:xfrm>
+            <a:off x="1259632" y="2204864"/>
+            <a:ext cx="2376264" cy="2088232"/>
+            <a:chOff x="1259632" y="2204864"/>
+            <a:chExt cx="2376264" cy="2088232"/>
+          </a:xfrm>
+        </p:grpSpPr>
+        <p:sp>
+          <p:nvSpPr>
+            <p:cNvPr id="4" name="직사각형 3"/>
+            <p:cNvSpPr/>
+            <p:nvPr/>
+          </p:nvSpPr>
+          <p:spPr>
+            <a:xfrm>
+              <a:off x="1259632" y="2204864"/>
+              <a:ext cx="2376264" cy="2088232"/>
+            </a:xfrm>
+            <a:prstGeom prst="rect">
+              <a:avLst/>
+            </a:prstGeom>
+          </p:spPr>
+          <p:style>
+            <a:lnRef idx="2">
+              <a:schemeClr val="accent1">
+                <a:shade val="50000"/>
+              </a:schemeClr>
+            </a:lnRef>
+            <a:fillRef idx="1">
+              <a:schemeClr val="accent1"/>
+            </a:fillRef>
+            <a:effectRef idx="0">
+              <a:schemeClr val="accent1"/>
+            </a:effectRef>
+            <a:fontRef idx="minor">
+              <a:schemeClr val="lt1"/>
+            </a:fontRef>
+          </p:style>
+          <p:txBody>
+            <a:bodyPr rtlCol="0" anchor="ctr"/>
+            <a:lstStyle/>
+            <a:p>
+              <a:pPr algn="ctr"/>
+              <a:r>
+                <a:rPr lang="en-US" altLang="ko-KR" dirty="0" smtClean="0"/>
+                <a:t>ICS 6 Main</a:t>
+              </a:r>
+              <a:endParaRPr lang="ko-KR" altLang="en-US" dirty="0"/>
+            </a:p>
+          </p:txBody>
+        </p:sp>
+        <p:sp>
+          <p:nvSpPr>
+            <p:cNvPr id="6" name="모서리가 둥근 직사각형 5"/>
+            <p:cNvSpPr/>
+            <p:nvPr/>
+          </p:nvSpPr>
+          <p:spPr>
+            <a:xfrm>
+              <a:off x="1259632" y="3789040"/>
+              <a:ext cx="2376264" cy="504056"/>
+            </a:xfrm>
+            <a:prstGeom prst="roundRect">
+              <a:avLst/>
+            </a:prstGeom>
+            <a:solidFill>
+              <a:schemeClr val="accent3">
+                <a:lumMod val="75000"/>
+              </a:schemeClr>
+            </a:solidFill>
+          </p:spPr>
+          <p:style>
+            <a:lnRef idx="2">
+              <a:schemeClr val="accent1">
+                <a:shade val="50000"/>
+              </a:schemeClr>
+            </a:lnRef>
+            <a:fillRef idx="1">
+              <a:schemeClr val="accent1"/>
+            </a:fillRef>
+            <a:effectRef idx="0">
+              <a:schemeClr val="accent1"/>
+            </a:effectRef>
+            <a:fontRef idx="minor">
+              <a:schemeClr val="lt1"/>
+            </a:fontRef>
+          </p:style>
+          <p:txBody>
+            <a:bodyPr rtlCol="0" anchor="ctr"/>
+            <a:lstStyle/>
+            <a:p>
+              <a:pPr algn="ctr"/>
+              <a:r>
+                <a:rPr lang="en-US" altLang="ko-KR" dirty="0" err="1" smtClean="0"/>
+                <a:t>Craken</a:t>
+              </a:r>
+              <a:endParaRPr lang="ko-KR" altLang="en-US" sz="1200" dirty="0"/>
+            </a:p>
+          </p:txBody>
+        </p:sp>
+      </p:grpSp>
+      <p:grpSp>
+        <p:nvGrpSpPr>
+          <p:cNvPr id="10" name="그룹 9"/>
+          <p:cNvGrpSpPr/>
+          <p:nvPr/>
+        </p:nvGrpSpPr>
+        <p:grpSpPr>
+          <a:xfrm>
+            <a:off x="5148064" y="2204864"/>
+            <a:ext cx="2376264" cy="2088232"/>
+            <a:chOff x="5220072" y="2852936"/>
+            <a:chExt cx="2376264" cy="2088232"/>
+          </a:xfrm>
+        </p:grpSpPr>
+        <p:sp>
+          <p:nvSpPr>
+            <p:cNvPr id="5" name="직사각형 4"/>
+            <p:cNvSpPr/>
+            <p:nvPr/>
+          </p:nvSpPr>
+          <p:spPr>
+            <a:xfrm>
+              <a:off x="5220072" y="2852936"/>
+              <a:ext cx="2376264" cy="2088232"/>
+            </a:xfrm>
+            <a:prstGeom prst="rect">
+              <a:avLst/>
+            </a:prstGeom>
+          </p:spPr>
+          <p:style>
+            <a:lnRef idx="2">
+              <a:schemeClr val="accent1">
+                <a:shade val="50000"/>
+              </a:schemeClr>
+            </a:lnRef>
+            <a:fillRef idx="1">
+              <a:schemeClr val="accent1"/>
+            </a:fillRef>
+            <a:effectRef idx="0">
+              <a:schemeClr val="accent1"/>
+            </a:effectRef>
+            <a:fontRef idx="minor">
+              <a:schemeClr val="lt1"/>
+            </a:fontRef>
+          </p:style>
+          <p:txBody>
+            <a:bodyPr rtlCol="0" anchor="ctr"/>
+            <a:lstStyle/>
+            <a:p>
+              <a:pPr algn="ctr"/>
+              <a:r>
+                <a:rPr lang="en-US" altLang="ko-KR" dirty="0" smtClean="0"/>
+                <a:t>External(ICS7)</a:t>
+              </a:r>
+              <a:endParaRPr lang="ko-KR" altLang="en-US" dirty="0"/>
+            </a:p>
+          </p:txBody>
+        </p:sp>
+        <p:sp>
+          <p:nvSpPr>
+            <p:cNvPr id="8" name="모서리가 둥근 직사각형 7"/>
+            <p:cNvSpPr/>
+            <p:nvPr/>
+          </p:nvSpPr>
+          <p:spPr>
+            <a:xfrm>
+              <a:off x="5220072" y="4437112"/>
+              <a:ext cx="2376264" cy="504056"/>
+            </a:xfrm>
+            <a:prstGeom prst="roundRect">
+              <a:avLst/>
+            </a:prstGeom>
+            <a:solidFill>
+              <a:schemeClr val="accent3">
+                <a:lumMod val="75000"/>
+              </a:schemeClr>
+            </a:solidFill>
+          </p:spPr>
+          <p:style>
+            <a:lnRef idx="2">
+              <a:schemeClr val="accent1">
+                <a:shade val="50000"/>
+              </a:schemeClr>
+            </a:lnRef>
+            <a:fillRef idx="1">
+              <a:schemeClr val="accent1"/>
+            </a:fillRef>
+            <a:effectRef idx="0">
+              <a:schemeClr val="accent1"/>
+            </a:effectRef>
+            <a:fontRef idx="minor">
+              <a:schemeClr val="lt1"/>
+            </a:fontRef>
+          </p:style>
+          <p:txBody>
+            <a:bodyPr rtlCol="0" anchor="ctr"/>
+            <a:lstStyle/>
+            <a:p>
+              <a:pPr algn="ctr"/>
+              <a:r>
+                <a:rPr lang="en-US" altLang="ko-KR" dirty="0" err="1" smtClean="0"/>
+                <a:t>Craken</a:t>
+              </a:r>
+              <a:endParaRPr lang="ko-KR" altLang="en-US" sz="1200" dirty="0"/>
+            </a:p>
+          </p:txBody>
+        </p:sp>
+      </p:grpSp>
+      <p:sp>
+        <p:nvSpPr>
+          <p:cNvPr id="9" name="왼쪽/오른쪽 화살표 8"/>
+          <p:cNvSpPr/>
+          <p:nvPr/>
+        </p:nvSpPr>
+        <p:spPr>
+          <a:xfrm>
+            <a:off x="3707904" y="3789040"/>
+            <a:ext cx="1368152" cy="576064"/>
+          </a:xfrm>
+          <a:prstGeom prst="leftRightArrow">
+            <a:avLst/>
+          </a:prstGeom>
+          <a:solidFill>
+            <a:schemeClr val="accent3">
+              <a:lumMod val="75000"/>
+            </a:schemeClr>
+          </a:solidFill>
+        </p:spPr>
+        <p:style>
+          <a:lnRef idx="2">
+            <a:schemeClr val="accent1">
+              <a:shade val="50000"/>
+            </a:schemeClr>
+          </a:lnRef>
+          <a:fillRef idx="1">
+            <a:schemeClr val="accent1"/>
+          </a:fillRef>
+          <a:effectRef idx="0">
+            <a:schemeClr val="accent1"/>
+          </a:effectRef>
+          <a:fontRef idx="minor">
+            <a:schemeClr val="lt1"/>
+          </a:fontRef>
+        </p:style>
+        <p:txBody>
+          <a:bodyPr rtlCol="0" anchor="ctr"/>
+          <a:lstStyle/>
+          <a:p>
+            <a:pPr algn="ctr"/>
+            <a:endParaRPr lang="ko-KR" altLang="en-US" dirty="0"/>
+          </a:p>
+        </p:txBody>
+      </p:sp>
+      <p:sp>
+        <p:nvSpPr>
+          <p:cNvPr id="15" name="TextBox 14"/>
+          <p:cNvSpPr txBox="1"/>
+          <p:nvPr/>
+        </p:nvSpPr>
+        <p:spPr>
+          <a:xfrm>
+            <a:off x="899592" y="5877272"/>
+            <a:ext cx="1354858" cy="369332"/>
+          </a:xfrm>
+          <a:prstGeom prst="rect">
+            <a:avLst/>
+          </a:prstGeom>
+          <a:noFill/>
+        </p:spPr>
+        <p:txBody>
+          <a:bodyPr wrap="none" rtlCol="0">
+            <a:spAutoFit/>
+          </a:bodyPr>
+          <a:lstStyle/>
+          <a:p>
+            <a:r>
+              <a:rPr lang="en-US" altLang="ko-KR" dirty="0" smtClean="0"/>
+              <a:t>ICS6 oracle</a:t>
+            </a:r>
+            <a:endParaRPr lang="ko-KR" altLang="en-US" dirty="0"/>
+          </a:p>
+        </p:txBody>
+      </p:sp>
+      <p:sp>
+        <p:nvSpPr>
+          <p:cNvPr id="17" name="오른쪽으로 구부러진 화살표 16"/>
+          <p:cNvSpPr/>
+          <p:nvPr/>
+        </p:nvSpPr>
+        <p:spPr>
+          <a:xfrm>
+            <a:off x="683568" y="3501008"/>
+            <a:ext cx="576064" cy="1368152"/>
+          </a:xfrm>
+          <a:prstGeom prst="curvedRightArrow">
+            <a:avLst/>
+          </a:prstGeom>
+        </p:spPr>
+        <p:style>
+          <a:lnRef idx="2">
+            <a:schemeClr val="accent1">
+              <a:shade val="50000"/>
+            </a:schemeClr>
+          </a:lnRef>
+          <a:fillRef idx="1">
+            <a:schemeClr val="accent1"/>
+          </a:fillRef>
+          <a:effectRef idx="0">
+            <a:schemeClr val="accent1"/>
+          </a:effectRef>
+          <a:fontRef idx="minor">
+            <a:schemeClr val="lt1"/>
+          </a:fontRef>
+        </p:style>
+        <p:txBody>
+          <a:bodyPr rtlCol="0" anchor="ctr"/>
+          <a:lstStyle/>
+          <a:p>
+            <a:pPr algn="ctr"/>
+            <a:endParaRPr lang="ko-KR" altLang="en-US">
+              <a:solidFill>
+                <a:schemeClr val="tx1"/>
+              </a:solidFill>
+            </a:endParaRPr>
+          </a:p>
+        </p:txBody>
+      </p:sp>
+      <p:sp>
+        <p:nvSpPr>
+          <p:cNvPr id="21" name="TextBox 20"/>
+          <p:cNvSpPr txBox="1"/>
+          <p:nvPr/>
+        </p:nvSpPr>
+        <p:spPr>
+          <a:xfrm>
+            <a:off x="5724128" y="5949280"/>
+            <a:ext cx="2232248" cy="369332"/>
+          </a:xfrm>
+          <a:prstGeom prst="rect">
+            <a:avLst/>
+          </a:prstGeom>
+          <a:noFill/>
+        </p:spPr>
+        <p:txBody>
+          <a:bodyPr wrap="square" rtlCol="0">
+            <a:spAutoFit/>
+          </a:bodyPr>
+          <a:lstStyle/>
+          <a:p>
             <a:r>
               <a:rPr lang="en-US" altLang="ko-KR" dirty="0" err="1" smtClean="0"/>
-              <a:t>DataSource</a:t>
-            </a:r>
-            <a:r>
-              <a:rPr lang="ko-KR" altLang="en-US" dirty="0" smtClean="0"/>
-              <a:t>로</a:t>
+              <a:t>DATASource</a:t>
             </a:r>
             <a:endParaRPr lang="ko-KR" altLang="en-US" dirty="0"/>
           </a:p>
@@ -4641,23 +5963,60 @@
       </p:sp>
       <p:sp>
         <p:nvSpPr>
-          <p:cNvPr id="3" name="내용 개체 틀 2"/>
-          <p:cNvSpPr>
-            <a:spLocks noGrp="1"/>
-          </p:cNvSpPr>
-          <p:nvPr>
-            <p:ph idx="1"/>
-          </p:nvPr>
-        </p:nvSpPr>
-        <p:spPr/>
-        <p:txBody>
-          <a:bodyPr/>
-          <a:lstStyle/>
-          <a:p>
-            <a:endParaRPr lang="ko-KR" altLang="en-US"/>
-          </a:p>
-        </p:txBody>
-      </p:sp>
+          <p:cNvPr id="22" name="TextBox 21"/>
+          <p:cNvSpPr txBox="1"/>
+          <p:nvPr/>
+        </p:nvSpPr>
+        <p:spPr>
+          <a:xfrm>
+            <a:off x="3635896" y="4365104"/>
+            <a:ext cx="1545616" cy="369332"/>
+          </a:xfrm>
+          <a:prstGeom prst="rect">
+            <a:avLst/>
+          </a:prstGeom>
+          <a:noFill/>
+        </p:spPr>
+        <p:txBody>
+          <a:bodyPr wrap="none" rtlCol="0">
+            <a:spAutoFit/>
+          </a:bodyPr>
+          <a:lstStyle/>
+          <a:p>
+            <a:r>
+              <a:rPr lang="en-US" altLang="ko-KR" dirty="0" smtClean="0"/>
+              <a:t>REPL or DIST</a:t>
+            </a:r>
+            <a:endParaRPr lang="ko-KR" altLang="en-US" dirty="0"/>
+          </a:p>
+        </p:txBody>
+      </p:sp>
+      <p:pic>
+        <p:nvPicPr>
+          <p:cNvPr id="24" name="Picture 6" descr="http://pixabay.com/static/uploads/photo/2013/07/13/10/17/computer-156948_640.png"/>
+          <p:cNvPicPr>
+            <a:picLocks noChangeAspect="1" noChangeArrowheads="1"/>
+          </p:cNvPicPr>
+          <p:nvPr/>
+        </p:nvPicPr>
+        <p:blipFill>
+          <a:blip r:embed="rId3" cstate="print"/>
+          <a:srcRect/>
+          <a:stretch>
+            <a:fillRect/>
+          </a:stretch>
+        </p:blipFill>
+        <p:spPr bwMode="auto">
+          <a:xfrm>
+            <a:off x="1259632" y="4581128"/>
+            <a:ext cx="1512168" cy="1265925"/>
+          </a:xfrm>
+          <a:prstGeom prst="rect">
+            <a:avLst/>
+          </a:prstGeom>
+          <a:noFill/>
+        </p:spPr>
+      </p:pic>
     </p:spTree>
   </p:cSld>
   <p:clrMapOvr>
@@ -4699,25 +6058,758 @@
           <a:lstStyle/>
           <a:p>
             <a:r>
-              <a:rPr lang="en-US" altLang="ko-KR" dirty="0"/>
-              <a:t>S</a:t>
+              <a:rPr lang="en-US" altLang="ko-KR" sz="2400" dirty="0" smtClean="0"/>
+              <a:t>Solve</a:t>
             </a:r>
             <a:r>
               <a:rPr lang="en-US" altLang="ko-KR" dirty="0" smtClean="0"/>
-              <a:t>3 Defined Script</a:t>
+              <a:t> ICS</a:t>
+            </a:r>
+            <a:r>
+              <a:rPr lang="ko-KR" altLang="en-US" dirty="0" smtClean="0"/>
+              <a:t>는 </a:t>
+            </a:r>
+            <a:r>
+              <a:rPr lang="en-US" altLang="ko-KR" dirty="0" err="1" smtClean="0"/>
+              <a:t>DataSource</a:t>
+            </a:r>
+            <a:r>
+              <a:rPr lang="ko-KR" altLang="en-US" dirty="0" smtClean="0"/>
+              <a:t>로</a:t>
             </a:r>
             <a:endParaRPr lang="ko-KR" altLang="en-US" dirty="0"/>
           </a:p>
         </p:txBody>
       </p:sp>
-      <p:sp>
-        <p:nvSpPr>
-          <p:cNvPr id="3" name="내용 개체 틀 2"/>
-          <p:cNvSpPr>
-            <a:spLocks noGrp="1"/>
-          </p:cNvSpPr>
-          <p:nvPr>
-            <p:ph idx="1"/>
+      <p:grpSp>
+        <p:nvGrpSpPr>
+          <p:cNvPr id="10" name="그룹 9"/>
+          <p:cNvGrpSpPr/>
+          <p:nvPr/>
+        </p:nvGrpSpPr>
+        <p:grpSpPr>
+          <a:xfrm>
+            <a:off x="5436096" y="1916832"/>
+            <a:ext cx="2376264" cy="2088232"/>
+            <a:chOff x="5220072" y="2852936"/>
+            <a:chExt cx="2376264" cy="2088232"/>
+          </a:xfrm>
+        </p:grpSpPr>
+        <p:sp>
+          <p:nvSpPr>
+            <p:cNvPr id="11" name="직사각형 10"/>
+            <p:cNvSpPr/>
+            <p:nvPr/>
+          </p:nvSpPr>
+          <p:spPr>
+            <a:xfrm>
+              <a:off x="5220072" y="2852936"/>
+              <a:ext cx="2376264" cy="2088232"/>
+            </a:xfrm>
+            <a:prstGeom prst="rect">
+              <a:avLst/>
+            </a:prstGeom>
+          </p:spPr>
+          <p:style>
+            <a:lnRef idx="2">
+              <a:schemeClr val="accent1">
+                <a:shade val="50000"/>
+              </a:schemeClr>
+            </a:lnRef>
+            <a:fillRef idx="1">
+              <a:schemeClr val="accent1"/>
+            </a:fillRef>
+            <a:effectRef idx="0">
+              <a:schemeClr val="accent1"/>
+            </a:effectRef>
+            <a:fontRef idx="minor">
+              <a:schemeClr val="lt1"/>
+            </a:fontRef>
+          </p:style>
+          <p:txBody>
+            <a:bodyPr rtlCol="0" anchor="ctr"/>
+            <a:lstStyle/>
+            <a:p>
+              <a:pPr algn="ctr"/>
+              <a:r>
+                <a:rPr lang="en-US" altLang="ko-KR" dirty="0" smtClean="0"/>
+                <a:t>External(ICS7)</a:t>
+              </a:r>
+              <a:endParaRPr lang="ko-KR" altLang="en-US" dirty="0"/>
+            </a:p>
+          </p:txBody>
+        </p:sp>
+        <p:sp>
+          <p:nvSpPr>
+            <p:cNvPr id="12" name="모서리가 둥근 직사각형 11"/>
+            <p:cNvSpPr/>
+            <p:nvPr/>
+          </p:nvSpPr>
+          <p:spPr>
+            <a:xfrm>
+              <a:off x="5220072" y="4437112"/>
+              <a:ext cx="2376264" cy="504056"/>
+            </a:xfrm>
+            <a:prstGeom prst="roundRect">
+              <a:avLst/>
+            </a:prstGeom>
+            <a:solidFill>
+              <a:schemeClr val="accent3">
+                <a:lumMod val="75000"/>
+              </a:schemeClr>
+            </a:solidFill>
+          </p:spPr>
+          <p:style>
+            <a:lnRef idx="2">
+              <a:schemeClr val="accent1">
+                <a:shade val="50000"/>
+              </a:schemeClr>
+            </a:lnRef>
+            <a:fillRef idx="1">
+              <a:schemeClr val="accent1"/>
+            </a:fillRef>
+            <a:effectRef idx="0">
+              <a:schemeClr val="accent1"/>
+            </a:effectRef>
+            <a:fontRef idx="minor">
+              <a:schemeClr val="lt1"/>
+            </a:fontRef>
+          </p:style>
+          <p:txBody>
+            <a:bodyPr rtlCol="0" anchor="ctr"/>
+            <a:lstStyle/>
+            <a:p>
+              <a:pPr algn="ctr"/>
+              <a:r>
+                <a:rPr lang="en-US" altLang="ko-KR" dirty="0" err="1" smtClean="0"/>
+                <a:t>Craken</a:t>
+              </a:r>
+              <a:endParaRPr lang="ko-KR" altLang="en-US" sz="1200" dirty="0"/>
+            </a:p>
+          </p:txBody>
+        </p:sp>
+      </p:grpSp>
+      <p:grpSp>
+        <p:nvGrpSpPr>
+          <p:cNvPr id="16" name="그룹 15"/>
+          <p:cNvGrpSpPr/>
+          <p:nvPr/>
+        </p:nvGrpSpPr>
+        <p:grpSpPr>
+          <a:xfrm>
+            <a:off x="1196170" y="1997386"/>
+            <a:ext cx="2376264" cy="2088232"/>
+            <a:chOff x="1259632" y="2204864"/>
+            <a:chExt cx="2376264" cy="2088232"/>
+          </a:xfrm>
+        </p:grpSpPr>
+        <p:sp>
+          <p:nvSpPr>
+            <p:cNvPr id="17" name="직사각형 16"/>
+            <p:cNvSpPr/>
+            <p:nvPr/>
+          </p:nvSpPr>
+          <p:spPr>
+            <a:xfrm>
+              <a:off x="1259632" y="2204864"/>
+              <a:ext cx="2376264" cy="2088232"/>
+            </a:xfrm>
+            <a:prstGeom prst="rect">
+              <a:avLst/>
+            </a:prstGeom>
+          </p:spPr>
+          <p:style>
+            <a:lnRef idx="2">
+              <a:schemeClr val="accent1">
+                <a:shade val="50000"/>
+              </a:schemeClr>
+            </a:lnRef>
+            <a:fillRef idx="1">
+              <a:schemeClr val="accent1"/>
+            </a:fillRef>
+            <a:effectRef idx="0">
+              <a:schemeClr val="accent1"/>
+            </a:effectRef>
+            <a:fontRef idx="minor">
+              <a:schemeClr val="lt1"/>
+            </a:fontRef>
+          </p:style>
+          <p:txBody>
+            <a:bodyPr rtlCol="0" anchor="ctr"/>
+            <a:lstStyle/>
+            <a:p>
+              <a:pPr algn="ctr"/>
+              <a:r>
+                <a:rPr lang="en-US" altLang="ko-KR" dirty="0" smtClean="0"/>
+                <a:t>ICS or NISS or ICLS</a:t>
+              </a:r>
+            </a:p>
+          </p:txBody>
+        </p:sp>
+        <p:sp>
+          <p:nvSpPr>
+            <p:cNvPr id="18" name="모서리가 둥근 직사각형 17"/>
+            <p:cNvSpPr/>
+            <p:nvPr/>
+          </p:nvSpPr>
+          <p:spPr>
+            <a:xfrm>
+              <a:off x="1259632" y="3789040"/>
+              <a:ext cx="2376264" cy="504056"/>
+            </a:xfrm>
+            <a:prstGeom prst="roundRect">
+              <a:avLst/>
+            </a:prstGeom>
+            <a:solidFill>
+              <a:schemeClr val="accent3">
+                <a:lumMod val="75000"/>
+              </a:schemeClr>
+            </a:solidFill>
+          </p:spPr>
+          <p:style>
+            <a:lnRef idx="2">
+              <a:schemeClr val="accent1">
+                <a:shade val="50000"/>
+              </a:schemeClr>
+            </a:lnRef>
+            <a:fillRef idx="1">
+              <a:schemeClr val="accent1"/>
+            </a:fillRef>
+            <a:effectRef idx="0">
+              <a:schemeClr val="accent1"/>
+            </a:effectRef>
+            <a:fontRef idx="minor">
+              <a:schemeClr val="lt1"/>
+            </a:fontRef>
+          </p:style>
+          <p:txBody>
+            <a:bodyPr rtlCol="0" anchor="ctr"/>
+            <a:lstStyle/>
+            <a:p>
+              <a:pPr algn="ctr"/>
+              <a:r>
+                <a:rPr lang="en-US" altLang="ko-KR" dirty="0" err="1" smtClean="0"/>
+                <a:t>Craken</a:t>
+              </a:r>
+              <a:endParaRPr lang="ko-KR" altLang="en-US" sz="1200" dirty="0"/>
+            </a:p>
+          </p:txBody>
+        </p:sp>
+      </p:grpSp>
+      <p:grpSp>
+        <p:nvGrpSpPr>
+          <p:cNvPr id="13" name="그룹 12"/>
+          <p:cNvGrpSpPr/>
+          <p:nvPr/>
+        </p:nvGrpSpPr>
+        <p:grpSpPr>
+          <a:xfrm>
+            <a:off x="1115616" y="1916832"/>
+            <a:ext cx="2376264" cy="2088232"/>
+            <a:chOff x="1259632" y="2204864"/>
+            <a:chExt cx="2376264" cy="2088232"/>
+          </a:xfrm>
+        </p:grpSpPr>
+        <p:sp>
+          <p:nvSpPr>
+            <p:cNvPr id="14" name="직사각형 13"/>
+            <p:cNvSpPr/>
+            <p:nvPr/>
+          </p:nvSpPr>
+          <p:spPr>
+            <a:xfrm>
+              <a:off x="1259632" y="2204864"/>
+              <a:ext cx="2376264" cy="2088232"/>
+            </a:xfrm>
+            <a:prstGeom prst="rect">
+              <a:avLst/>
+            </a:prstGeom>
+          </p:spPr>
+          <p:style>
+            <a:lnRef idx="2">
+              <a:schemeClr val="accent1">
+                <a:shade val="50000"/>
+              </a:schemeClr>
+            </a:lnRef>
+            <a:fillRef idx="1">
+              <a:schemeClr val="accent1"/>
+            </a:fillRef>
+            <a:effectRef idx="0">
+              <a:schemeClr val="accent1"/>
+            </a:effectRef>
+            <a:fontRef idx="minor">
+              <a:schemeClr val="lt1"/>
+            </a:fontRef>
+          </p:style>
+          <p:txBody>
+            <a:bodyPr rtlCol="0" anchor="ctr"/>
+            <a:lstStyle/>
+            <a:p>
+              <a:pPr algn="ctr"/>
+              <a:r>
+                <a:rPr lang="en-US" altLang="ko-KR" dirty="0" smtClean="0"/>
+                <a:t>ICS or NISS or ICLS</a:t>
+              </a:r>
+            </a:p>
+          </p:txBody>
+        </p:sp>
+        <p:sp>
+          <p:nvSpPr>
+            <p:cNvPr id="15" name="모서리가 둥근 직사각형 14"/>
+            <p:cNvSpPr/>
+            <p:nvPr/>
+          </p:nvSpPr>
+          <p:spPr>
+            <a:xfrm>
+              <a:off x="1259632" y="3789040"/>
+              <a:ext cx="2376264" cy="504056"/>
+            </a:xfrm>
+            <a:prstGeom prst="roundRect">
+              <a:avLst/>
+            </a:prstGeom>
+            <a:solidFill>
+              <a:schemeClr val="accent3">
+                <a:lumMod val="75000"/>
+              </a:schemeClr>
+            </a:solidFill>
+          </p:spPr>
+          <p:style>
+            <a:lnRef idx="2">
+              <a:schemeClr val="accent1">
+                <a:shade val="50000"/>
+              </a:schemeClr>
+            </a:lnRef>
+            <a:fillRef idx="1">
+              <a:schemeClr val="accent1"/>
+            </a:fillRef>
+            <a:effectRef idx="0">
+              <a:schemeClr val="accent1"/>
+            </a:effectRef>
+            <a:fontRef idx="minor">
+              <a:schemeClr val="lt1"/>
+            </a:fontRef>
+          </p:style>
+          <p:txBody>
+            <a:bodyPr rtlCol="0" anchor="ctr"/>
+            <a:lstStyle/>
+            <a:p>
+              <a:pPr algn="ctr"/>
+              <a:r>
+                <a:rPr lang="en-US" altLang="ko-KR" dirty="0" err="1" smtClean="0"/>
+                <a:t>Craken</a:t>
+              </a:r>
+              <a:endParaRPr lang="ko-KR" altLang="en-US" sz="1200" dirty="0"/>
+            </a:p>
+          </p:txBody>
+        </p:sp>
+      </p:grpSp>
+      <p:sp>
+        <p:nvSpPr>
+          <p:cNvPr id="19" name="왼쪽/오른쪽 화살표 18"/>
+          <p:cNvSpPr/>
+          <p:nvPr/>
+        </p:nvSpPr>
+        <p:spPr>
+          <a:xfrm>
+            <a:off x="3707904" y="2996952"/>
+            <a:ext cx="1656184" cy="576064"/>
+          </a:xfrm>
+          <a:prstGeom prst="leftRightArrow">
+            <a:avLst/>
+          </a:prstGeom>
+          <a:solidFill>
+            <a:schemeClr val="accent3">
+              <a:lumMod val="75000"/>
+            </a:schemeClr>
+          </a:solidFill>
+        </p:spPr>
+        <p:style>
+          <a:lnRef idx="2">
+            <a:schemeClr val="accent1">
+              <a:shade val="50000"/>
+            </a:schemeClr>
+          </a:lnRef>
+          <a:fillRef idx="1">
+            <a:schemeClr val="accent1"/>
+          </a:fillRef>
+          <a:effectRef idx="0">
+            <a:schemeClr val="accent1"/>
+          </a:effectRef>
+          <a:fontRef idx="minor">
+            <a:schemeClr val="lt1"/>
+          </a:fontRef>
+        </p:style>
+        <p:txBody>
+          <a:bodyPr rtlCol="0" anchor="ctr"/>
+          <a:lstStyle/>
+          <a:p>
+            <a:pPr algn="ctr"/>
+            <a:r>
+              <a:rPr lang="en-US" altLang="ko-KR" dirty="0" smtClean="0"/>
+              <a:t>Clustering</a:t>
+            </a:r>
+            <a:endParaRPr lang="ko-KR" altLang="en-US" dirty="0"/>
+          </a:p>
+        </p:txBody>
+      </p:sp>
+      <p:sp>
+        <p:nvSpPr>
+          <p:cNvPr id="20" name="TextBox 19"/>
+          <p:cNvSpPr txBox="1"/>
+          <p:nvPr/>
+        </p:nvSpPr>
+        <p:spPr>
+          <a:xfrm>
+            <a:off x="3779912" y="3573016"/>
+            <a:ext cx="1545616" cy="369332"/>
+          </a:xfrm>
+          <a:prstGeom prst="rect">
+            <a:avLst/>
+          </a:prstGeom>
+          <a:noFill/>
+        </p:spPr>
+        <p:txBody>
+          <a:bodyPr wrap="none" rtlCol="0">
+            <a:spAutoFit/>
+          </a:bodyPr>
+          <a:lstStyle/>
+          <a:p>
+            <a:r>
+              <a:rPr lang="en-US" altLang="ko-KR" dirty="0" smtClean="0"/>
+              <a:t>REPL or DIST</a:t>
+            </a:r>
+            <a:endParaRPr lang="ko-KR" altLang="en-US" dirty="0"/>
+          </a:p>
+        </p:txBody>
+      </p:sp>
+      <p:sp>
+        <p:nvSpPr>
+          <p:cNvPr id="24" name="TextBox 23"/>
+          <p:cNvSpPr txBox="1"/>
+          <p:nvPr/>
+        </p:nvSpPr>
+        <p:spPr>
+          <a:xfrm>
+            <a:off x="3419872" y="5949280"/>
+            <a:ext cx="2029658" cy="369332"/>
+          </a:xfrm>
+          <a:prstGeom prst="rect">
+            <a:avLst/>
+          </a:prstGeom>
+          <a:noFill/>
+        </p:spPr>
+        <p:txBody>
+          <a:bodyPr wrap="none" rtlCol="0">
+            <a:spAutoFit/>
+          </a:bodyPr>
+          <a:lstStyle/>
+          <a:p>
+            <a:r>
+              <a:rPr lang="en-US" altLang="ko-KR" dirty="0" smtClean="0"/>
+              <a:t>Other </a:t>
+            </a:r>
+            <a:r>
+              <a:rPr lang="en-US" altLang="ko-KR" dirty="0" err="1" smtClean="0"/>
+              <a:t>Datasource</a:t>
+            </a:r>
+            <a:endParaRPr lang="ko-KR" altLang="en-US" dirty="0"/>
+          </a:p>
+        </p:txBody>
+      </p:sp>
+      <p:pic>
+        <p:nvPicPr>
+          <p:cNvPr id="25" name="Picture 6" descr="http://pixabay.com/static/uploads/photo/2013/07/13/10/17/computer-156948_640.png"/>
+          <p:cNvPicPr>
+            <a:picLocks noChangeAspect="1" noChangeArrowheads="1"/>
+          </p:cNvPicPr>
+          <p:nvPr/>
+        </p:nvPicPr>
+        <p:blipFill>
+          <a:blip r:embed="rId2" cstate="print"/>
+          <a:srcRect/>
+          <a:stretch>
+            <a:fillRect/>
+          </a:stretch>
+        </p:blipFill>
+        <p:spPr bwMode="auto">
+          <a:xfrm>
+            <a:off x="2339752" y="4869160"/>
+            <a:ext cx="1224136" cy="1024796"/>
+          </a:xfrm>
+          <a:prstGeom prst="rect">
+            <a:avLst/>
+          </a:prstGeom>
+          <a:noFill/>
+        </p:spPr>
+      </p:pic>
+      <p:pic>
+        <p:nvPicPr>
+          <p:cNvPr id="26" name="Picture 4" descr="http://png-3.findicons.com/files/icons/977/rrze/720/computer_database.png"/>
+          <p:cNvPicPr>
+            <a:picLocks noChangeAspect="1" noChangeArrowheads="1"/>
+          </p:cNvPicPr>
+          <p:nvPr/>
+        </p:nvPicPr>
+        <p:blipFill>
+          <a:blip r:embed="rId3" cstate="print"/>
+          <a:srcRect/>
+          <a:stretch>
+            <a:fillRect/>
+          </a:stretch>
+        </p:blipFill>
+        <p:spPr bwMode="auto">
+          <a:xfrm>
+            <a:off x="3707904" y="4869160"/>
+            <a:ext cx="1425200" cy="1008112"/>
+          </a:xfrm>
+          <a:prstGeom prst="rect">
+            <a:avLst/>
+          </a:prstGeom>
+          <a:noFill/>
+        </p:spPr>
+      </p:pic>
+      <p:pic>
+        <p:nvPicPr>
+          <p:cNvPr id="22530" name="Picture 2" descr="http://fc07.deviantart.net/fs71/f/2011/142/2/a/computer_database_icon_by_gos6-d3h06we.jpg"/>
+          <p:cNvPicPr>
+            <a:picLocks noChangeAspect="1" noChangeArrowheads="1"/>
+          </p:cNvPicPr>
+          <p:nvPr/>
+        </p:nvPicPr>
+        <p:blipFill>
+          <a:blip r:embed="rId4" cstate="print"/>
+          <a:srcRect/>
+          <a:stretch>
+            <a:fillRect/>
+          </a:stretch>
+        </p:blipFill>
+        <p:spPr bwMode="auto">
+          <a:xfrm>
+            <a:off x="5220071" y="4869160"/>
+            <a:ext cx="1660419" cy="1008112"/>
+          </a:xfrm>
+          <a:prstGeom prst="rect">
+            <a:avLst/>
+          </a:prstGeom>
+          <a:noFill/>
+        </p:spPr>
+      </p:pic>
+      <p:sp>
+        <p:nvSpPr>
+          <p:cNvPr id="28" name="아래쪽 화살표 27"/>
+          <p:cNvSpPr/>
+          <p:nvPr/>
+        </p:nvSpPr>
+        <p:spPr>
+          <a:xfrm>
+            <a:off x="6444208" y="4293096"/>
+            <a:ext cx="864096" cy="576064"/>
+          </a:xfrm>
+          <a:prstGeom prst="downArrow">
+            <a:avLst/>
+          </a:prstGeom>
+          <a:solidFill>
+            <a:schemeClr val="accent3">
+              <a:lumMod val="75000"/>
+            </a:schemeClr>
+          </a:solidFill>
+        </p:spPr>
+        <p:style>
+          <a:lnRef idx="2">
+            <a:schemeClr val="accent1">
+              <a:shade val="50000"/>
+            </a:schemeClr>
+          </a:lnRef>
+          <a:fillRef idx="1">
+            <a:schemeClr val="accent1"/>
+          </a:fillRef>
+          <a:effectRef idx="0">
+            <a:schemeClr val="accent1"/>
+          </a:effectRef>
+          <a:fontRef idx="minor">
+            <a:schemeClr val="lt1"/>
+          </a:fontRef>
+        </p:style>
+        <p:txBody>
+          <a:bodyPr rtlCol="0" anchor="ctr"/>
+          <a:lstStyle/>
+          <a:p>
+            <a:pPr algn="ctr"/>
+            <a:endParaRPr lang="ko-KR" altLang="en-US"/>
+          </a:p>
+        </p:txBody>
+      </p:sp>
+      <p:sp>
+        <p:nvSpPr>
+          <p:cNvPr id="29" name="TextBox 28"/>
+          <p:cNvSpPr txBox="1"/>
+          <p:nvPr/>
+        </p:nvSpPr>
+        <p:spPr>
+          <a:xfrm>
+            <a:off x="5364088" y="4365104"/>
+            <a:ext cx="1103187" cy="369332"/>
+          </a:xfrm>
+          <a:prstGeom prst="rect">
+            <a:avLst/>
+          </a:prstGeom>
+          <a:noFill/>
+        </p:spPr>
+        <p:txBody>
+          <a:bodyPr wrap="none" rtlCol="0">
+            <a:spAutoFit/>
+          </a:bodyPr>
+          <a:lstStyle/>
+          <a:p>
+            <a:r>
+              <a:rPr lang="en-US" altLang="ko-KR" dirty="0" smtClean="0"/>
+              <a:t>Scripting</a:t>
+            </a:r>
+            <a:endParaRPr lang="ko-KR" altLang="en-US" dirty="0"/>
+          </a:p>
+        </p:txBody>
+      </p:sp>
+    </p:spTree>
+  </p:cSld>
+  <p:clrMapOvr>
+    <a:masterClrMapping/>
+  </p:clrMapOvr>
+</p:sld>
+</file>
+
+<file path=ppt/slides/slide9.xml><?xml version="1.0" encoding="utf-8"?>
+<p:sld xmlns:a="http://schemas.openxmlformats.org/drawingml/2006/main" xmlns:r="http://schemas.openxmlformats.org/officeDocument/2006/relationships" xmlns:p="http://schemas.openxmlformats.org/presentationml/2006/main">
+  <p:cSld>
+    <p:spTree>
+      <p:nvGrpSpPr>
+        <p:cNvPr id="1" name=""/>
+        <p:cNvGrpSpPr/>
+        <p:nvPr/>
+      </p:nvGrpSpPr>
+      <p:grpSpPr>
+        <a:xfrm>
+          <a:off x="0" y="0"/>
+          <a:ext cx="0" cy="0"/>
+          <a:chOff x="0" y="0"/>
+          <a:chExt cx="0" cy="0"/>
+        </a:xfrm>
+      </p:grpSpPr>
+      <p:grpSp>
+        <p:nvGrpSpPr>
+          <p:cNvPr id="21" name="그룹 20"/>
+          <p:cNvGrpSpPr/>
+          <p:nvPr/>
+        </p:nvGrpSpPr>
+        <p:grpSpPr>
+          <a:xfrm>
+            <a:off x="1835696" y="1988840"/>
+            <a:ext cx="2376264" cy="2088232"/>
+            <a:chOff x="5220072" y="2852936"/>
+            <a:chExt cx="2376264" cy="2088232"/>
+          </a:xfrm>
+        </p:grpSpPr>
+        <p:sp>
+          <p:nvSpPr>
+            <p:cNvPr id="22" name="직사각형 21"/>
+            <p:cNvSpPr/>
+            <p:nvPr/>
+          </p:nvSpPr>
+          <p:spPr>
+            <a:xfrm>
+              <a:off x="5220072" y="2852936"/>
+              <a:ext cx="2376264" cy="2088232"/>
+            </a:xfrm>
+            <a:prstGeom prst="rect">
+              <a:avLst/>
+            </a:prstGeom>
+          </p:spPr>
+          <p:style>
+            <a:lnRef idx="2">
+              <a:schemeClr val="accent1">
+                <a:shade val="50000"/>
+              </a:schemeClr>
+            </a:lnRef>
+            <a:fillRef idx="1">
+              <a:schemeClr val="accent1"/>
+            </a:fillRef>
+            <a:effectRef idx="0">
+              <a:schemeClr val="accent1"/>
+            </a:effectRef>
+            <a:fontRef idx="minor">
+              <a:schemeClr val="lt1"/>
+            </a:fontRef>
+          </p:style>
+          <p:txBody>
+            <a:bodyPr rtlCol="0" anchor="ctr"/>
+            <a:lstStyle/>
+            <a:p>
+              <a:pPr algn="ctr"/>
+              <a:r>
+                <a:rPr lang="en-US" altLang="ko-KR" dirty="0" smtClean="0"/>
+                <a:t>External(ICS7)</a:t>
+              </a:r>
+              <a:endParaRPr lang="ko-KR" altLang="en-US" dirty="0"/>
+            </a:p>
+          </p:txBody>
+        </p:sp>
+        <p:sp>
+          <p:nvSpPr>
+            <p:cNvPr id="23" name="모서리가 둥근 직사각형 22"/>
+            <p:cNvSpPr/>
+            <p:nvPr/>
+          </p:nvSpPr>
+          <p:spPr>
+            <a:xfrm>
+              <a:off x="5220072" y="4437112"/>
+              <a:ext cx="2376264" cy="504056"/>
+            </a:xfrm>
+            <a:prstGeom prst="roundRect">
+              <a:avLst/>
+            </a:prstGeom>
+            <a:solidFill>
+              <a:schemeClr val="accent3">
+                <a:lumMod val="75000"/>
+              </a:schemeClr>
+            </a:solidFill>
+          </p:spPr>
+          <p:style>
+            <a:lnRef idx="2">
+              <a:schemeClr val="accent1">
+                <a:shade val="50000"/>
+              </a:schemeClr>
+            </a:lnRef>
+            <a:fillRef idx="1">
+              <a:schemeClr val="accent1"/>
+            </a:fillRef>
+            <a:effectRef idx="0">
+              <a:schemeClr val="accent1"/>
+            </a:effectRef>
+            <a:fontRef idx="minor">
+              <a:schemeClr val="lt1"/>
+            </a:fontRef>
+          </p:style>
+          <p:txBody>
+            <a:bodyPr rtlCol="0" anchor="ctr"/>
+            <a:lstStyle/>
+            <a:p>
+              <a:pPr algn="ctr"/>
+              <a:r>
+                <a:rPr lang="en-US" altLang="ko-KR" dirty="0" err="1" smtClean="0"/>
+                <a:t>Craken</a:t>
+              </a:r>
+              <a:endParaRPr lang="ko-KR" altLang="en-US" sz="1200" dirty="0"/>
+            </a:p>
+          </p:txBody>
+        </p:sp>
+      </p:grpSp>
+      <p:sp>
+        <p:nvSpPr>
+          <p:cNvPr id="2" name="제목 1"/>
+          <p:cNvSpPr>
+            <a:spLocks noGrp="1"/>
+          </p:cNvSpPr>
+          <p:nvPr>
+            <p:ph type="title"/>
           </p:nvPr>
         </p:nvSpPr>
         <p:spPr/>
@@ -4725,7 +6817,446 @@
           <a:bodyPr/>
           <a:lstStyle/>
           <a:p>
+            <a:r>
+              <a:rPr lang="en-US" altLang="ko-KR" sz="2400" dirty="0" smtClean="0"/>
+              <a:t>Solve</a:t>
+            </a:r>
+            <a:r>
+              <a:rPr lang="en-US" altLang="ko-KR" dirty="0" smtClean="0"/>
+              <a:t> Defined Script</a:t>
+            </a:r>
+            <a:endParaRPr lang="ko-KR" altLang="en-US" dirty="0"/>
+          </a:p>
+        </p:txBody>
+      </p:sp>
+      <p:grpSp>
+        <p:nvGrpSpPr>
+          <p:cNvPr id="4" name="그룹 3"/>
+          <p:cNvGrpSpPr/>
+          <p:nvPr/>
+        </p:nvGrpSpPr>
+        <p:grpSpPr>
+          <a:xfrm>
+            <a:off x="1763688" y="1916832"/>
+            <a:ext cx="2376264" cy="2088232"/>
+            <a:chOff x="5220072" y="2852936"/>
+            <a:chExt cx="2376264" cy="2088232"/>
+          </a:xfrm>
+        </p:grpSpPr>
+        <p:sp>
+          <p:nvSpPr>
+            <p:cNvPr id="5" name="직사각형 4"/>
+            <p:cNvSpPr/>
+            <p:nvPr/>
+          </p:nvSpPr>
+          <p:spPr>
+            <a:xfrm>
+              <a:off x="5220072" y="2852936"/>
+              <a:ext cx="2376264" cy="2088232"/>
+            </a:xfrm>
+            <a:prstGeom prst="rect">
+              <a:avLst/>
+            </a:prstGeom>
+          </p:spPr>
+          <p:style>
+            <a:lnRef idx="2">
+              <a:schemeClr val="accent1">
+                <a:shade val="50000"/>
+              </a:schemeClr>
+            </a:lnRef>
+            <a:fillRef idx="1">
+              <a:schemeClr val="accent1"/>
+            </a:fillRef>
+            <a:effectRef idx="0">
+              <a:schemeClr val="accent1"/>
+            </a:effectRef>
+            <a:fontRef idx="minor">
+              <a:schemeClr val="lt1"/>
+            </a:fontRef>
+          </p:style>
+          <p:txBody>
+            <a:bodyPr rtlCol="0" anchor="ctr"/>
+            <a:lstStyle/>
+            <a:p>
+              <a:pPr algn="ctr"/>
+              <a:r>
+                <a:rPr lang="en-US" altLang="ko-KR" dirty="0" smtClean="0"/>
+                <a:t>External(ICS7)</a:t>
+              </a:r>
+              <a:endParaRPr lang="ko-KR" altLang="en-US" dirty="0"/>
+            </a:p>
+          </p:txBody>
+        </p:sp>
+        <p:sp>
+          <p:nvSpPr>
+            <p:cNvPr id="6" name="모서리가 둥근 직사각형 5"/>
+            <p:cNvSpPr/>
+            <p:nvPr/>
+          </p:nvSpPr>
+          <p:spPr>
+            <a:xfrm>
+              <a:off x="5220072" y="4437112"/>
+              <a:ext cx="2376264" cy="504056"/>
+            </a:xfrm>
+            <a:prstGeom prst="roundRect">
+              <a:avLst/>
+            </a:prstGeom>
+            <a:solidFill>
+              <a:schemeClr val="accent3">
+                <a:lumMod val="75000"/>
+              </a:schemeClr>
+            </a:solidFill>
+          </p:spPr>
+          <p:style>
+            <a:lnRef idx="2">
+              <a:schemeClr val="accent1">
+                <a:shade val="50000"/>
+              </a:schemeClr>
+            </a:lnRef>
+            <a:fillRef idx="1">
+              <a:schemeClr val="accent1"/>
+            </a:fillRef>
+            <a:effectRef idx="0">
+              <a:schemeClr val="accent1"/>
+            </a:effectRef>
+            <a:fontRef idx="minor">
+              <a:schemeClr val="lt1"/>
+            </a:fontRef>
+          </p:style>
+          <p:txBody>
+            <a:bodyPr rtlCol="0" anchor="ctr"/>
+            <a:lstStyle/>
+            <a:p>
+              <a:pPr algn="ctr"/>
+              <a:r>
+                <a:rPr lang="en-US" altLang="ko-KR" dirty="0" err="1" smtClean="0"/>
+                <a:t>Craken</a:t>
+              </a:r>
+              <a:endParaRPr lang="ko-KR" altLang="en-US" sz="1200" dirty="0"/>
+            </a:p>
+          </p:txBody>
+        </p:sp>
+      </p:grpSp>
+      <p:sp>
+        <p:nvSpPr>
+          <p:cNvPr id="15" name="TextBox 14"/>
+          <p:cNvSpPr txBox="1"/>
+          <p:nvPr/>
+        </p:nvSpPr>
+        <p:spPr>
+          <a:xfrm>
+            <a:off x="2843809" y="5949280"/>
+            <a:ext cx="2029658" cy="369332"/>
+          </a:xfrm>
+          <a:prstGeom prst="rect">
+            <a:avLst/>
+          </a:prstGeom>
+          <a:noFill/>
+        </p:spPr>
+        <p:txBody>
+          <a:bodyPr wrap="none" rtlCol="0">
+            <a:spAutoFit/>
+          </a:bodyPr>
+          <a:lstStyle/>
+          <a:p>
+            <a:r>
+              <a:rPr lang="en-US" altLang="ko-KR" dirty="0" smtClean="0"/>
+              <a:t>Other </a:t>
+            </a:r>
+            <a:r>
+              <a:rPr lang="en-US" altLang="ko-KR" dirty="0" err="1" smtClean="0"/>
+              <a:t>Datasource</a:t>
+            </a:r>
+            <a:endParaRPr lang="ko-KR" altLang="en-US" dirty="0"/>
+          </a:p>
+        </p:txBody>
+      </p:sp>
+      <p:pic>
+        <p:nvPicPr>
+          <p:cNvPr id="16" name="Picture 6" descr="http://pixabay.com/static/uploads/photo/2013/07/13/10/17/computer-156948_640.png"/>
+          <p:cNvPicPr>
+            <a:picLocks noChangeAspect="1" noChangeArrowheads="1"/>
+          </p:cNvPicPr>
+          <p:nvPr/>
+        </p:nvPicPr>
+        <p:blipFill>
+          <a:blip r:embed="rId2" cstate="print"/>
+          <a:srcRect/>
+          <a:stretch>
+            <a:fillRect/>
+          </a:stretch>
+        </p:blipFill>
+        <p:spPr bwMode="auto">
+          <a:xfrm>
+            <a:off x="1763689" y="4869160"/>
+            <a:ext cx="1224136" cy="1024796"/>
+          </a:xfrm>
+          <a:prstGeom prst="rect">
+            <a:avLst/>
+          </a:prstGeom>
+          <a:noFill/>
+        </p:spPr>
+      </p:pic>
+      <p:pic>
+        <p:nvPicPr>
+          <p:cNvPr id="17" name="Picture 4" descr="http://png-3.findicons.com/files/icons/977/rrze/720/computer_database.png"/>
+          <p:cNvPicPr>
+            <a:picLocks noChangeAspect="1" noChangeArrowheads="1"/>
+          </p:cNvPicPr>
+          <p:nvPr/>
+        </p:nvPicPr>
+        <p:blipFill>
+          <a:blip r:embed="rId3" cstate="print"/>
+          <a:srcRect/>
+          <a:stretch>
+            <a:fillRect/>
+          </a:stretch>
+        </p:blipFill>
+        <p:spPr bwMode="auto">
+          <a:xfrm>
+            <a:off x="3131841" y="4869160"/>
+            <a:ext cx="1425200" cy="1008112"/>
+          </a:xfrm>
+          <a:prstGeom prst="rect">
+            <a:avLst/>
+          </a:prstGeom>
+          <a:noFill/>
+        </p:spPr>
+      </p:pic>
+      <p:pic>
+        <p:nvPicPr>
+          <p:cNvPr id="18" name="Picture 2" descr="http://fc07.deviantart.net/fs71/f/2011/142/2/a/computer_database_icon_by_gos6-d3h06we.jpg"/>
+          <p:cNvPicPr>
+            <a:picLocks noChangeAspect="1" noChangeArrowheads="1"/>
+          </p:cNvPicPr>
+          <p:nvPr/>
+        </p:nvPicPr>
+        <p:blipFill>
+          <a:blip r:embed="rId4" cstate="print"/>
+          <a:srcRect/>
+          <a:stretch>
+            <a:fillRect/>
+          </a:stretch>
+        </p:blipFill>
+        <p:spPr bwMode="auto">
+          <a:xfrm>
+            <a:off x="4644008" y="4869160"/>
+            <a:ext cx="1660419" cy="1008112"/>
+          </a:xfrm>
+          <a:prstGeom prst="rect">
+            <a:avLst/>
+          </a:prstGeom>
+          <a:noFill/>
+        </p:spPr>
+      </p:pic>
+      <p:sp>
+        <p:nvSpPr>
+          <p:cNvPr id="19" name="아래쪽 화살표 18"/>
+          <p:cNvSpPr/>
+          <p:nvPr/>
+        </p:nvSpPr>
+        <p:spPr>
+          <a:xfrm>
+            <a:off x="2771800" y="4149080"/>
+            <a:ext cx="864096" cy="576064"/>
+          </a:xfrm>
+          <a:prstGeom prst="downArrow">
+            <a:avLst/>
+          </a:prstGeom>
+          <a:solidFill>
+            <a:schemeClr val="accent3">
+              <a:lumMod val="75000"/>
+            </a:schemeClr>
+          </a:solidFill>
+        </p:spPr>
+        <p:style>
+          <a:lnRef idx="2">
+            <a:schemeClr val="accent1">
+              <a:shade val="50000"/>
+            </a:schemeClr>
+          </a:lnRef>
+          <a:fillRef idx="1">
+            <a:schemeClr val="accent1"/>
+          </a:fillRef>
+          <a:effectRef idx="0">
+            <a:schemeClr val="accent1"/>
+          </a:effectRef>
+          <a:fontRef idx="minor">
+            <a:schemeClr val="lt1"/>
+          </a:fontRef>
+        </p:style>
+        <p:txBody>
+          <a:bodyPr rtlCol="0" anchor="ctr"/>
+          <a:lstStyle/>
+          <a:p>
+            <a:pPr algn="ctr"/>
             <a:endParaRPr lang="ko-KR" altLang="en-US"/>
+          </a:p>
+        </p:txBody>
+      </p:sp>
+      <p:sp>
+        <p:nvSpPr>
+          <p:cNvPr id="20" name="TextBox 19"/>
+          <p:cNvSpPr txBox="1"/>
+          <p:nvPr/>
+        </p:nvSpPr>
+        <p:spPr>
+          <a:xfrm>
+            <a:off x="3707904" y="4293096"/>
+            <a:ext cx="1103187" cy="369332"/>
+          </a:xfrm>
+          <a:prstGeom prst="rect">
+            <a:avLst/>
+          </a:prstGeom>
+          <a:noFill/>
+        </p:spPr>
+        <p:txBody>
+          <a:bodyPr wrap="none" rtlCol="0">
+            <a:spAutoFit/>
+          </a:bodyPr>
+          <a:lstStyle/>
+          <a:p>
+            <a:r>
+              <a:rPr lang="en-US" altLang="ko-KR" dirty="0" smtClean="0"/>
+              <a:t>Scripting</a:t>
+            </a:r>
+            <a:endParaRPr lang="ko-KR" altLang="en-US" dirty="0"/>
+          </a:p>
+        </p:txBody>
+      </p:sp>
+      <p:sp>
+        <p:nvSpPr>
+          <p:cNvPr id="24" name="직사각형 23"/>
+          <p:cNvSpPr/>
+          <p:nvPr/>
+        </p:nvSpPr>
+        <p:spPr>
+          <a:xfrm>
+            <a:off x="4499992" y="1916832"/>
+            <a:ext cx="1656184" cy="2160240"/>
+          </a:xfrm>
+          <a:prstGeom prst="rect">
+            <a:avLst/>
+          </a:prstGeom>
+          <a:solidFill>
+            <a:schemeClr val="bg1">
+              <a:lumMod val="75000"/>
+            </a:schemeClr>
+          </a:solidFill>
+        </p:spPr>
+        <p:style>
+          <a:lnRef idx="2">
+            <a:schemeClr val="accent1">
+              <a:shade val="50000"/>
+            </a:schemeClr>
+          </a:lnRef>
+          <a:fillRef idx="1">
+            <a:schemeClr val="accent1"/>
+          </a:fillRef>
+          <a:effectRef idx="0">
+            <a:schemeClr val="accent1"/>
+          </a:effectRef>
+          <a:fontRef idx="minor">
+            <a:schemeClr val="lt1"/>
+          </a:fontRef>
+        </p:style>
+        <p:txBody>
+          <a:bodyPr rtlCol="0" anchor="ctr"/>
+          <a:lstStyle/>
+          <a:p>
+            <a:pPr algn="ctr"/>
+            <a:r>
+              <a:rPr lang="en-US" altLang="ko-KR" sz="2000" dirty="0" smtClean="0">
+                <a:solidFill>
+                  <a:schemeClr val="tx1"/>
+                </a:solidFill>
+              </a:rPr>
+              <a:t>API</a:t>
+            </a:r>
+          </a:p>
+          <a:p>
+            <a:pPr algn="ctr"/>
+            <a:r>
+              <a:rPr lang="en-US" altLang="ko-KR" sz="2000" dirty="0" smtClean="0">
+                <a:solidFill>
+                  <a:schemeClr val="tx1"/>
+                </a:solidFill>
+              </a:rPr>
+              <a:t>or</a:t>
+            </a:r>
+          </a:p>
+          <a:p>
+            <a:pPr algn="ctr"/>
+            <a:r>
+              <a:rPr lang="en-US" altLang="ko-KR" sz="2000" dirty="0" smtClean="0">
+                <a:solidFill>
+                  <a:schemeClr val="tx1"/>
+                </a:solidFill>
+              </a:rPr>
+              <a:t>Script</a:t>
+            </a:r>
+            <a:endParaRPr lang="ko-KR" altLang="en-US" dirty="0">
+              <a:solidFill>
+                <a:schemeClr val="tx1"/>
+              </a:solidFill>
+            </a:endParaRPr>
+          </a:p>
+        </p:txBody>
+      </p:sp>
+      <p:sp>
+        <p:nvSpPr>
+          <p:cNvPr id="25" name="왼쪽 화살표 24"/>
+          <p:cNvSpPr/>
+          <p:nvPr/>
+        </p:nvSpPr>
+        <p:spPr>
+          <a:xfrm>
+            <a:off x="6660232" y="2132856"/>
+            <a:ext cx="1512168" cy="1800200"/>
+          </a:xfrm>
+          <a:prstGeom prst="leftArrow">
+            <a:avLst/>
+          </a:prstGeom>
+          <a:solidFill>
+            <a:schemeClr val="tx1">
+              <a:lumMod val="50000"/>
+              <a:lumOff val="50000"/>
+            </a:schemeClr>
+          </a:solidFill>
+        </p:spPr>
+        <p:style>
+          <a:lnRef idx="2">
+            <a:schemeClr val="accent1">
+              <a:shade val="50000"/>
+            </a:schemeClr>
+          </a:lnRef>
+          <a:fillRef idx="1">
+            <a:schemeClr val="accent1"/>
+          </a:fillRef>
+          <a:effectRef idx="0">
+            <a:schemeClr val="accent1"/>
+          </a:effectRef>
+          <a:fontRef idx="minor">
+            <a:schemeClr val="lt1"/>
+          </a:fontRef>
+        </p:style>
+        <p:txBody>
+          <a:bodyPr rtlCol="0" anchor="ctr"/>
+          <a:lstStyle/>
+          <a:p>
+            <a:pPr algn="ctr"/>
+            <a:r>
+              <a:rPr lang="en-US" altLang="ko-KR" dirty="0" smtClean="0"/>
+              <a:t>Open</a:t>
+            </a:r>
+          </a:p>
+          <a:p>
+            <a:pPr algn="ctr"/>
+            <a:r>
+              <a:rPr lang="en-US" altLang="ko-KR" dirty="0" smtClean="0"/>
+              <a:t>Request</a:t>
+            </a:r>
+            <a:endParaRPr lang="ko-KR" altLang="en-US" dirty="0"/>
           </a:p>
         </p:txBody>
       </p:sp>

--- a/resource/docs/first.pptx
+++ b/resource/docs/first.pptx
@@ -3911,35 +3911,105 @@
             <p:ph type="ctrTitle"/>
           </p:nvPr>
         </p:nvSpPr>
-        <p:spPr/>
-        <p:txBody>
-          <a:bodyPr/>
-          <a:lstStyle/>
-          <a:p>
+        <p:spPr>
+          <a:xfrm>
+            <a:off x="1763688" y="1628800"/>
+            <a:ext cx="5398368" cy="1470025"/>
+          </a:xfrm>
+        </p:spPr>
+        <p:txBody>
+          <a:bodyPr>
+            <a:normAutofit/>
+          </a:bodyPr>
+          <a:lstStyle/>
+          <a:p>
+            <a:r>
+              <a:rPr lang="en-US" altLang="ko-KR" sz="6000" dirty="0" smtClean="0"/>
+              <a:t>ICS</a:t>
+            </a:r>
+            <a:endParaRPr lang="ko-KR" altLang="en-US" sz="6000" dirty="0"/>
+          </a:p>
+        </p:txBody>
+      </p:sp>
+      <p:sp>
+        <p:nvSpPr>
+          <p:cNvPr id="3" name="부제목 2"/>
+          <p:cNvSpPr>
+            <a:spLocks noGrp="1"/>
+          </p:cNvSpPr>
+          <p:nvPr>
+            <p:ph type="subTitle" idx="1"/>
+          </p:nvPr>
+        </p:nvSpPr>
+        <p:spPr>
+          <a:xfrm>
+            <a:off x="2411760" y="3717032"/>
+            <a:ext cx="4136504" cy="1896616"/>
+          </a:xfrm>
+        </p:spPr>
+        <p:txBody>
+          <a:bodyPr>
+            <a:normAutofit fontScale="92500" lnSpcReduction="20000"/>
+          </a:bodyPr>
+          <a:lstStyle/>
+          <a:p>
+            <a:pPr algn="l">
+              <a:buFontTx/>
+              <a:buChar char="-"/>
+            </a:pPr>
             <a:r>
               <a:rPr lang="en-US" altLang="ko-KR" dirty="0" smtClean="0"/>
-              <a:t>ICS</a:t>
-            </a:r>
+              <a:t> Problem</a:t>
+            </a:r>
+          </a:p>
+          <a:p>
+            <a:pPr algn="l">
+              <a:buFontTx/>
+              <a:buChar char="-"/>
+            </a:pPr>
+            <a:r>
+              <a:rPr lang="en-US" altLang="ko-KR" dirty="0"/>
+              <a:t> </a:t>
+            </a:r>
+            <a:r>
+              <a:rPr lang="en-US" altLang="ko-KR" dirty="0" smtClean="0"/>
+              <a:t>Define</a:t>
+            </a:r>
+          </a:p>
+          <a:p>
+            <a:pPr algn="l">
+              <a:buFontTx/>
+              <a:buChar char="-"/>
+            </a:pPr>
+            <a:r>
+              <a:rPr lang="en-US" altLang="ko-KR" dirty="0"/>
+              <a:t> </a:t>
+            </a:r>
+            <a:r>
+              <a:rPr lang="en-US" altLang="ko-KR" dirty="0" smtClean="0"/>
+              <a:t>Solve</a:t>
+            </a:r>
+          </a:p>
+          <a:p>
+            <a:pPr algn="l">
+              <a:buFontTx/>
+              <a:buChar char="-"/>
+            </a:pPr>
+            <a:r>
+              <a:rPr lang="en-US" altLang="ko-KR" dirty="0"/>
+              <a:t> </a:t>
+            </a:r>
+            <a:r>
+              <a:rPr lang="en-US" altLang="ko-KR" dirty="0" smtClean="0"/>
+              <a:t>Demo</a:t>
+            </a:r>
+          </a:p>
+          <a:p>
+            <a:pPr algn="l">
+              <a:buFontTx/>
+              <a:buChar char="-"/>
+            </a:pPr>
             <a:endParaRPr lang="ko-KR" altLang="en-US" dirty="0"/>
-          </a:p>
-        </p:txBody>
-      </p:sp>
-      <p:sp>
-        <p:nvSpPr>
-          <p:cNvPr id="3" name="부제목 2"/>
-          <p:cNvSpPr>
-            <a:spLocks noGrp="1"/>
-          </p:cNvSpPr>
-          <p:nvPr>
-            <p:ph type="subTitle" idx="1"/>
-          </p:nvPr>
-        </p:nvSpPr>
-        <p:spPr/>
-        <p:txBody>
-          <a:bodyPr/>
-          <a:lstStyle/>
-          <a:p>
-            <a:endParaRPr lang="ko-KR" altLang="en-US"/>
           </a:p>
         </p:txBody>
       </p:sp>
